--- a/PythonProject.pptx
+++ b/PythonProject.pptx
@@ -2,7 +2,7 @@
 <file path=ppt/presentation.xml><?xml version="1.0" encoding="utf-8"?>
 <p:presentation xmlns:a="http://schemas.openxmlformats.org/drawingml/2006/main" xmlns:r="http://schemas.openxmlformats.org/officeDocument/2006/relationships" xmlns:p="http://schemas.openxmlformats.org/presentationml/2006/main" saveSubsetFonts="1">
   <p:sldMasterIdLst>
-    <p:sldMasterId id="2147483648" r:id="rId1"/>
+    <p:sldMasterId id="2147483791" r:id="rId1"/>
   </p:sldMasterIdLst>
   <p:sldIdLst>
     <p:sldId id="257" r:id="rId2"/>
@@ -19,9 +19,9 @@
   <p:notesSz cx="6858000" cy="9144000"/>
   <p:defaultTextStyle>
     <a:defPPr>
-      <a:defRPr lang="fr-FR"/>
+      <a:defRPr lang="en-US"/>
     </a:defPPr>
-    <a:lvl1pPr marL="0" algn="l" defTabSz="914400" rtl="0" eaLnBrk="1" latinLnBrk="0" hangingPunct="1">
+    <a:lvl1pPr marL="0" algn="l" defTabSz="457200" rtl="0" eaLnBrk="1" latinLnBrk="0" hangingPunct="1">
       <a:defRPr sz="1800" kern="1200">
         <a:solidFill>
           <a:schemeClr val="tx1"/>
@@ -31,7 +31,7 @@
         <a:cs typeface="+mn-cs"/>
       </a:defRPr>
     </a:lvl1pPr>
-    <a:lvl2pPr marL="457200" algn="l" defTabSz="914400" rtl="0" eaLnBrk="1" latinLnBrk="0" hangingPunct="1">
+    <a:lvl2pPr marL="457200" algn="l" defTabSz="457200" rtl="0" eaLnBrk="1" latinLnBrk="0" hangingPunct="1">
       <a:defRPr sz="1800" kern="1200">
         <a:solidFill>
           <a:schemeClr val="tx1"/>
@@ -41,7 +41,7 @@
         <a:cs typeface="+mn-cs"/>
       </a:defRPr>
     </a:lvl2pPr>
-    <a:lvl3pPr marL="914400" algn="l" defTabSz="914400" rtl="0" eaLnBrk="1" latinLnBrk="0" hangingPunct="1">
+    <a:lvl3pPr marL="914400" algn="l" defTabSz="457200" rtl="0" eaLnBrk="1" latinLnBrk="0" hangingPunct="1">
       <a:defRPr sz="1800" kern="1200">
         <a:solidFill>
           <a:schemeClr val="tx1"/>
@@ -51,7 +51,7 @@
         <a:cs typeface="+mn-cs"/>
       </a:defRPr>
     </a:lvl3pPr>
-    <a:lvl4pPr marL="1371600" algn="l" defTabSz="914400" rtl="0" eaLnBrk="1" latinLnBrk="0" hangingPunct="1">
+    <a:lvl4pPr marL="1371600" algn="l" defTabSz="457200" rtl="0" eaLnBrk="1" latinLnBrk="0" hangingPunct="1">
       <a:defRPr sz="1800" kern="1200">
         <a:solidFill>
           <a:schemeClr val="tx1"/>
@@ -61,7 +61,7 @@
         <a:cs typeface="+mn-cs"/>
       </a:defRPr>
     </a:lvl4pPr>
-    <a:lvl5pPr marL="1828800" algn="l" defTabSz="914400" rtl="0" eaLnBrk="1" latinLnBrk="0" hangingPunct="1">
+    <a:lvl5pPr marL="1828800" algn="l" defTabSz="457200" rtl="0" eaLnBrk="1" latinLnBrk="0" hangingPunct="1">
       <a:defRPr sz="1800" kern="1200">
         <a:solidFill>
           <a:schemeClr val="tx1"/>
@@ -71,7 +71,7 @@
         <a:cs typeface="+mn-cs"/>
       </a:defRPr>
     </a:lvl5pPr>
-    <a:lvl6pPr marL="2286000" algn="l" defTabSz="914400" rtl="0" eaLnBrk="1" latinLnBrk="0" hangingPunct="1">
+    <a:lvl6pPr marL="2286000" algn="l" defTabSz="457200" rtl="0" eaLnBrk="1" latinLnBrk="0" hangingPunct="1">
       <a:defRPr sz="1800" kern="1200">
         <a:solidFill>
           <a:schemeClr val="tx1"/>
@@ -81,7 +81,7 @@
         <a:cs typeface="+mn-cs"/>
       </a:defRPr>
     </a:lvl6pPr>
-    <a:lvl7pPr marL="2743200" algn="l" defTabSz="914400" rtl="0" eaLnBrk="1" latinLnBrk="0" hangingPunct="1">
+    <a:lvl7pPr marL="2743200" algn="l" defTabSz="457200" rtl="0" eaLnBrk="1" latinLnBrk="0" hangingPunct="1">
       <a:defRPr sz="1800" kern="1200">
         <a:solidFill>
           <a:schemeClr val="tx1"/>
@@ -91,7 +91,7 @@
         <a:cs typeface="+mn-cs"/>
       </a:defRPr>
     </a:lvl7pPr>
-    <a:lvl8pPr marL="3200400" algn="l" defTabSz="914400" rtl="0" eaLnBrk="1" latinLnBrk="0" hangingPunct="1">
+    <a:lvl8pPr marL="3200400" algn="l" defTabSz="457200" rtl="0" eaLnBrk="1" latinLnBrk="0" hangingPunct="1">
       <a:defRPr sz="1800" kern="1200">
         <a:solidFill>
           <a:schemeClr val="tx1"/>
@@ -101,7 +101,7 @@
         <a:cs typeface="+mn-cs"/>
       </a:defRPr>
     </a:lvl8pPr>
-    <a:lvl9pPr marL="3657600" algn="l" defTabSz="914400" rtl="0" eaLnBrk="1" latinLnBrk="0" hangingPunct="1">
+    <a:lvl9pPr marL="3657600" algn="l" defTabSz="457200" rtl="0" eaLnBrk="1" latinLnBrk="0" hangingPunct="1">
       <a:defRPr sz="1800" kern="1200">
         <a:solidFill>
           <a:schemeClr val="tx1"/>
@@ -137,15 +137,39 @@
           <a:chExt cx="0" cy="0"/>
         </a:xfrm>
       </p:grpSpPr>
-      <p:sp>
-        <p:nvSpPr>
-          <p:cNvPr id="2" name="Titre 1">
+      <p:pic>
+        <p:nvPicPr>
+          <p:cNvPr id="8" name="Picture 7" descr="C3-HD-BTM.png"/>
+          <p:cNvPicPr>
+            <a:picLocks noChangeAspect="1"/>
+          </p:cNvPicPr>
+          <p:nvPr/>
+        </p:nvPicPr>
+        <p:blipFill>
+          <a:blip r:embed="rId2">
             <a:extLst>
-              <a:ext uri="{FF2B5EF4-FFF2-40B4-BE49-F238E27FC236}">
-                <a16:creationId xmlns:a16="http://schemas.microsoft.com/office/drawing/2014/main" id="{5F349355-0B09-4356-AC28-0CD02D05A93E}"/>
+              <a:ext uri="{28A0092B-C50C-407E-A947-70E740481C1C}">
+                <a14:useLocalDpi xmlns:a14="http://schemas.microsoft.com/office/drawing/2010/main" val="0"/>
               </a:ext>
             </a:extLst>
-          </p:cNvPr>
+          </a:blip>
+          <a:stretch>
+            <a:fillRect/>
+          </a:stretch>
+        </p:blipFill>
+        <p:spPr>
+          <a:xfrm>
+            <a:off x="0" y="4375150"/>
+            <a:ext cx="12192000" cy="2482850"/>
+          </a:xfrm>
+          <a:prstGeom prst="rect">
+            <a:avLst/>
+          </a:prstGeom>
+        </p:spPr>
+      </p:pic>
+      <p:sp>
+        <p:nvSpPr>
+          <p:cNvPr id="2" name="Title 1"/>
           <p:cNvSpPr>
             <a:spLocks noGrp="1"/>
           </p:cNvSpPr>
@@ -155,14 +179,16 @@
         </p:nvSpPr>
         <p:spPr>
           <a:xfrm>
-            <a:off x="1524000" y="1122363"/>
-            <a:ext cx="9144000" cy="2387600"/>
-          </a:xfrm>
-        </p:spPr>
-        <p:txBody>
-          <a:bodyPr anchor="b"/>
+            <a:off x="1371600" y="1803405"/>
+            <a:ext cx="9448800" cy="1825096"/>
+          </a:xfrm>
+        </p:spPr>
+        <p:txBody>
+          <a:bodyPr anchor="b">
+            <a:normAutofit/>
+          </a:bodyPr>
           <a:lstStyle>
-            <a:lvl1pPr algn="ctr">
+            <a:lvl1pPr algn="l">
               <a:defRPr sz="6000"/>
             </a:lvl1pPr>
           </a:lstStyle>
@@ -171,18 +197,13 @@
               <a:rPr lang="fr-FR"/>
               <a:t>Modifiez le style du titre</a:t>
             </a:r>
-          </a:p>
-        </p:txBody>
-      </p:sp>
-      <p:sp>
-        <p:nvSpPr>
-          <p:cNvPr id="3" name="Sous-titre 2">
-            <a:extLst>
-              <a:ext uri="{FF2B5EF4-FFF2-40B4-BE49-F238E27FC236}">
-                <a16:creationId xmlns:a16="http://schemas.microsoft.com/office/drawing/2014/main" id="{FB361671-9C76-4165-A699-68D536FC5274}"/>
-              </a:ext>
-            </a:extLst>
-          </p:cNvPr>
+            <a:endParaRPr lang="en-US" dirty="0"/>
+          </a:p>
+        </p:txBody>
+      </p:sp>
+      <p:sp>
+        <p:nvSpPr>
+          <p:cNvPr id="3" name="Subtitle 2"/>
           <p:cNvSpPr>
             <a:spLocks noGrp="1"/>
           </p:cNvSpPr>
@@ -192,16 +213,18 @@
         </p:nvSpPr>
         <p:spPr>
           <a:xfrm>
-            <a:off x="1524000" y="3602038"/>
-            <a:ext cx="9144000" cy="1655762"/>
-          </a:xfrm>
-        </p:spPr>
-        <p:txBody>
-          <a:bodyPr/>
+            <a:off x="1371600" y="3632201"/>
+            <a:ext cx="9448800" cy="685800"/>
+          </a:xfrm>
+        </p:spPr>
+        <p:txBody>
+          <a:bodyPr>
+            <a:normAutofit/>
+          </a:bodyPr>
           <a:lstStyle>
-            <a:lvl1pPr marL="0" indent="0" algn="ctr">
-              <a:buNone/>
-              <a:defRPr sz="2400"/>
+            <a:lvl1pPr marL="0" indent="0" algn="l">
+              <a:buNone/>
+              <a:defRPr sz="2000"/>
             </a:lvl1pPr>
             <a:lvl2pPr marL="457200" indent="0" algn="ctr">
               <a:buNone/>
@@ -241,18 +264,13 @@
               <a:rPr lang="fr-FR"/>
               <a:t>Modifiez le style des sous-titres du masque</a:t>
             </a:r>
-          </a:p>
-        </p:txBody>
-      </p:sp>
-      <p:sp>
-        <p:nvSpPr>
-          <p:cNvPr id="4" name="Espace réservé de la date 3">
-            <a:extLst>
-              <a:ext uri="{FF2B5EF4-FFF2-40B4-BE49-F238E27FC236}">
-                <a16:creationId xmlns:a16="http://schemas.microsoft.com/office/drawing/2014/main" id="{CB0A7C39-003B-4453-A9BE-812A9D8F17F3}"/>
-              </a:ext>
-            </a:extLst>
-          </p:cNvPr>
+            <a:endParaRPr lang="en-US" dirty="0"/>
+          </a:p>
+        </p:txBody>
+      </p:sp>
+      <p:sp>
+        <p:nvSpPr>
+          <p:cNvPr id="4" name="Date Placeholder 3"/>
           <p:cNvSpPr>
             <a:spLocks noGrp="1"/>
           </p:cNvSpPr>
@@ -260,14 +278,19 @@
             <p:ph type="dt" sz="half" idx="10"/>
           </p:nvPr>
         </p:nvSpPr>
-        <p:spPr/>
+        <p:spPr>
+          <a:xfrm>
+            <a:off x="7909561" y="4314328"/>
+            <a:ext cx="2910840" cy="374642"/>
+          </a:xfrm>
+        </p:spPr>
         <p:txBody>
           <a:bodyPr/>
           <a:lstStyle/>
           <a:p>
             <a:fld id="{4A480F61-AD29-4A6D-9D5B-CDF172F3995E}" type="datetimeFigureOut">
               <a:rPr lang="fr-FR" smtClean="0"/>
-              <a:t>04/01/2022</a:t>
+              <a:t>05/01/2022</a:t>
             </a:fld>
             <a:endParaRPr lang="fr-FR"/>
           </a:p>
@@ -275,13 +298,7 @@
       </p:sp>
       <p:sp>
         <p:nvSpPr>
-          <p:cNvPr id="5" name="Espace réservé du pied de page 4">
-            <a:extLst>
-              <a:ext uri="{FF2B5EF4-FFF2-40B4-BE49-F238E27FC236}">
-                <a16:creationId xmlns:a16="http://schemas.microsoft.com/office/drawing/2014/main" id="{6DEB1831-B243-4961-9161-B28207C4D954}"/>
-              </a:ext>
-            </a:extLst>
-          </p:cNvPr>
+          <p:cNvPr id="5" name="Footer Placeholder 4"/>
           <p:cNvSpPr>
             <a:spLocks noGrp="1"/>
           </p:cNvSpPr>
@@ -289,7 +306,12 @@
             <p:ph type="ftr" sz="quarter" idx="11"/>
           </p:nvPr>
         </p:nvSpPr>
-        <p:spPr/>
+        <p:spPr>
+          <a:xfrm>
+            <a:off x="1371600" y="4323845"/>
+            <a:ext cx="6400800" cy="365125"/>
+          </a:xfrm>
+        </p:spPr>
         <p:txBody>
           <a:bodyPr/>
           <a:lstStyle/>
@@ -300,13 +322,7 @@
       </p:sp>
       <p:sp>
         <p:nvSpPr>
-          <p:cNvPr id="6" name="Espace réservé du numéro de diapositive 5">
-            <a:extLst>
-              <a:ext uri="{FF2B5EF4-FFF2-40B4-BE49-F238E27FC236}">
-                <a16:creationId xmlns:a16="http://schemas.microsoft.com/office/drawing/2014/main" id="{A93B7755-4BBD-4D51-8AC3-EE671B7C481F}"/>
-              </a:ext>
-            </a:extLst>
-          </p:cNvPr>
+          <p:cNvPr id="6" name="Slide Number Placeholder 5"/>
           <p:cNvSpPr>
             <a:spLocks noGrp="1"/>
           </p:cNvSpPr>
@@ -314,7 +330,12 @@
             <p:ph type="sldNum" sz="quarter" idx="12"/>
           </p:nvPr>
         </p:nvSpPr>
-        <p:spPr/>
+        <p:spPr>
+          <a:xfrm>
+            <a:off x="8077200" y="1430866"/>
+            <a:ext cx="2743200" cy="365125"/>
+          </a:xfrm>
+        </p:spPr>
         <p:txBody>
           <a:bodyPr/>
           <a:lstStyle/>
@@ -330,7 +351,7 @@
     </p:spTree>
     <p:extLst>
       <p:ext uri="{BB962C8B-B14F-4D97-AF65-F5344CB8AC3E}">
-        <p14:creationId xmlns:p14="http://schemas.microsoft.com/office/powerpoint/2010/main" val="259171059"/>
+        <p14:creationId xmlns:p14="http://schemas.microsoft.com/office/powerpoint/2010/main" val="643569245"/>
       </p:ext>
     </p:extLst>
   </p:cSld>
@@ -341,6 +362,2598 @@
 </file>
 
 <file path=ppt/slideLayouts/slideLayout10.xml><?xml version="1.0" encoding="utf-8"?>
+<p:sldLayout xmlns:a="http://schemas.openxmlformats.org/drawingml/2006/main" xmlns:r="http://schemas.openxmlformats.org/officeDocument/2006/relationships" xmlns:p="http://schemas.openxmlformats.org/presentationml/2006/main" preserve="1">
+  <p:cSld name="Image panoramique avec légende">
+    <p:spTree>
+      <p:nvGrpSpPr>
+        <p:cNvPr id="1" name=""/>
+        <p:cNvGrpSpPr/>
+        <p:nvPr/>
+      </p:nvGrpSpPr>
+      <p:grpSpPr>
+        <a:xfrm>
+          <a:off x="0" y="0"/>
+          <a:ext cx="0" cy="0"/>
+          <a:chOff x="0" y="0"/>
+          <a:chExt cx="0" cy="0"/>
+        </a:xfrm>
+      </p:grpSpPr>
+      <p:sp>
+        <p:nvSpPr>
+          <p:cNvPr id="2" name="Title 1"/>
+          <p:cNvSpPr>
+            <a:spLocks noGrp="1"/>
+          </p:cNvSpPr>
+          <p:nvPr>
+            <p:ph type="title"/>
+          </p:nvPr>
+        </p:nvSpPr>
+        <p:spPr>
+          <a:xfrm>
+            <a:off x="685777" y="4697360"/>
+            <a:ext cx="10822034" cy="819355"/>
+          </a:xfrm>
+        </p:spPr>
+        <p:txBody>
+          <a:bodyPr anchor="b"/>
+          <a:lstStyle>
+            <a:lvl1pPr algn="l">
+              <a:defRPr sz="3200"/>
+            </a:lvl1pPr>
+          </a:lstStyle>
+          <a:p>
+            <a:r>
+              <a:rPr lang="fr-FR"/>
+              <a:t>Modifiez le style du titre</a:t>
+            </a:r>
+            <a:endParaRPr lang="en-US" dirty="0"/>
+          </a:p>
+        </p:txBody>
+      </p:sp>
+      <p:sp>
+        <p:nvSpPr>
+          <p:cNvPr id="3" name="Picture Placeholder 2"/>
+          <p:cNvSpPr>
+            <a:spLocks noGrp="1" noChangeAspect="1"/>
+          </p:cNvSpPr>
+          <p:nvPr>
+            <p:ph type="pic" idx="1"/>
+          </p:nvPr>
+        </p:nvSpPr>
+        <p:spPr>
+          <a:xfrm>
+            <a:off x="681727" y="941439"/>
+            <a:ext cx="10821840" cy="3478161"/>
+          </a:xfrm>
+        </p:spPr>
+        <p:txBody>
+          <a:bodyPr anchor="t"/>
+          <a:lstStyle>
+            <a:lvl1pPr marL="0" indent="0">
+              <a:buNone/>
+              <a:defRPr sz="3200"/>
+            </a:lvl1pPr>
+            <a:lvl2pPr marL="457200" indent="0">
+              <a:buNone/>
+              <a:defRPr sz="2800"/>
+            </a:lvl2pPr>
+            <a:lvl3pPr marL="914400" indent="0">
+              <a:buNone/>
+              <a:defRPr sz="2400"/>
+            </a:lvl3pPr>
+            <a:lvl4pPr marL="1371600" indent="0">
+              <a:buNone/>
+              <a:defRPr sz="2000"/>
+            </a:lvl4pPr>
+            <a:lvl5pPr marL="1828800" indent="0">
+              <a:buNone/>
+              <a:defRPr sz="2000"/>
+            </a:lvl5pPr>
+            <a:lvl6pPr marL="2286000" indent="0">
+              <a:buNone/>
+              <a:defRPr sz="2000"/>
+            </a:lvl6pPr>
+            <a:lvl7pPr marL="2743200" indent="0">
+              <a:buNone/>
+              <a:defRPr sz="2000"/>
+            </a:lvl7pPr>
+            <a:lvl8pPr marL="3200400" indent="0">
+              <a:buNone/>
+              <a:defRPr sz="2000"/>
+            </a:lvl8pPr>
+            <a:lvl9pPr marL="3657600" indent="0">
+              <a:buNone/>
+              <a:defRPr sz="2000"/>
+            </a:lvl9pPr>
+          </a:lstStyle>
+          <a:p>
+            <a:r>
+              <a:rPr lang="fr-FR"/>
+              <a:t>Cliquez sur l'icône pour ajouter une image</a:t>
+            </a:r>
+            <a:endParaRPr lang="en-US" dirty="0"/>
+          </a:p>
+        </p:txBody>
+      </p:sp>
+      <p:sp>
+        <p:nvSpPr>
+          <p:cNvPr id="4" name="Text Placeholder 3"/>
+          <p:cNvSpPr>
+            <a:spLocks noGrp="1"/>
+          </p:cNvSpPr>
+          <p:nvPr>
+            <p:ph type="body" sz="half" idx="2"/>
+          </p:nvPr>
+        </p:nvSpPr>
+        <p:spPr>
+          <a:xfrm>
+            <a:off x="685800" y="5516715"/>
+            <a:ext cx="10820400" cy="701969"/>
+          </a:xfrm>
+        </p:spPr>
+        <p:txBody>
+          <a:bodyPr/>
+          <a:lstStyle>
+            <a:lvl1pPr marL="0" indent="0" algn="l">
+              <a:buNone/>
+              <a:defRPr sz="1600"/>
+            </a:lvl1pPr>
+            <a:lvl2pPr marL="457200" indent="0">
+              <a:buNone/>
+              <a:defRPr sz="1400"/>
+            </a:lvl2pPr>
+            <a:lvl3pPr marL="914400" indent="0">
+              <a:buNone/>
+              <a:defRPr sz="1200"/>
+            </a:lvl3pPr>
+            <a:lvl4pPr marL="1371600" indent="0">
+              <a:buNone/>
+              <a:defRPr sz="1000"/>
+            </a:lvl4pPr>
+            <a:lvl5pPr marL="1828800" indent="0">
+              <a:buNone/>
+              <a:defRPr sz="1000"/>
+            </a:lvl5pPr>
+            <a:lvl6pPr marL="2286000" indent="0">
+              <a:buNone/>
+              <a:defRPr sz="1000"/>
+            </a:lvl6pPr>
+            <a:lvl7pPr marL="2743200" indent="0">
+              <a:buNone/>
+              <a:defRPr sz="1000"/>
+            </a:lvl7pPr>
+            <a:lvl8pPr marL="3200400" indent="0">
+              <a:buNone/>
+              <a:defRPr sz="1000"/>
+            </a:lvl8pPr>
+            <a:lvl9pPr marL="3657600" indent="0">
+              <a:buNone/>
+              <a:defRPr sz="1000"/>
+            </a:lvl9pPr>
+          </a:lstStyle>
+          <a:p>
+            <a:pPr lvl="0"/>
+            <a:r>
+              <a:rPr lang="fr-FR"/>
+              <a:t>Cliquez pour modifier les styles du texte du masque</a:t>
+            </a:r>
+          </a:p>
+        </p:txBody>
+      </p:sp>
+      <p:sp>
+        <p:nvSpPr>
+          <p:cNvPr id="5" name="Date Placeholder 4"/>
+          <p:cNvSpPr>
+            <a:spLocks noGrp="1"/>
+          </p:cNvSpPr>
+          <p:nvPr>
+            <p:ph type="dt" sz="half" idx="10"/>
+          </p:nvPr>
+        </p:nvSpPr>
+        <p:spPr/>
+        <p:txBody>
+          <a:bodyPr/>
+          <a:lstStyle/>
+          <a:p>
+            <a:fld id="{4A480F61-AD29-4A6D-9D5B-CDF172F3995E}" type="datetimeFigureOut">
+              <a:rPr lang="fr-FR" smtClean="0"/>
+              <a:t>05/01/2022</a:t>
+            </a:fld>
+            <a:endParaRPr lang="fr-FR"/>
+          </a:p>
+        </p:txBody>
+      </p:sp>
+      <p:sp>
+        <p:nvSpPr>
+          <p:cNvPr id="6" name="Footer Placeholder 5"/>
+          <p:cNvSpPr>
+            <a:spLocks noGrp="1"/>
+          </p:cNvSpPr>
+          <p:nvPr>
+            <p:ph type="ftr" sz="quarter" idx="11"/>
+          </p:nvPr>
+        </p:nvSpPr>
+        <p:spPr/>
+        <p:txBody>
+          <a:bodyPr/>
+          <a:lstStyle/>
+          <a:p>
+            <a:endParaRPr lang="fr-FR"/>
+          </a:p>
+        </p:txBody>
+      </p:sp>
+      <p:sp>
+        <p:nvSpPr>
+          <p:cNvPr id="7" name="Slide Number Placeholder 6"/>
+          <p:cNvSpPr>
+            <a:spLocks noGrp="1"/>
+          </p:cNvSpPr>
+          <p:nvPr>
+            <p:ph type="sldNum" sz="quarter" idx="12"/>
+          </p:nvPr>
+        </p:nvSpPr>
+        <p:spPr/>
+        <p:txBody>
+          <a:bodyPr/>
+          <a:lstStyle/>
+          <a:p>
+            <a:fld id="{0694580E-352B-4317-8849-7C5A069838EF}" type="slidenum">
+              <a:rPr lang="fr-FR" smtClean="0"/>
+              <a:t>‹N°›</a:t>
+            </a:fld>
+            <a:endParaRPr lang="fr-FR"/>
+          </a:p>
+        </p:txBody>
+      </p:sp>
+    </p:spTree>
+    <p:extLst>
+      <p:ext uri="{BB962C8B-B14F-4D97-AF65-F5344CB8AC3E}">
+        <p14:creationId xmlns:p14="http://schemas.microsoft.com/office/powerpoint/2010/main" val="91968129"/>
+      </p:ext>
+    </p:extLst>
+  </p:cSld>
+  <p:clrMapOvr>
+    <a:masterClrMapping/>
+  </p:clrMapOvr>
+</p:sldLayout>
+</file>
+
+<file path=ppt/slideLayouts/slideLayout11.xml><?xml version="1.0" encoding="utf-8"?>
+<p:sldLayout xmlns:a="http://schemas.openxmlformats.org/drawingml/2006/main" xmlns:r="http://schemas.openxmlformats.org/officeDocument/2006/relationships" xmlns:p="http://schemas.openxmlformats.org/presentationml/2006/main" showMasterSp="0" preserve="1">
+  <p:cSld name="Titre et légende">
+    <p:spTree>
+      <p:nvGrpSpPr>
+        <p:cNvPr id="1" name=""/>
+        <p:cNvGrpSpPr/>
+        <p:nvPr/>
+      </p:nvGrpSpPr>
+      <p:grpSpPr>
+        <a:xfrm>
+          <a:off x="0" y="0"/>
+          <a:ext cx="0" cy="0"/>
+          <a:chOff x="0" y="0"/>
+          <a:chExt cx="0" cy="0"/>
+        </a:xfrm>
+      </p:grpSpPr>
+      <p:pic>
+        <p:nvPicPr>
+          <p:cNvPr id="9" name="Picture 8" descr="C3-HD-BTM.png"/>
+          <p:cNvPicPr>
+            <a:picLocks noChangeAspect="1"/>
+          </p:cNvPicPr>
+          <p:nvPr/>
+        </p:nvPicPr>
+        <p:blipFill>
+          <a:blip r:embed="rId2">
+            <a:extLst>
+              <a:ext uri="{28A0092B-C50C-407E-A947-70E740481C1C}">
+                <a14:useLocalDpi xmlns:a14="http://schemas.microsoft.com/office/drawing/2010/main" val="0"/>
+              </a:ext>
+            </a:extLst>
+          </a:blip>
+          <a:stretch>
+            <a:fillRect/>
+          </a:stretch>
+        </p:blipFill>
+        <p:spPr>
+          <a:xfrm>
+            <a:off x="0" y="4375150"/>
+            <a:ext cx="12192000" cy="2482850"/>
+          </a:xfrm>
+          <a:prstGeom prst="rect">
+            <a:avLst/>
+          </a:prstGeom>
+        </p:spPr>
+      </p:pic>
+      <p:sp>
+        <p:nvSpPr>
+          <p:cNvPr id="2" name="Title 1"/>
+          <p:cNvSpPr>
+            <a:spLocks noGrp="1"/>
+          </p:cNvSpPr>
+          <p:nvPr>
+            <p:ph type="title"/>
+          </p:nvPr>
+        </p:nvSpPr>
+        <p:spPr>
+          <a:xfrm>
+            <a:off x="685800" y="753532"/>
+            <a:ext cx="10820400" cy="2802467"/>
+          </a:xfrm>
+        </p:spPr>
+        <p:txBody>
+          <a:bodyPr anchor="ctr"/>
+          <a:lstStyle>
+            <a:lvl1pPr algn="l">
+              <a:defRPr sz="3200"/>
+            </a:lvl1pPr>
+          </a:lstStyle>
+          <a:p>
+            <a:r>
+              <a:rPr lang="fr-FR"/>
+              <a:t>Modifiez le style du titre</a:t>
+            </a:r>
+            <a:endParaRPr lang="en-US" dirty="0"/>
+          </a:p>
+        </p:txBody>
+      </p:sp>
+      <p:sp>
+        <p:nvSpPr>
+          <p:cNvPr id="4" name="Text Placeholder 3"/>
+          <p:cNvSpPr>
+            <a:spLocks noGrp="1"/>
+          </p:cNvSpPr>
+          <p:nvPr>
+            <p:ph type="body" sz="half" idx="2"/>
+          </p:nvPr>
+        </p:nvSpPr>
+        <p:spPr>
+          <a:xfrm>
+            <a:off x="1024467" y="3649133"/>
+            <a:ext cx="10130516" cy="999067"/>
+          </a:xfrm>
+        </p:spPr>
+        <p:txBody>
+          <a:bodyPr anchor="ctr"/>
+          <a:lstStyle>
+            <a:lvl1pPr marL="0" indent="0">
+              <a:buNone/>
+              <a:defRPr sz="1600"/>
+            </a:lvl1pPr>
+            <a:lvl2pPr marL="457200" indent="0">
+              <a:buNone/>
+              <a:defRPr sz="1400"/>
+            </a:lvl2pPr>
+            <a:lvl3pPr marL="914400" indent="0">
+              <a:buNone/>
+              <a:defRPr sz="1200"/>
+            </a:lvl3pPr>
+            <a:lvl4pPr marL="1371600" indent="0">
+              <a:buNone/>
+              <a:defRPr sz="1000"/>
+            </a:lvl4pPr>
+            <a:lvl5pPr marL="1828800" indent="0">
+              <a:buNone/>
+              <a:defRPr sz="1000"/>
+            </a:lvl5pPr>
+            <a:lvl6pPr marL="2286000" indent="0">
+              <a:buNone/>
+              <a:defRPr sz="1000"/>
+            </a:lvl6pPr>
+            <a:lvl7pPr marL="2743200" indent="0">
+              <a:buNone/>
+              <a:defRPr sz="1000"/>
+            </a:lvl7pPr>
+            <a:lvl8pPr marL="3200400" indent="0">
+              <a:buNone/>
+              <a:defRPr sz="1000"/>
+            </a:lvl8pPr>
+            <a:lvl9pPr marL="3657600" indent="0">
+              <a:buNone/>
+              <a:defRPr sz="1000"/>
+            </a:lvl9pPr>
+          </a:lstStyle>
+          <a:p>
+            <a:pPr lvl="0"/>
+            <a:r>
+              <a:rPr lang="fr-FR"/>
+              <a:t>Cliquez pour modifier les styles du texte du masque</a:t>
+            </a:r>
+          </a:p>
+        </p:txBody>
+      </p:sp>
+      <p:sp>
+        <p:nvSpPr>
+          <p:cNvPr id="5" name="Date Placeholder 4"/>
+          <p:cNvSpPr>
+            <a:spLocks noGrp="1"/>
+          </p:cNvSpPr>
+          <p:nvPr>
+            <p:ph type="dt" sz="half" idx="10"/>
+          </p:nvPr>
+        </p:nvSpPr>
+        <p:spPr>
+          <a:xfrm>
+            <a:off x="7814452" y="381000"/>
+            <a:ext cx="2910840" cy="365125"/>
+          </a:xfrm>
+        </p:spPr>
+        <p:txBody>
+          <a:bodyPr/>
+          <a:lstStyle>
+            <a:lvl1pPr algn="r">
+              <a:defRPr/>
+            </a:lvl1pPr>
+          </a:lstStyle>
+          <a:p>
+            <a:fld id="{4A480F61-AD29-4A6D-9D5B-CDF172F3995E}" type="datetimeFigureOut">
+              <a:rPr lang="fr-FR" smtClean="0"/>
+              <a:t>05/01/2022</a:t>
+            </a:fld>
+            <a:endParaRPr lang="fr-FR"/>
+          </a:p>
+        </p:txBody>
+      </p:sp>
+      <p:sp>
+        <p:nvSpPr>
+          <p:cNvPr id="6" name="Footer Placeholder 5"/>
+          <p:cNvSpPr>
+            <a:spLocks noGrp="1"/>
+          </p:cNvSpPr>
+          <p:nvPr>
+            <p:ph type="ftr" sz="quarter" idx="11"/>
+          </p:nvPr>
+        </p:nvSpPr>
+        <p:spPr>
+          <a:xfrm>
+            <a:off x="685800" y="379941"/>
+            <a:ext cx="6991492" cy="365125"/>
+          </a:xfrm>
+        </p:spPr>
+        <p:txBody>
+          <a:bodyPr/>
+          <a:lstStyle/>
+          <a:p>
+            <a:endParaRPr lang="fr-FR"/>
+          </a:p>
+        </p:txBody>
+      </p:sp>
+      <p:sp>
+        <p:nvSpPr>
+          <p:cNvPr id="7" name="Slide Number Placeholder 6"/>
+          <p:cNvSpPr>
+            <a:spLocks noGrp="1"/>
+          </p:cNvSpPr>
+          <p:nvPr>
+            <p:ph type="sldNum" sz="quarter" idx="12"/>
+          </p:nvPr>
+        </p:nvSpPr>
+        <p:spPr>
+          <a:xfrm>
+            <a:off x="10862452" y="381000"/>
+            <a:ext cx="643748" cy="365125"/>
+          </a:xfrm>
+        </p:spPr>
+        <p:txBody>
+          <a:bodyPr/>
+          <a:lstStyle/>
+          <a:p>
+            <a:fld id="{0694580E-352B-4317-8849-7C5A069838EF}" type="slidenum">
+              <a:rPr lang="fr-FR" smtClean="0"/>
+              <a:t>‹N°›</a:t>
+            </a:fld>
+            <a:endParaRPr lang="fr-FR"/>
+          </a:p>
+        </p:txBody>
+      </p:sp>
+    </p:spTree>
+    <p:extLst>
+      <p:ext uri="{BB962C8B-B14F-4D97-AF65-F5344CB8AC3E}">
+        <p14:creationId xmlns:p14="http://schemas.microsoft.com/office/powerpoint/2010/main" val="3536660993"/>
+      </p:ext>
+    </p:extLst>
+  </p:cSld>
+  <p:clrMapOvr>
+    <a:masterClrMapping/>
+  </p:clrMapOvr>
+</p:sldLayout>
+</file>
+
+<file path=ppt/slideLayouts/slideLayout12.xml><?xml version="1.0" encoding="utf-8"?>
+<p:sldLayout xmlns:a="http://schemas.openxmlformats.org/drawingml/2006/main" xmlns:r="http://schemas.openxmlformats.org/officeDocument/2006/relationships" xmlns:p="http://schemas.openxmlformats.org/presentationml/2006/main" showMasterSp="0" preserve="1">
+  <p:cSld name="Citation avec légende">
+    <p:spTree>
+      <p:nvGrpSpPr>
+        <p:cNvPr id="1" name=""/>
+        <p:cNvGrpSpPr/>
+        <p:nvPr/>
+      </p:nvGrpSpPr>
+      <p:grpSpPr>
+        <a:xfrm>
+          <a:off x="0" y="0"/>
+          <a:ext cx="0" cy="0"/>
+          <a:chOff x="0" y="0"/>
+          <a:chExt cx="0" cy="0"/>
+        </a:xfrm>
+      </p:grpSpPr>
+      <p:pic>
+        <p:nvPicPr>
+          <p:cNvPr id="11" name="Picture 10" descr="C3-HD-BTM.png"/>
+          <p:cNvPicPr>
+            <a:picLocks noChangeAspect="1"/>
+          </p:cNvPicPr>
+          <p:nvPr/>
+        </p:nvPicPr>
+        <p:blipFill>
+          <a:blip r:embed="rId2">
+            <a:extLst>
+              <a:ext uri="{28A0092B-C50C-407E-A947-70E740481C1C}">
+                <a14:useLocalDpi xmlns:a14="http://schemas.microsoft.com/office/drawing/2010/main" val="0"/>
+              </a:ext>
+            </a:extLst>
+          </a:blip>
+          <a:stretch>
+            <a:fillRect/>
+          </a:stretch>
+        </p:blipFill>
+        <p:spPr>
+          <a:xfrm>
+            <a:off x="0" y="4375150"/>
+            <a:ext cx="12192000" cy="2482850"/>
+          </a:xfrm>
+          <a:prstGeom prst="rect">
+            <a:avLst/>
+          </a:prstGeom>
+        </p:spPr>
+      </p:pic>
+      <p:sp>
+        <p:nvSpPr>
+          <p:cNvPr id="2" name="Title 1"/>
+          <p:cNvSpPr>
+            <a:spLocks noGrp="1"/>
+          </p:cNvSpPr>
+          <p:nvPr>
+            <p:ph type="title"/>
+          </p:nvPr>
+        </p:nvSpPr>
+        <p:spPr>
+          <a:xfrm>
+            <a:off x="1024467" y="753533"/>
+            <a:ext cx="10151533" cy="2604495"/>
+          </a:xfrm>
+        </p:spPr>
+        <p:txBody>
+          <a:bodyPr anchor="ctr"/>
+          <a:lstStyle>
+            <a:lvl1pPr algn="l">
+              <a:defRPr sz="3200"/>
+            </a:lvl1pPr>
+          </a:lstStyle>
+          <a:p>
+            <a:r>
+              <a:rPr lang="fr-FR"/>
+              <a:t>Modifiez le style du titre</a:t>
+            </a:r>
+            <a:endParaRPr lang="en-US" dirty="0"/>
+          </a:p>
+        </p:txBody>
+      </p:sp>
+      <p:sp>
+        <p:nvSpPr>
+          <p:cNvPr id="12" name="Text Placeholder 3"/>
+          <p:cNvSpPr>
+            <a:spLocks noGrp="1"/>
+          </p:cNvSpPr>
+          <p:nvPr>
+            <p:ph type="body" sz="half" idx="13"/>
+          </p:nvPr>
+        </p:nvSpPr>
+        <p:spPr>
+          <a:xfrm>
+            <a:off x="1303865" y="3365556"/>
+            <a:ext cx="9592736" cy="444443"/>
+          </a:xfrm>
+        </p:spPr>
+        <p:txBody>
+          <a:bodyPr anchor="t">
+            <a:normAutofit/>
+          </a:bodyPr>
+          <a:lstStyle>
+            <a:lvl1pPr marL="0" indent="0">
+              <a:buNone/>
+              <a:defRPr sz="1400"/>
+            </a:lvl1pPr>
+            <a:lvl2pPr marL="457200" indent="0">
+              <a:buNone/>
+              <a:defRPr sz="1400"/>
+            </a:lvl2pPr>
+            <a:lvl3pPr marL="914400" indent="0">
+              <a:buNone/>
+              <a:defRPr sz="1200"/>
+            </a:lvl3pPr>
+            <a:lvl4pPr marL="1371600" indent="0">
+              <a:buNone/>
+              <a:defRPr sz="1000"/>
+            </a:lvl4pPr>
+            <a:lvl5pPr marL="1828800" indent="0">
+              <a:buNone/>
+              <a:defRPr sz="1000"/>
+            </a:lvl5pPr>
+            <a:lvl6pPr marL="2286000" indent="0">
+              <a:buNone/>
+              <a:defRPr sz="1000"/>
+            </a:lvl6pPr>
+            <a:lvl7pPr marL="2743200" indent="0">
+              <a:buNone/>
+              <a:defRPr sz="1000"/>
+            </a:lvl7pPr>
+            <a:lvl8pPr marL="3200400" indent="0">
+              <a:buNone/>
+              <a:defRPr sz="1000"/>
+            </a:lvl8pPr>
+            <a:lvl9pPr marL="3657600" indent="0">
+              <a:buNone/>
+              <a:defRPr sz="1000"/>
+            </a:lvl9pPr>
+          </a:lstStyle>
+          <a:p>
+            <a:pPr lvl="0"/>
+            <a:r>
+              <a:rPr lang="fr-FR"/>
+              <a:t>Cliquez pour modifier les styles du texte du masque</a:t>
+            </a:r>
+          </a:p>
+        </p:txBody>
+      </p:sp>
+      <p:sp>
+        <p:nvSpPr>
+          <p:cNvPr id="4" name="Text Placeholder 3"/>
+          <p:cNvSpPr>
+            <a:spLocks noGrp="1"/>
+          </p:cNvSpPr>
+          <p:nvPr>
+            <p:ph type="body" sz="half" idx="2"/>
+          </p:nvPr>
+        </p:nvSpPr>
+        <p:spPr>
+          <a:xfrm>
+            <a:off x="1024467" y="3959862"/>
+            <a:ext cx="10151533" cy="679871"/>
+          </a:xfrm>
+        </p:spPr>
+        <p:txBody>
+          <a:bodyPr anchor="ctr">
+            <a:normAutofit/>
+          </a:bodyPr>
+          <a:lstStyle>
+            <a:lvl1pPr marL="0" indent="0">
+              <a:buNone/>
+              <a:defRPr sz="1600"/>
+            </a:lvl1pPr>
+            <a:lvl2pPr marL="457200" indent="0">
+              <a:buNone/>
+              <a:defRPr sz="1400"/>
+            </a:lvl2pPr>
+            <a:lvl3pPr marL="914400" indent="0">
+              <a:buNone/>
+              <a:defRPr sz="1200"/>
+            </a:lvl3pPr>
+            <a:lvl4pPr marL="1371600" indent="0">
+              <a:buNone/>
+              <a:defRPr sz="1000"/>
+            </a:lvl4pPr>
+            <a:lvl5pPr marL="1828800" indent="0">
+              <a:buNone/>
+              <a:defRPr sz="1000"/>
+            </a:lvl5pPr>
+            <a:lvl6pPr marL="2286000" indent="0">
+              <a:buNone/>
+              <a:defRPr sz="1000"/>
+            </a:lvl6pPr>
+            <a:lvl7pPr marL="2743200" indent="0">
+              <a:buNone/>
+              <a:defRPr sz="1000"/>
+            </a:lvl7pPr>
+            <a:lvl8pPr marL="3200400" indent="0">
+              <a:buNone/>
+              <a:defRPr sz="1000"/>
+            </a:lvl8pPr>
+            <a:lvl9pPr marL="3657600" indent="0">
+              <a:buNone/>
+              <a:defRPr sz="1000"/>
+            </a:lvl9pPr>
+          </a:lstStyle>
+          <a:p>
+            <a:pPr lvl="0"/>
+            <a:r>
+              <a:rPr lang="fr-FR"/>
+              <a:t>Cliquez pour modifier les styles du texte du masque</a:t>
+            </a:r>
+          </a:p>
+        </p:txBody>
+      </p:sp>
+      <p:sp>
+        <p:nvSpPr>
+          <p:cNvPr id="5" name="Date Placeholder 4"/>
+          <p:cNvSpPr>
+            <a:spLocks noGrp="1"/>
+          </p:cNvSpPr>
+          <p:nvPr>
+            <p:ph type="dt" sz="half" idx="10"/>
+          </p:nvPr>
+        </p:nvSpPr>
+        <p:spPr>
+          <a:xfrm>
+            <a:off x="7814452" y="381000"/>
+            <a:ext cx="2910840" cy="365125"/>
+          </a:xfrm>
+        </p:spPr>
+        <p:txBody>
+          <a:bodyPr/>
+          <a:lstStyle>
+            <a:lvl1pPr algn="r">
+              <a:defRPr/>
+            </a:lvl1pPr>
+          </a:lstStyle>
+          <a:p>
+            <a:fld id="{4A480F61-AD29-4A6D-9D5B-CDF172F3995E}" type="datetimeFigureOut">
+              <a:rPr lang="fr-FR" smtClean="0"/>
+              <a:t>05/01/2022</a:t>
+            </a:fld>
+            <a:endParaRPr lang="fr-FR"/>
+          </a:p>
+        </p:txBody>
+      </p:sp>
+      <p:sp>
+        <p:nvSpPr>
+          <p:cNvPr id="6" name="Footer Placeholder 5"/>
+          <p:cNvSpPr>
+            <a:spLocks noGrp="1"/>
+          </p:cNvSpPr>
+          <p:nvPr>
+            <p:ph type="ftr" sz="quarter" idx="11"/>
+          </p:nvPr>
+        </p:nvSpPr>
+        <p:spPr>
+          <a:xfrm>
+            <a:off x="685800" y="379941"/>
+            <a:ext cx="6991492" cy="365125"/>
+          </a:xfrm>
+        </p:spPr>
+        <p:txBody>
+          <a:bodyPr/>
+          <a:lstStyle/>
+          <a:p>
+            <a:endParaRPr lang="fr-FR"/>
+          </a:p>
+        </p:txBody>
+      </p:sp>
+      <p:sp>
+        <p:nvSpPr>
+          <p:cNvPr id="7" name="Slide Number Placeholder 6"/>
+          <p:cNvSpPr>
+            <a:spLocks noGrp="1"/>
+          </p:cNvSpPr>
+          <p:nvPr>
+            <p:ph type="sldNum" sz="quarter" idx="12"/>
+          </p:nvPr>
+        </p:nvSpPr>
+        <p:spPr>
+          <a:xfrm>
+            <a:off x="10862452" y="381000"/>
+            <a:ext cx="643748" cy="365125"/>
+          </a:xfrm>
+        </p:spPr>
+        <p:txBody>
+          <a:bodyPr/>
+          <a:lstStyle/>
+          <a:p>
+            <a:fld id="{0694580E-352B-4317-8849-7C5A069838EF}" type="slidenum">
+              <a:rPr lang="fr-FR" smtClean="0"/>
+              <a:t>‹N°›</a:t>
+            </a:fld>
+            <a:endParaRPr lang="fr-FR"/>
+          </a:p>
+        </p:txBody>
+      </p:sp>
+      <p:sp>
+        <p:nvSpPr>
+          <p:cNvPr id="9" name="TextBox 8"/>
+          <p:cNvSpPr txBox="1"/>
+          <p:nvPr/>
+        </p:nvSpPr>
+        <p:spPr>
+          <a:xfrm>
+            <a:off x="476250" y="933450"/>
+            <a:ext cx="609600" cy="584776"/>
+          </a:xfrm>
+          <a:prstGeom prst="rect">
+            <a:avLst/>
+          </a:prstGeom>
+        </p:spPr>
+        <p:txBody>
+          <a:bodyPr vert="horz" lIns="91440" tIns="45720" rIns="91440" bIns="45720" rtlCol="0" anchor="ctr">
+            <a:noAutofit/>
+          </a:bodyPr>
+          <a:lstStyle>
+            <a:lvl1pPr>
+              <a:spcBef>
+                <a:spcPct val="0"/>
+              </a:spcBef>
+              <a:buNone/>
+              <a:defRPr sz="3200" b="0" cap="all">
+                <a:ln w="3175" cmpd="sng">
+                  <a:noFill/>
+                </a:ln>
+                <a:effectLst>
+                  <a:glow rad="38100">
+                    <a:schemeClr val="bg1">
+                      <a:lumMod val="65000"/>
+                      <a:lumOff val="35000"/>
+                      <a:alpha val="40000"/>
+                    </a:schemeClr>
+                  </a:glow>
+                  <a:outerShdw blurRad="28575" dist="38100" dir="14040000" algn="tl" rotWithShape="0">
+                    <a:srgbClr val="000000">
+                      <a:alpha val="25000"/>
+                    </a:srgbClr>
+                  </a:outerShdw>
+                </a:effectLst>
+              </a:defRPr>
+            </a:lvl1pPr>
+            <a:lvl2pPr>
+              <a:defRPr>
+                <a:solidFill>
+                  <a:schemeClr val="tx2"/>
+                </a:solidFill>
+              </a:defRPr>
+            </a:lvl2pPr>
+            <a:lvl3pPr>
+              <a:defRPr>
+                <a:solidFill>
+                  <a:schemeClr val="tx2"/>
+                </a:solidFill>
+              </a:defRPr>
+            </a:lvl3pPr>
+            <a:lvl4pPr>
+              <a:defRPr>
+                <a:solidFill>
+                  <a:schemeClr val="tx2"/>
+                </a:solidFill>
+              </a:defRPr>
+            </a:lvl4pPr>
+            <a:lvl5pPr>
+              <a:defRPr>
+                <a:solidFill>
+                  <a:schemeClr val="tx2"/>
+                </a:solidFill>
+              </a:defRPr>
+            </a:lvl5pPr>
+            <a:lvl6pPr>
+              <a:defRPr>
+                <a:solidFill>
+                  <a:schemeClr val="tx2"/>
+                </a:solidFill>
+              </a:defRPr>
+            </a:lvl6pPr>
+            <a:lvl7pPr>
+              <a:defRPr>
+                <a:solidFill>
+                  <a:schemeClr val="tx2"/>
+                </a:solidFill>
+              </a:defRPr>
+            </a:lvl7pPr>
+            <a:lvl8pPr>
+              <a:defRPr>
+                <a:solidFill>
+                  <a:schemeClr val="tx2"/>
+                </a:solidFill>
+              </a:defRPr>
+            </a:lvl8pPr>
+            <a:lvl9pPr>
+              <a:defRPr>
+                <a:solidFill>
+                  <a:schemeClr val="tx2"/>
+                </a:solidFill>
+              </a:defRPr>
+            </a:lvl9pPr>
+          </a:lstStyle>
+          <a:p>
+            <a:pPr lvl="0"/>
+            <a:r>
+              <a:rPr lang="en-US" sz="8000" dirty="0">
+                <a:solidFill>
+                  <a:schemeClr val="tx1"/>
+                </a:solidFill>
+                <a:effectLst/>
+              </a:rPr>
+              <a:t>“</a:t>
+            </a:r>
+          </a:p>
+        </p:txBody>
+      </p:sp>
+      <p:sp>
+        <p:nvSpPr>
+          <p:cNvPr id="10" name="TextBox 9"/>
+          <p:cNvSpPr txBox="1"/>
+          <p:nvPr/>
+        </p:nvSpPr>
+        <p:spPr>
+          <a:xfrm>
+            <a:off x="10984230" y="2701290"/>
+            <a:ext cx="609600" cy="584776"/>
+          </a:xfrm>
+          <a:prstGeom prst="rect">
+            <a:avLst/>
+          </a:prstGeom>
+        </p:spPr>
+        <p:txBody>
+          <a:bodyPr vert="horz" lIns="91440" tIns="45720" rIns="91440" bIns="45720" rtlCol="0" anchor="ctr">
+            <a:noAutofit/>
+          </a:bodyPr>
+          <a:lstStyle>
+            <a:lvl1pPr>
+              <a:spcBef>
+                <a:spcPct val="0"/>
+              </a:spcBef>
+              <a:buNone/>
+              <a:defRPr sz="3200" b="0" cap="all">
+                <a:ln w="3175" cmpd="sng">
+                  <a:noFill/>
+                </a:ln>
+                <a:effectLst>
+                  <a:glow rad="38100">
+                    <a:schemeClr val="bg1">
+                      <a:lumMod val="65000"/>
+                      <a:lumOff val="35000"/>
+                      <a:alpha val="40000"/>
+                    </a:schemeClr>
+                  </a:glow>
+                  <a:outerShdw blurRad="28575" dist="38100" dir="14040000" algn="tl" rotWithShape="0">
+                    <a:srgbClr val="000000">
+                      <a:alpha val="25000"/>
+                    </a:srgbClr>
+                  </a:outerShdw>
+                </a:effectLst>
+              </a:defRPr>
+            </a:lvl1pPr>
+            <a:lvl2pPr>
+              <a:defRPr>
+                <a:solidFill>
+                  <a:schemeClr val="tx2"/>
+                </a:solidFill>
+              </a:defRPr>
+            </a:lvl2pPr>
+            <a:lvl3pPr>
+              <a:defRPr>
+                <a:solidFill>
+                  <a:schemeClr val="tx2"/>
+                </a:solidFill>
+              </a:defRPr>
+            </a:lvl3pPr>
+            <a:lvl4pPr>
+              <a:defRPr>
+                <a:solidFill>
+                  <a:schemeClr val="tx2"/>
+                </a:solidFill>
+              </a:defRPr>
+            </a:lvl4pPr>
+            <a:lvl5pPr>
+              <a:defRPr>
+                <a:solidFill>
+                  <a:schemeClr val="tx2"/>
+                </a:solidFill>
+              </a:defRPr>
+            </a:lvl5pPr>
+            <a:lvl6pPr>
+              <a:defRPr>
+                <a:solidFill>
+                  <a:schemeClr val="tx2"/>
+                </a:solidFill>
+              </a:defRPr>
+            </a:lvl6pPr>
+            <a:lvl7pPr>
+              <a:defRPr>
+                <a:solidFill>
+                  <a:schemeClr val="tx2"/>
+                </a:solidFill>
+              </a:defRPr>
+            </a:lvl7pPr>
+            <a:lvl8pPr>
+              <a:defRPr>
+                <a:solidFill>
+                  <a:schemeClr val="tx2"/>
+                </a:solidFill>
+              </a:defRPr>
+            </a:lvl8pPr>
+            <a:lvl9pPr>
+              <a:defRPr>
+                <a:solidFill>
+                  <a:schemeClr val="tx2"/>
+                </a:solidFill>
+              </a:defRPr>
+            </a:lvl9pPr>
+          </a:lstStyle>
+          <a:p>
+            <a:pPr lvl="0" algn="r"/>
+            <a:r>
+              <a:rPr lang="en-US" sz="8000" dirty="0">
+                <a:solidFill>
+                  <a:schemeClr val="tx1"/>
+                </a:solidFill>
+                <a:effectLst/>
+              </a:rPr>
+              <a:t>”</a:t>
+            </a:r>
+          </a:p>
+        </p:txBody>
+      </p:sp>
+    </p:spTree>
+    <p:extLst>
+      <p:ext uri="{BB962C8B-B14F-4D97-AF65-F5344CB8AC3E}">
+        <p14:creationId xmlns:p14="http://schemas.microsoft.com/office/powerpoint/2010/main" val="1948540772"/>
+      </p:ext>
+    </p:extLst>
+  </p:cSld>
+  <p:clrMapOvr>
+    <a:masterClrMapping/>
+  </p:clrMapOvr>
+</p:sldLayout>
+</file>
+
+<file path=ppt/slideLayouts/slideLayout13.xml><?xml version="1.0" encoding="utf-8"?>
+<p:sldLayout xmlns:a="http://schemas.openxmlformats.org/drawingml/2006/main" xmlns:r="http://schemas.openxmlformats.org/officeDocument/2006/relationships" xmlns:p="http://schemas.openxmlformats.org/presentationml/2006/main" showMasterSp="0" preserve="1">
+  <p:cSld name="Carte nom">
+    <p:spTree>
+      <p:nvGrpSpPr>
+        <p:cNvPr id="1" name=""/>
+        <p:cNvGrpSpPr/>
+        <p:nvPr/>
+      </p:nvGrpSpPr>
+      <p:grpSpPr>
+        <a:xfrm>
+          <a:off x="0" y="0"/>
+          <a:ext cx="0" cy="0"/>
+          <a:chOff x="0" y="0"/>
+          <a:chExt cx="0" cy="0"/>
+        </a:xfrm>
+      </p:grpSpPr>
+      <p:pic>
+        <p:nvPicPr>
+          <p:cNvPr id="8" name="Picture 7" descr="C3-HD-BTM.png"/>
+          <p:cNvPicPr>
+            <a:picLocks noChangeAspect="1"/>
+          </p:cNvPicPr>
+          <p:nvPr/>
+        </p:nvPicPr>
+        <p:blipFill>
+          <a:blip r:embed="rId2">
+            <a:extLst>
+              <a:ext uri="{28A0092B-C50C-407E-A947-70E740481C1C}">
+                <a14:useLocalDpi xmlns:a14="http://schemas.microsoft.com/office/drawing/2010/main" val="0"/>
+              </a:ext>
+            </a:extLst>
+          </a:blip>
+          <a:stretch>
+            <a:fillRect/>
+          </a:stretch>
+        </p:blipFill>
+        <p:spPr>
+          <a:xfrm>
+            <a:off x="0" y="4375150"/>
+            <a:ext cx="12192000" cy="2482850"/>
+          </a:xfrm>
+          <a:prstGeom prst="rect">
+            <a:avLst/>
+          </a:prstGeom>
+        </p:spPr>
+      </p:pic>
+      <p:sp>
+        <p:nvSpPr>
+          <p:cNvPr id="2" name="Title 1"/>
+          <p:cNvSpPr>
+            <a:spLocks noGrp="1"/>
+          </p:cNvSpPr>
+          <p:nvPr>
+            <p:ph type="title"/>
+          </p:nvPr>
+        </p:nvSpPr>
+        <p:spPr>
+          <a:xfrm>
+            <a:off x="1024495" y="1124701"/>
+            <a:ext cx="10146186" cy="2511835"/>
+          </a:xfrm>
+        </p:spPr>
+        <p:txBody>
+          <a:bodyPr anchor="b"/>
+          <a:lstStyle>
+            <a:lvl1pPr algn="l">
+              <a:defRPr sz="3200"/>
+            </a:lvl1pPr>
+          </a:lstStyle>
+          <a:p>
+            <a:r>
+              <a:rPr lang="fr-FR"/>
+              <a:t>Modifiez le style du titre</a:t>
+            </a:r>
+            <a:endParaRPr lang="en-US" dirty="0"/>
+          </a:p>
+        </p:txBody>
+      </p:sp>
+      <p:sp>
+        <p:nvSpPr>
+          <p:cNvPr id="4" name="Text Placeholder 3"/>
+          <p:cNvSpPr>
+            <a:spLocks noGrp="1"/>
+          </p:cNvSpPr>
+          <p:nvPr>
+            <p:ph type="body" sz="half" idx="2"/>
+          </p:nvPr>
+        </p:nvSpPr>
+        <p:spPr>
+          <a:xfrm>
+            <a:off x="1024467" y="3648315"/>
+            <a:ext cx="10144654" cy="999885"/>
+          </a:xfrm>
+        </p:spPr>
+        <p:txBody>
+          <a:bodyPr anchor="t"/>
+          <a:lstStyle>
+            <a:lvl1pPr marL="0" indent="0">
+              <a:buNone/>
+              <a:defRPr sz="1600"/>
+            </a:lvl1pPr>
+            <a:lvl2pPr marL="457200" indent="0">
+              <a:buNone/>
+              <a:defRPr sz="1400"/>
+            </a:lvl2pPr>
+            <a:lvl3pPr marL="914400" indent="0">
+              <a:buNone/>
+              <a:defRPr sz="1200"/>
+            </a:lvl3pPr>
+            <a:lvl4pPr marL="1371600" indent="0">
+              <a:buNone/>
+              <a:defRPr sz="1000"/>
+            </a:lvl4pPr>
+            <a:lvl5pPr marL="1828800" indent="0">
+              <a:buNone/>
+              <a:defRPr sz="1000"/>
+            </a:lvl5pPr>
+            <a:lvl6pPr marL="2286000" indent="0">
+              <a:buNone/>
+              <a:defRPr sz="1000"/>
+            </a:lvl6pPr>
+            <a:lvl7pPr marL="2743200" indent="0">
+              <a:buNone/>
+              <a:defRPr sz="1000"/>
+            </a:lvl7pPr>
+            <a:lvl8pPr marL="3200400" indent="0">
+              <a:buNone/>
+              <a:defRPr sz="1000"/>
+            </a:lvl8pPr>
+            <a:lvl9pPr marL="3657600" indent="0">
+              <a:buNone/>
+              <a:defRPr sz="1000"/>
+            </a:lvl9pPr>
+          </a:lstStyle>
+          <a:p>
+            <a:pPr lvl="0"/>
+            <a:r>
+              <a:rPr lang="fr-FR"/>
+              <a:t>Cliquez pour modifier les styles du texte du masque</a:t>
+            </a:r>
+          </a:p>
+        </p:txBody>
+      </p:sp>
+      <p:sp>
+        <p:nvSpPr>
+          <p:cNvPr id="5" name="Date Placeholder 4"/>
+          <p:cNvSpPr>
+            <a:spLocks noGrp="1"/>
+          </p:cNvSpPr>
+          <p:nvPr>
+            <p:ph type="dt" sz="half" idx="10"/>
+          </p:nvPr>
+        </p:nvSpPr>
+        <p:spPr>
+          <a:xfrm>
+            <a:off x="7814452" y="378883"/>
+            <a:ext cx="2910840" cy="365125"/>
+          </a:xfrm>
+        </p:spPr>
+        <p:txBody>
+          <a:bodyPr/>
+          <a:lstStyle>
+            <a:lvl1pPr algn="r">
+              <a:defRPr/>
+            </a:lvl1pPr>
+          </a:lstStyle>
+          <a:p>
+            <a:fld id="{4A480F61-AD29-4A6D-9D5B-CDF172F3995E}" type="datetimeFigureOut">
+              <a:rPr lang="fr-FR" smtClean="0"/>
+              <a:t>05/01/2022</a:t>
+            </a:fld>
+            <a:endParaRPr lang="fr-FR"/>
+          </a:p>
+        </p:txBody>
+      </p:sp>
+      <p:sp>
+        <p:nvSpPr>
+          <p:cNvPr id="6" name="Footer Placeholder 5"/>
+          <p:cNvSpPr>
+            <a:spLocks noGrp="1"/>
+          </p:cNvSpPr>
+          <p:nvPr>
+            <p:ph type="ftr" sz="quarter" idx="11"/>
+          </p:nvPr>
+        </p:nvSpPr>
+        <p:spPr>
+          <a:xfrm>
+            <a:off x="685800" y="378883"/>
+            <a:ext cx="6991492" cy="365125"/>
+          </a:xfrm>
+        </p:spPr>
+        <p:txBody>
+          <a:bodyPr/>
+          <a:lstStyle/>
+          <a:p>
+            <a:endParaRPr lang="fr-FR"/>
+          </a:p>
+        </p:txBody>
+      </p:sp>
+      <p:sp>
+        <p:nvSpPr>
+          <p:cNvPr id="7" name="Slide Number Placeholder 6"/>
+          <p:cNvSpPr>
+            <a:spLocks noGrp="1"/>
+          </p:cNvSpPr>
+          <p:nvPr>
+            <p:ph type="sldNum" sz="quarter" idx="12"/>
+          </p:nvPr>
+        </p:nvSpPr>
+        <p:spPr>
+          <a:xfrm>
+            <a:off x="10862452" y="381000"/>
+            <a:ext cx="643748" cy="365125"/>
+          </a:xfrm>
+        </p:spPr>
+        <p:txBody>
+          <a:bodyPr/>
+          <a:lstStyle/>
+          <a:p>
+            <a:fld id="{0694580E-352B-4317-8849-7C5A069838EF}" type="slidenum">
+              <a:rPr lang="fr-FR" smtClean="0"/>
+              <a:t>‹N°›</a:t>
+            </a:fld>
+            <a:endParaRPr lang="fr-FR"/>
+          </a:p>
+        </p:txBody>
+      </p:sp>
+    </p:spTree>
+    <p:extLst>
+      <p:ext uri="{BB962C8B-B14F-4D97-AF65-F5344CB8AC3E}">
+        <p14:creationId xmlns:p14="http://schemas.microsoft.com/office/powerpoint/2010/main" val="1081480680"/>
+      </p:ext>
+    </p:extLst>
+  </p:cSld>
+  <p:clrMapOvr>
+    <a:masterClrMapping/>
+  </p:clrMapOvr>
+</p:sldLayout>
+</file>
+
+<file path=ppt/slideLayouts/slideLayout14.xml><?xml version="1.0" encoding="utf-8"?>
+<p:sldLayout xmlns:a="http://schemas.openxmlformats.org/drawingml/2006/main" xmlns:r="http://schemas.openxmlformats.org/officeDocument/2006/relationships" xmlns:p="http://schemas.openxmlformats.org/presentationml/2006/main" preserve="1">
+  <p:cSld name="3 colonnes">
+    <p:spTree>
+      <p:nvGrpSpPr>
+        <p:cNvPr id="1" name=""/>
+        <p:cNvGrpSpPr/>
+        <p:nvPr/>
+      </p:nvGrpSpPr>
+      <p:grpSpPr>
+        <a:xfrm>
+          <a:off x="0" y="0"/>
+          <a:ext cx="0" cy="0"/>
+          <a:chOff x="0" y="0"/>
+          <a:chExt cx="0" cy="0"/>
+        </a:xfrm>
+      </p:grpSpPr>
+      <p:sp>
+        <p:nvSpPr>
+          <p:cNvPr id="15" name="Title 1"/>
+          <p:cNvSpPr>
+            <a:spLocks noGrp="1"/>
+          </p:cNvSpPr>
+          <p:nvPr>
+            <p:ph type="title"/>
+          </p:nvPr>
+        </p:nvSpPr>
+        <p:spPr>
+          <a:xfrm>
+            <a:off x="2895600" y="761999"/>
+            <a:ext cx="8610599" cy="1303867"/>
+          </a:xfrm>
+        </p:spPr>
+        <p:txBody>
+          <a:bodyPr/>
+          <a:lstStyle/>
+          <a:p>
+            <a:r>
+              <a:rPr lang="fr-FR"/>
+              <a:t>Modifiez le style du titre</a:t>
+            </a:r>
+            <a:endParaRPr lang="en-US" dirty="0"/>
+          </a:p>
+        </p:txBody>
+      </p:sp>
+      <p:sp>
+        <p:nvSpPr>
+          <p:cNvPr id="7" name="Text Placeholder 2"/>
+          <p:cNvSpPr>
+            <a:spLocks noGrp="1"/>
+          </p:cNvSpPr>
+          <p:nvPr>
+            <p:ph type="body" idx="1"/>
+          </p:nvPr>
+        </p:nvSpPr>
+        <p:spPr>
+          <a:xfrm>
+            <a:off x="685800" y="2202080"/>
+            <a:ext cx="3456432" cy="617320"/>
+          </a:xfrm>
+        </p:spPr>
+        <p:txBody>
+          <a:bodyPr anchor="b">
+            <a:noAutofit/>
+          </a:bodyPr>
+          <a:lstStyle>
+            <a:lvl1pPr marL="0" indent="0">
+              <a:buNone/>
+              <a:defRPr sz="2400" b="0">
+                <a:solidFill>
+                  <a:schemeClr val="tx1"/>
+                </a:solidFill>
+              </a:defRPr>
+            </a:lvl1pPr>
+            <a:lvl2pPr marL="457200" indent="0">
+              <a:buNone/>
+              <a:defRPr sz="2000" b="1"/>
+            </a:lvl2pPr>
+            <a:lvl3pPr marL="914400" indent="0">
+              <a:buNone/>
+              <a:defRPr sz="1800" b="1"/>
+            </a:lvl3pPr>
+            <a:lvl4pPr marL="1371600" indent="0">
+              <a:buNone/>
+              <a:defRPr sz="1600" b="1"/>
+            </a:lvl4pPr>
+            <a:lvl5pPr marL="1828800" indent="0">
+              <a:buNone/>
+              <a:defRPr sz="1600" b="1"/>
+            </a:lvl5pPr>
+            <a:lvl6pPr marL="2286000" indent="0">
+              <a:buNone/>
+              <a:defRPr sz="1600" b="1"/>
+            </a:lvl6pPr>
+            <a:lvl7pPr marL="2743200" indent="0">
+              <a:buNone/>
+              <a:defRPr sz="1600" b="1"/>
+            </a:lvl7pPr>
+            <a:lvl8pPr marL="3200400" indent="0">
+              <a:buNone/>
+              <a:defRPr sz="1600" b="1"/>
+            </a:lvl8pPr>
+            <a:lvl9pPr marL="3657600" indent="0">
+              <a:buNone/>
+              <a:defRPr sz="1600" b="1"/>
+            </a:lvl9pPr>
+          </a:lstStyle>
+          <a:p>
+            <a:pPr lvl="0"/>
+            <a:r>
+              <a:rPr lang="fr-FR"/>
+              <a:t>Cliquez pour modifier les styles du texte du masque</a:t>
+            </a:r>
+          </a:p>
+        </p:txBody>
+      </p:sp>
+      <p:sp>
+        <p:nvSpPr>
+          <p:cNvPr id="8" name="Text Placeholder 3"/>
+          <p:cNvSpPr>
+            <a:spLocks noGrp="1"/>
+          </p:cNvSpPr>
+          <p:nvPr>
+            <p:ph type="body" sz="half" idx="15"/>
+          </p:nvPr>
+        </p:nvSpPr>
+        <p:spPr>
+          <a:xfrm>
+            <a:off x="685799" y="2904565"/>
+            <a:ext cx="3456432" cy="3314132"/>
+          </a:xfrm>
+        </p:spPr>
+        <p:txBody>
+          <a:bodyPr anchor="t">
+            <a:normAutofit/>
+          </a:bodyPr>
+          <a:lstStyle>
+            <a:lvl1pPr marL="0" indent="0">
+              <a:buNone/>
+              <a:defRPr sz="1400"/>
+            </a:lvl1pPr>
+            <a:lvl2pPr marL="457200" indent="0">
+              <a:buNone/>
+              <a:defRPr sz="1200"/>
+            </a:lvl2pPr>
+            <a:lvl3pPr marL="914400" indent="0">
+              <a:buNone/>
+              <a:defRPr sz="1000"/>
+            </a:lvl3pPr>
+            <a:lvl4pPr marL="1371600" indent="0">
+              <a:buNone/>
+              <a:defRPr sz="900"/>
+            </a:lvl4pPr>
+            <a:lvl5pPr marL="1828800" indent="0">
+              <a:buNone/>
+              <a:defRPr sz="900"/>
+            </a:lvl5pPr>
+            <a:lvl6pPr marL="2286000" indent="0">
+              <a:buNone/>
+              <a:defRPr sz="900"/>
+            </a:lvl6pPr>
+            <a:lvl7pPr marL="2743200" indent="0">
+              <a:buNone/>
+              <a:defRPr sz="900"/>
+            </a:lvl7pPr>
+            <a:lvl8pPr marL="3200400" indent="0">
+              <a:buNone/>
+              <a:defRPr sz="900"/>
+            </a:lvl8pPr>
+            <a:lvl9pPr marL="3657600" indent="0">
+              <a:buNone/>
+              <a:defRPr sz="900"/>
+            </a:lvl9pPr>
+          </a:lstStyle>
+          <a:p>
+            <a:pPr lvl="0"/>
+            <a:r>
+              <a:rPr lang="fr-FR"/>
+              <a:t>Cliquez pour modifier les styles du texte du masque</a:t>
+            </a:r>
+          </a:p>
+        </p:txBody>
+      </p:sp>
+      <p:sp>
+        <p:nvSpPr>
+          <p:cNvPr id="9" name="Text Placeholder 4"/>
+          <p:cNvSpPr>
+            <a:spLocks noGrp="1"/>
+          </p:cNvSpPr>
+          <p:nvPr>
+            <p:ph type="body" sz="quarter" idx="3"/>
+          </p:nvPr>
+        </p:nvSpPr>
+        <p:spPr>
+          <a:xfrm>
+            <a:off x="4368800" y="2201333"/>
+            <a:ext cx="3456432" cy="626534"/>
+          </a:xfrm>
+        </p:spPr>
+        <p:txBody>
+          <a:bodyPr anchor="b">
+            <a:noAutofit/>
+          </a:bodyPr>
+          <a:lstStyle>
+            <a:lvl1pPr marL="0" indent="0">
+              <a:buNone/>
+              <a:defRPr sz="2400" b="0">
+                <a:solidFill>
+                  <a:schemeClr val="tx1"/>
+                </a:solidFill>
+              </a:defRPr>
+            </a:lvl1pPr>
+            <a:lvl2pPr marL="457200" indent="0">
+              <a:buNone/>
+              <a:defRPr sz="2000" b="1"/>
+            </a:lvl2pPr>
+            <a:lvl3pPr marL="914400" indent="0">
+              <a:buNone/>
+              <a:defRPr sz="1800" b="1"/>
+            </a:lvl3pPr>
+            <a:lvl4pPr marL="1371600" indent="0">
+              <a:buNone/>
+              <a:defRPr sz="1600" b="1"/>
+            </a:lvl4pPr>
+            <a:lvl5pPr marL="1828800" indent="0">
+              <a:buNone/>
+              <a:defRPr sz="1600" b="1"/>
+            </a:lvl5pPr>
+            <a:lvl6pPr marL="2286000" indent="0">
+              <a:buNone/>
+              <a:defRPr sz="1600" b="1"/>
+            </a:lvl6pPr>
+            <a:lvl7pPr marL="2743200" indent="0">
+              <a:buNone/>
+              <a:defRPr sz="1600" b="1"/>
+            </a:lvl7pPr>
+            <a:lvl8pPr marL="3200400" indent="0">
+              <a:buNone/>
+              <a:defRPr sz="1600" b="1"/>
+            </a:lvl8pPr>
+            <a:lvl9pPr marL="3657600" indent="0">
+              <a:buNone/>
+              <a:defRPr sz="1600" b="1"/>
+            </a:lvl9pPr>
+          </a:lstStyle>
+          <a:p>
+            <a:pPr lvl="0"/>
+            <a:r>
+              <a:rPr lang="fr-FR"/>
+              <a:t>Cliquez pour modifier les styles du texte du masque</a:t>
+            </a:r>
+          </a:p>
+        </p:txBody>
+      </p:sp>
+      <p:sp>
+        <p:nvSpPr>
+          <p:cNvPr id="10" name="Text Placeholder 3"/>
+          <p:cNvSpPr>
+            <a:spLocks noGrp="1"/>
+          </p:cNvSpPr>
+          <p:nvPr>
+            <p:ph type="body" sz="half" idx="16"/>
+          </p:nvPr>
+        </p:nvSpPr>
+        <p:spPr>
+          <a:xfrm>
+            <a:off x="4366858" y="2904067"/>
+            <a:ext cx="3456432" cy="3314618"/>
+          </a:xfrm>
+        </p:spPr>
+        <p:txBody>
+          <a:bodyPr anchor="t">
+            <a:normAutofit/>
+          </a:bodyPr>
+          <a:lstStyle>
+            <a:lvl1pPr marL="0" indent="0">
+              <a:buNone/>
+              <a:defRPr sz="1400"/>
+            </a:lvl1pPr>
+            <a:lvl2pPr marL="457200" indent="0">
+              <a:buNone/>
+              <a:defRPr sz="1200"/>
+            </a:lvl2pPr>
+            <a:lvl3pPr marL="914400" indent="0">
+              <a:buNone/>
+              <a:defRPr sz="1000"/>
+            </a:lvl3pPr>
+            <a:lvl4pPr marL="1371600" indent="0">
+              <a:buNone/>
+              <a:defRPr sz="900"/>
+            </a:lvl4pPr>
+            <a:lvl5pPr marL="1828800" indent="0">
+              <a:buNone/>
+              <a:defRPr sz="900"/>
+            </a:lvl5pPr>
+            <a:lvl6pPr marL="2286000" indent="0">
+              <a:buNone/>
+              <a:defRPr sz="900"/>
+            </a:lvl6pPr>
+            <a:lvl7pPr marL="2743200" indent="0">
+              <a:buNone/>
+              <a:defRPr sz="900"/>
+            </a:lvl7pPr>
+            <a:lvl8pPr marL="3200400" indent="0">
+              <a:buNone/>
+              <a:defRPr sz="900"/>
+            </a:lvl8pPr>
+            <a:lvl9pPr marL="3657600" indent="0">
+              <a:buNone/>
+              <a:defRPr sz="900"/>
+            </a:lvl9pPr>
+          </a:lstStyle>
+          <a:p>
+            <a:pPr lvl="0"/>
+            <a:r>
+              <a:rPr lang="fr-FR"/>
+              <a:t>Cliquez pour modifier les styles du texte du masque</a:t>
+            </a:r>
+          </a:p>
+        </p:txBody>
+      </p:sp>
+      <p:sp>
+        <p:nvSpPr>
+          <p:cNvPr id="11" name="Text Placeholder 4"/>
+          <p:cNvSpPr>
+            <a:spLocks noGrp="1"/>
+          </p:cNvSpPr>
+          <p:nvPr>
+            <p:ph type="body" sz="quarter" idx="13"/>
+          </p:nvPr>
+        </p:nvSpPr>
+        <p:spPr>
+          <a:xfrm>
+            <a:off x="8051800" y="2192866"/>
+            <a:ext cx="3456432" cy="626534"/>
+          </a:xfrm>
+        </p:spPr>
+        <p:txBody>
+          <a:bodyPr anchor="b">
+            <a:noAutofit/>
+          </a:bodyPr>
+          <a:lstStyle>
+            <a:lvl1pPr marL="0" indent="0">
+              <a:buNone/>
+              <a:defRPr sz="2400" b="0">
+                <a:solidFill>
+                  <a:schemeClr val="tx1"/>
+                </a:solidFill>
+              </a:defRPr>
+            </a:lvl1pPr>
+            <a:lvl2pPr marL="457200" indent="0">
+              <a:buNone/>
+              <a:defRPr sz="2000" b="1"/>
+            </a:lvl2pPr>
+            <a:lvl3pPr marL="914400" indent="0">
+              <a:buNone/>
+              <a:defRPr sz="1800" b="1"/>
+            </a:lvl3pPr>
+            <a:lvl4pPr marL="1371600" indent="0">
+              <a:buNone/>
+              <a:defRPr sz="1600" b="1"/>
+            </a:lvl4pPr>
+            <a:lvl5pPr marL="1828800" indent="0">
+              <a:buNone/>
+              <a:defRPr sz="1600" b="1"/>
+            </a:lvl5pPr>
+            <a:lvl6pPr marL="2286000" indent="0">
+              <a:buNone/>
+              <a:defRPr sz="1600" b="1"/>
+            </a:lvl6pPr>
+            <a:lvl7pPr marL="2743200" indent="0">
+              <a:buNone/>
+              <a:defRPr sz="1600" b="1"/>
+            </a:lvl7pPr>
+            <a:lvl8pPr marL="3200400" indent="0">
+              <a:buNone/>
+              <a:defRPr sz="1600" b="1"/>
+            </a:lvl8pPr>
+            <a:lvl9pPr marL="3657600" indent="0">
+              <a:buNone/>
+              <a:defRPr sz="1600" b="1"/>
+            </a:lvl9pPr>
+          </a:lstStyle>
+          <a:p>
+            <a:pPr lvl="0"/>
+            <a:r>
+              <a:rPr lang="fr-FR"/>
+              <a:t>Cliquez pour modifier les styles du texte du masque</a:t>
+            </a:r>
+          </a:p>
+        </p:txBody>
+      </p:sp>
+      <p:sp>
+        <p:nvSpPr>
+          <p:cNvPr id="12" name="Text Placeholder 3"/>
+          <p:cNvSpPr>
+            <a:spLocks noGrp="1"/>
+          </p:cNvSpPr>
+          <p:nvPr>
+            <p:ph type="body" sz="half" idx="17"/>
+          </p:nvPr>
+        </p:nvSpPr>
+        <p:spPr>
+          <a:xfrm>
+            <a:off x="8051801" y="2904565"/>
+            <a:ext cx="3456432" cy="3314132"/>
+          </a:xfrm>
+        </p:spPr>
+        <p:txBody>
+          <a:bodyPr anchor="t">
+            <a:normAutofit/>
+          </a:bodyPr>
+          <a:lstStyle>
+            <a:lvl1pPr marL="0" indent="0">
+              <a:buNone/>
+              <a:defRPr sz="1400"/>
+            </a:lvl1pPr>
+            <a:lvl2pPr marL="457200" indent="0">
+              <a:buNone/>
+              <a:defRPr sz="1200"/>
+            </a:lvl2pPr>
+            <a:lvl3pPr marL="914400" indent="0">
+              <a:buNone/>
+              <a:defRPr sz="1000"/>
+            </a:lvl3pPr>
+            <a:lvl4pPr marL="1371600" indent="0">
+              <a:buNone/>
+              <a:defRPr sz="900"/>
+            </a:lvl4pPr>
+            <a:lvl5pPr marL="1828800" indent="0">
+              <a:buNone/>
+              <a:defRPr sz="900"/>
+            </a:lvl5pPr>
+            <a:lvl6pPr marL="2286000" indent="0">
+              <a:buNone/>
+              <a:defRPr sz="900"/>
+            </a:lvl6pPr>
+            <a:lvl7pPr marL="2743200" indent="0">
+              <a:buNone/>
+              <a:defRPr sz="900"/>
+            </a:lvl7pPr>
+            <a:lvl8pPr marL="3200400" indent="0">
+              <a:buNone/>
+              <a:defRPr sz="900"/>
+            </a:lvl8pPr>
+            <a:lvl9pPr marL="3657600" indent="0">
+              <a:buNone/>
+              <a:defRPr sz="900"/>
+            </a:lvl9pPr>
+          </a:lstStyle>
+          <a:p>
+            <a:pPr lvl="0"/>
+            <a:r>
+              <a:rPr lang="fr-FR"/>
+              <a:t>Cliquez pour modifier les styles du texte du masque</a:t>
+            </a:r>
+          </a:p>
+        </p:txBody>
+      </p:sp>
+      <p:sp>
+        <p:nvSpPr>
+          <p:cNvPr id="3" name="Date Placeholder 2"/>
+          <p:cNvSpPr>
+            <a:spLocks noGrp="1"/>
+          </p:cNvSpPr>
+          <p:nvPr>
+            <p:ph type="dt" sz="half" idx="10"/>
+          </p:nvPr>
+        </p:nvSpPr>
+        <p:spPr/>
+        <p:txBody>
+          <a:bodyPr/>
+          <a:lstStyle/>
+          <a:p>
+            <a:fld id="{4A480F61-AD29-4A6D-9D5B-CDF172F3995E}" type="datetimeFigureOut">
+              <a:rPr lang="fr-FR" smtClean="0"/>
+              <a:t>05/01/2022</a:t>
+            </a:fld>
+            <a:endParaRPr lang="fr-FR"/>
+          </a:p>
+        </p:txBody>
+      </p:sp>
+      <p:sp>
+        <p:nvSpPr>
+          <p:cNvPr id="4" name="Footer Placeholder 3"/>
+          <p:cNvSpPr>
+            <a:spLocks noGrp="1"/>
+          </p:cNvSpPr>
+          <p:nvPr>
+            <p:ph type="ftr" sz="quarter" idx="11"/>
+          </p:nvPr>
+        </p:nvSpPr>
+        <p:spPr/>
+        <p:txBody>
+          <a:bodyPr/>
+          <a:lstStyle/>
+          <a:p>
+            <a:endParaRPr lang="fr-FR"/>
+          </a:p>
+        </p:txBody>
+      </p:sp>
+      <p:sp>
+        <p:nvSpPr>
+          <p:cNvPr id="5" name="Slide Number Placeholder 4"/>
+          <p:cNvSpPr>
+            <a:spLocks noGrp="1"/>
+          </p:cNvSpPr>
+          <p:nvPr>
+            <p:ph type="sldNum" sz="quarter" idx="12"/>
+          </p:nvPr>
+        </p:nvSpPr>
+        <p:spPr/>
+        <p:txBody>
+          <a:bodyPr/>
+          <a:lstStyle/>
+          <a:p>
+            <a:fld id="{0694580E-352B-4317-8849-7C5A069838EF}" type="slidenum">
+              <a:rPr lang="fr-FR" smtClean="0"/>
+              <a:t>‹N°›</a:t>
+            </a:fld>
+            <a:endParaRPr lang="fr-FR"/>
+          </a:p>
+        </p:txBody>
+      </p:sp>
+    </p:spTree>
+    <p:extLst>
+      <p:ext uri="{BB962C8B-B14F-4D97-AF65-F5344CB8AC3E}">
+        <p14:creationId xmlns:p14="http://schemas.microsoft.com/office/powerpoint/2010/main" val="2596340580"/>
+      </p:ext>
+    </p:extLst>
+  </p:cSld>
+  <p:clrMapOvr>
+    <a:masterClrMapping/>
+  </p:clrMapOvr>
+</p:sldLayout>
+</file>
+
+<file path=ppt/slideLayouts/slideLayout15.xml><?xml version="1.0" encoding="utf-8"?>
+<p:sldLayout xmlns:a="http://schemas.openxmlformats.org/drawingml/2006/main" xmlns:r="http://schemas.openxmlformats.org/officeDocument/2006/relationships" xmlns:p="http://schemas.openxmlformats.org/presentationml/2006/main" preserve="1">
+  <p:cSld name="3 colonnes d’image">
+    <p:spTree>
+      <p:nvGrpSpPr>
+        <p:cNvPr id="1" name=""/>
+        <p:cNvGrpSpPr/>
+        <p:nvPr/>
+      </p:nvGrpSpPr>
+      <p:grpSpPr>
+        <a:xfrm>
+          <a:off x="0" y="0"/>
+          <a:ext cx="0" cy="0"/>
+          <a:chOff x="0" y="0"/>
+          <a:chExt cx="0" cy="0"/>
+        </a:xfrm>
+      </p:grpSpPr>
+      <p:sp>
+        <p:nvSpPr>
+          <p:cNvPr id="30" name="Title 1"/>
+          <p:cNvSpPr>
+            <a:spLocks noGrp="1"/>
+          </p:cNvSpPr>
+          <p:nvPr>
+            <p:ph type="title"/>
+          </p:nvPr>
+        </p:nvSpPr>
+        <p:spPr>
+          <a:xfrm>
+            <a:off x="2895600" y="762000"/>
+            <a:ext cx="8610599" cy="1295400"/>
+          </a:xfrm>
+        </p:spPr>
+        <p:txBody>
+          <a:bodyPr/>
+          <a:lstStyle/>
+          <a:p>
+            <a:r>
+              <a:rPr lang="fr-FR"/>
+              <a:t>Modifiez le style du titre</a:t>
+            </a:r>
+            <a:endParaRPr lang="en-US" dirty="0"/>
+          </a:p>
+        </p:txBody>
+      </p:sp>
+      <p:sp>
+        <p:nvSpPr>
+          <p:cNvPr id="19" name="Text Placeholder 2"/>
+          <p:cNvSpPr>
+            <a:spLocks noGrp="1"/>
+          </p:cNvSpPr>
+          <p:nvPr>
+            <p:ph type="body" idx="1"/>
+          </p:nvPr>
+        </p:nvSpPr>
+        <p:spPr>
+          <a:xfrm>
+            <a:off x="688618" y="4191000"/>
+            <a:ext cx="3451582" cy="682765"/>
+          </a:xfrm>
+        </p:spPr>
+        <p:txBody>
+          <a:bodyPr anchor="b">
+            <a:noAutofit/>
+          </a:bodyPr>
+          <a:lstStyle>
+            <a:lvl1pPr marL="0" indent="0">
+              <a:buNone/>
+              <a:defRPr sz="2400" b="0">
+                <a:solidFill>
+                  <a:schemeClr val="tx1"/>
+                </a:solidFill>
+              </a:defRPr>
+            </a:lvl1pPr>
+            <a:lvl2pPr marL="457200" indent="0">
+              <a:buNone/>
+              <a:defRPr sz="2000" b="1"/>
+            </a:lvl2pPr>
+            <a:lvl3pPr marL="914400" indent="0">
+              <a:buNone/>
+              <a:defRPr sz="1800" b="1"/>
+            </a:lvl3pPr>
+            <a:lvl4pPr marL="1371600" indent="0">
+              <a:buNone/>
+              <a:defRPr sz="1600" b="1"/>
+            </a:lvl4pPr>
+            <a:lvl5pPr marL="1828800" indent="0">
+              <a:buNone/>
+              <a:defRPr sz="1600" b="1"/>
+            </a:lvl5pPr>
+            <a:lvl6pPr marL="2286000" indent="0">
+              <a:buNone/>
+              <a:defRPr sz="1600" b="1"/>
+            </a:lvl6pPr>
+            <a:lvl7pPr marL="2743200" indent="0">
+              <a:buNone/>
+              <a:defRPr sz="1600" b="1"/>
+            </a:lvl7pPr>
+            <a:lvl8pPr marL="3200400" indent="0">
+              <a:buNone/>
+              <a:defRPr sz="1600" b="1"/>
+            </a:lvl8pPr>
+            <a:lvl9pPr marL="3657600" indent="0">
+              <a:buNone/>
+              <a:defRPr sz="1600" b="1"/>
+            </a:lvl9pPr>
+          </a:lstStyle>
+          <a:p>
+            <a:pPr lvl="0"/>
+            <a:r>
+              <a:rPr lang="fr-FR"/>
+              <a:t>Cliquez pour modifier les styles du texte du masque</a:t>
+            </a:r>
+          </a:p>
+        </p:txBody>
+      </p:sp>
+      <p:sp>
+        <p:nvSpPr>
+          <p:cNvPr id="20" name="Picture Placeholder 2"/>
+          <p:cNvSpPr>
+            <a:spLocks noGrp="1" noChangeAspect="1"/>
+          </p:cNvSpPr>
+          <p:nvPr>
+            <p:ph type="pic" idx="15"/>
+          </p:nvPr>
+        </p:nvSpPr>
+        <p:spPr>
+          <a:xfrm>
+            <a:off x="688618" y="2362200"/>
+            <a:ext cx="3451582" cy="1524000"/>
+          </a:xfrm>
+          <a:prstGeom prst="roundRect">
+            <a:avLst>
+              <a:gd name="adj" fmla="val 0"/>
+            </a:avLst>
+          </a:prstGeom>
+          <a:effectLst>
+            <a:outerShdw blurRad="50800" dist="50800" dir="5400000" algn="tl" rotWithShape="0">
+              <a:srgbClr val="000000">
+                <a:alpha val="43000"/>
+              </a:srgbClr>
+            </a:outerShdw>
+          </a:effectLst>
+        </p:spPr>
+        <p:txBody>
+          <a:bodyPr anchor="t">
+            <a:normAutofit/>
+          </a:bodyPr>
+          <a:lstStyle>
+            <a:lvl1pPr marL="0" indent="0" algn="ctr">
+              <a:buNone/>
+              <a:defRPr sz="1600"/>
+            </a:lvl1pPr>
+            <a:lvl2pPr marL="457200" indent="0">
+              <a:buNone/>
+              <a:defRPr sz="1600"/>
+            </a:lvl2pPr>
+            <a:lvl3pPr marL="914400" indent="0">
+              <a:buNone/>
+              <a:defRPr sz="1600"/>
+            </a:lvl3pPr>
+            <a:lvl4pPr marL="1371600" indent="0">
+              <a:buNone/>
+              <a:defRPr sz="1600"/>
+            </a:lvl4pPr>
+            <a:lvl5pPr marL="1828800" indent="0">
+              <a:buNone/>
+              <a:defRPr sz="1600"/>
+            </a:lvl5pPr>
+            <a:lvl6pPr marL="2286000" indent="0">
+              <a:buNone/>
+              <a:defRPr sz="1600"/>
+            </a:lvl6pPr>
+            <a:lvl7pPr marL="2743200" indent="0">
+              <a:buNone/>
+              <a:defRPr sz="1600"/>
+            </a:lvl7pPr>
+            <a:lvl8pPr marL="3200400" indent="0">
+              <a:buNone/>
+              <a:defRPr sz="1600"/>
+            </a:lvl8pPr>
+            <a:lvl9pPr marL="3657600" indent="0">
+              <a:buNone/>
+              <a:defRPr sz="1600"/>
+            </a:lvl9pPr>
+          </a:lstStyle>
+          <a:p>
+            <a:r>
+              <a:rPr lang="fr-FR"/>
+              <a:t>Cliquez sur l'icône pour ajouter une image</a:t>
+            </a:r>
+            <a:endParaRPr lang="en-US" dirty="0"/>
+          </a:p>
+        </p:txBody>
+      </p:sp>
+      <p:sp>
+        <p:nvSpPr>
+          <p:cNvPr id="21" name="Text Placeholder 3"/>
+          <p:cNvSpPr>
+            <a:spLocks noGrp="1"/>
+          </p:cNvSpPr>
+          <p:nvPr>
+            <p:ph type="body" sz="half" idx="18"/>
+          </p:nvPr>
+        </p:nvSpPr>
+        <p:spPr>
+          <a:xfrm>
+            <a:off x="688618" y="4873764"/>
+            <a:ext cx="3451582" cy="1344921"/>
+          </a:xfrm>
+        </p:spPr>
+        <p:txBody>
+          <a:bodyPr anchor="t">
+            <a:normAutofit/>
+          </a:bodyPr>
+          <a:lstStyle>
+            <a:lvl1pPr marL="0" indent="0">
+              <a:buNone/>
+              <a:defRPr sz="1400"/>
+            </a:lvl1pPr>
+            <a:lvl2pPr marL="457200" indent="0">
+              <a:buNone/>
+              <a:defRPr sz="1200"/>
+            </a:lvl2pPr>
+            <a:lvl3pPr marL="914400" indent="0">
+              <a:buNone/>
+              <a:defRPr sz="1000"/>
+            </a:lvl3pPr>
+            <a:lvl4pPr marL="1371600" indent="0">
+              <a:buNone/>
+              <a:defRPr sz="900"/>
+            </a:lvl4pPr>
+            <a:lvl5pPr marL="1828800" indent="0">
+              <a:buNone/>
+              <a:defRPr sz="900"/>
+            </a:lvl5pPr>
+            <a:lvl6pPr marL="2286000" indent="0">
+              <a:buNone/>
+              <a:defRPr sz="900"/>
+            </a:lvl6pPr>
+            <a:lvl7pPr marL="2743200" indent="0">
+              <a:buNone/>
+              <a:defRPr sz="900"/>
+            </a:lvl7pPr>
+            <a:lvl8pPr marL="3200400" indent="0">
+              <a:buNone/>
+              <a:defRPr sz="900"/>
+            </a:lvl8pPr>
+            <a:lvl9pPr marL="3657600" indent="0">
+              <a:buNone/>
+              <a:defRPr sz="900"/>
+            </a:lvl9pPr>
+          </a:lstStyle>
+          <a:p>
+            <a:pPr lvl="0"/>
+            <a:r>
+              <a:rPr lang="fr-FR"/>
+              <a:t>Cliquez pour modifier les styles du texte du masque</a:t>
+            </a:r>
+          </a:p>
+        </p:txBody>
+      </p:sp>
+      <p:sp>
+        <p:nvSpPr>
+          <p:cNvPr id="22" name="Text Placeholder 4"/>
+          <p:cNvSpPr>
+            <a:spLocks noGrp="1"/>
+          </p:cNvSpPr>
+          <p:nvPr>
+            <p:ph type="body" sz="quarter" idx="3"/>
+          </p:nvPr>
+        </p:nvSpPr>
+        <p:spPr>
+          <a:xfrm>
+            <a:off x="4374263" y="4191000"/>
+            <a:ext cx="3448935" cy="682765"/>
+          </a:xfrm>
+        </p:spPr>
+        <p:txBody>
+          <a:bodyPr anchor="b">
+            <a:noAutofit/>
+          </a:bodyPr>
+          <a:lstStyle>
+            <a:lvl1pPr marL="0" indent="0">
+              <a:buNone/>
+              <a:defRPr sz="2400" b="0">
+                <a:solidFill>
+                  <a:schemeClr val="tx1"/>
+                </a:solidFill>
+              </a:defRPr>
+            </a:lvl1pPr>
+            <a:lvl2pPr marL="457200" indent="0">
+              <a:buNone/>
+              <a:defRPr sz="2000" b="1"/>
+            </a:lvl2pPr>
+            <a:lvl3pPr marL="914400" indent="0">
+              <a:buNone/>
+              <a:defRPr sz="1800" b="1"/>
+            </a:lvl3pPr>
+            <a:lvl4pPr marL="1371600" indent="0">
+              <a:buNone/>
+              <a:defRPr sz="1600" b="1"/>
+            </a:lvl4pPr>
+            <a:lvl5pPr marL="1828800" indent="0">
+              <a:buNone/>
+              <a:defRPr sz="1600" b="1"/>
+            </a:lvl5pPr>
+            <a:lvl6pPr marL="2286000" indent="0">
+              <a:buNone/>
+              <a:defRPr sz="1600" b="1"/>
+            </a:lvl6pPr>
+            <a:lvl7pPr marL="2743200" indent="0">
+              <a:buNone/>
+              <a:defRPr sz="1600" b="1"/>
+            </a:lvl7pPr>
+            <a:lvl8pPr marL="3200400" indent="0">
+              <a:buNone/>
+              <a:defRPr sz="1600" b="1"/>
+            </a:lvl8pPr>
+            <a:lvl9pPr marL="3657600" indent="0">
+              <a:buNone/>
+              <a:defRPr sz="1600" b="1"/>
+            </a:lvl9pPr>
+          </a:lstStyle>
+          <a:p>
+            <a:pPr lvl="0"/>
+            <a:r>
+              <a:rPr lang="fr-FR"/>
+              <a:t>Cliquez pour modifier les styles du texte du masque</a:t>
+            </a:r>
+          </a:p>
+        </p:txBody>
+      </p:sp>
+      <p:sp>
+        <p:nvSpPr>
+          <p:cNvPr id="23" name="Picture Placeholder 2"/>
+          <p:cNvSpPr>
+            <a:spLocks noGrp="1" noChangeAspect="1"/>
+          </p:cNvSpPr>
+          <p:nvPr>
+            <p:ph type="pic" idx="21"/>
+          </p:nvPr>
+        </p:nvSpPr>
+        <p:spPr>
+          <a:xfrm>
+            <a:off x="4374263" y="2362200"/>
+            <a:ext cx="3448936" cy="1524000"/>
+          </a:xfrm>
+          <a:prstGeom prst="roundRect">
+            <a:avLst>
+              <a:gd name="adj" fmla="val 0"/>
+            </a:avLst>
+          </a:prstGeom>
+          <a:effectLst>
+            <a:outerShdw blurRad="50800" dist="50800" dir="5400000" algn="tl" rotWithShape="0">
+              <a:srgbClr val="000000">
+                <a:alpha val="43000"/>
+              </a:srgbClr>
+            </a:outerShdw>
+          </a:effectLst>
+        </p:spPr>
+        <p:txBody>
+          <a:bodyPr anchor="t">
+            <a:normAutofit/>
+          </a:bodyPr>
+          <a:lstStyle>
+            <a:lvl1pPr marL="0" indent="0" algn="ctr">
+              <a:buNone/>
+              <a:defRPr sz="1600"/>
+            </a:lvl1pPr>
+            <a:lvl2pPr marL="457200" indent="0">
+              <a:buNone/>
+              <a:defRPr sz="1600"/>
+            </a:lvl2pPr>
+            <a:lvl3pPr marL="914400" indent="0">
+              <a:buNone/>
+              <a:defRPr sz="1600"/>
+            </a:lvl3pPr>
+            <a:lvl4pPr marL="1371600" indent="0">
+              <a:buNone/>
+              <a:defRPr sz="1600"/>
+            </a:lvl4pPr>
+            <a:lvl5pPr marL="1828800" indent="0">
+              <a:buNone/>
+              <a:defRPr sz="1600"/>
+            </a:lvl5pPr>
+            <a:lvl6pPr marL="2286000" indent="0">
+              <a:buNone/>
+              <a:defRPr sz="1600"/>
+            </a:lvl6pPr>
+            <a:lvl7pPr marL="2743200" indent="0">
+              <a:buNone/>
+              <a:defRPr sz="1600"/>
+            </a:lvl7pPr>
+            <a:lvl8pPr marL="3200400" indent="0">
+              <a:buNone/>
+              <a:defRPr sz="1600"/>
+            </a:lvl8pPr>
+            <a:lvl9pPr marL="3657600" indent="0">
+              <a:buNone/>
+              <a:defRPr sz="1600"/>
+            </a:lvl9pPr>
+          </a:lstStyle>
+          <a:p>
+            <a:r>
+              <a:rPr lang="fr-FR"/>
+              <a:t>Cliquez sur l'icône pour ajouter une image</a:t>
+            </a:r>
+            <a:endParaRPr lang="en-US" dirty="0"/>
+          </a:p>
+        </p:txBody>
+      </p:sp>
+      <p:sp>
+        <p:nvSpPr>
+          <p:cNvPr id="24" name="Text Placeholder 3"/>
+          <p:cNvSpPr>
+            <a:spLocks noGrp="1"/>
+          </p:cNvSpPr>
+          <p:nvPr>
+            <p:ph type="body" sz="half" idx="19"/>
+          </p:nvPr>
+        </p:nvSpPr>
+        <p:spPr>
+          <a:xfrm>
+            <a:off x="4374264" y="4873763"/>
+            <a:ext cx="3448935" cy="1344921"/>
+          </a:xfrm>
+        </p:spPr>
+        <p:txBody>
+          <a:bodyPr anchor="t">
+            <a:normAutofit/>
+          </a:bodyPr>
+          <a:lstStyle>
+            <a:lvl1pPr marL="0" indent="0">
+              <a:buNone/>
+              <a:defRPr sz="1400"/>
+            </a:lvl1pPr>
+            <a:lvl2pPr marL="457200" indent="0">
+              <a:buNone/>
+              <a:defRPr sz="1200"/>
+            </a:lvl2pPr>
+            <a:lvl3pPr marL="914400" indent="0">
+              <a:buNone/>
+              <a:defRPr sz="1000"/>
+            </a:lvl3pPr>
+            <a:lvl4pPr marL="1371600" indent="0">
+              <a:buNone/>
+              <a:defRPr sz="900"/>
+            </a:lvl4pPr>
+            <a:lvl5pPr marL="1828800" indent="0">
+              <a:buNone/>
+              <a:defRPr sz="900"/>
+            </a:lvl5pPr>
+            <a:lvl6pPr marL="2286000" indent="0">
+              <a:buNone/>
+              <a:defRPr sz="900"/>
+            </a:lvl6pPr>
+            <a:lvl7pPr marL="2743200" indent="0">
+              <a:buNone/>
+              <a:defRPr sz="900"/>
+            </a:lvl7pPr>
+            <a:lvl8pPr marL="3200400" indent="0">
+              <a:buNone/>
+              <a:defRPr sz="900"/>
+            </a:lvl8pPr>
+            <a:lvl9pPr marL="3657600" indent="0">
+              <a:buNone/>
+              <a:defRPr sz="900"/>
+            </a:lvl9pPr>
+          </a:lstStyle>
+          <a:p>
+            <a:pPr lvl="0"/>
+            <a:r>
+              <a:rPr lang="fr-FR"/>
+              <a:t>Cliquez pour modifier les styles du texte du masque</a:t>
+            </a:r>
+          </a:p>
+        </p:txBody>
+      </p:sp>
+      <p:sp>
+        <p:nvSpPr>
+          <p:cNvPr id="25" name="Text Placeholder 4"/>
+          <p:cNvSpPr>
+            <a:spLocks noGrp="1"/>
+          </p:cNvSpPr>
+          <p:nvPr>
+            <p:ph type="body" sz="quarter" idx="13"/>
+          </p:nvPr>
+        </p:nvSpPr>
+        <p:spPr>
+          <a:xfrm>
+            <a:off x="8049731" y="4191000"/>
+            <a:ext cx="3456469" cy="682765"/>
+          </a:xfrm>
+        </p:spPr>
+        <p:txBody>
+          <a:bodyPr anchor="b">
+            <a:noAutofit/>
+          </a:bodyPr>
+          <a:lstStyle>
+            <a:lvl1pPr marL="0" indent="0">
+              <a:buNone/>
+              <a:defRPr sz="2400" b="0">
+                <a:solidFill>
+                  <a:schemeClr val="tx1"/>
+                </a:solidFill>
+              </a:defRPr>
+            </a:lvl1pPr>
+            <a:lvl2pPr marL="457200" indent="0">
+              <a:buNone/>
+              <a:defRPr sz="2000" b="1"/>
+            </a:lvl2pPr>
+            <a:lvl3pPr marL="914400" indent="0">
+              <a:buNone/>
+              <a:defRPr sz="1800" b="1"/>
+            </a:lvl3pPr>
+            <a:lvl4pPr marL="1371600" indent="0">
+              <a:buNone/>
+              <a:defRPr sz="1600" b="1"/>
+            </a:lvl4pPr>
+            <a:lvl5pPr marL="1828800" indent="0">
+              <a:buNone/>
+              <a:defRPr sz="1600" b="1"/>
+            </a:lvl5pPr>
+            <a:lvl6pPr marL="2286000" indent="0">
+              <a:buNone/>
+              <a:defRPr sz="1600" b="1"/>
+            </a:lvl6pPr>
+            <a:lvl7pPr marL="2743200" indent="0">
+              <a:buNone/>
+              <a:defRPr sz="1600" b="1"/>
+            </a:lvl7pPr>
+            <a:lvl8pPr marL="3200400" indent="0">
+              <a:buNone/>
+              <a:defRPr sz="1600" b="1"/>
+            </a:lvl8pPr>
+            <a:lvl9pPr marL="3657600" indent="0">
+              <a:buNone/>
+              <a:defRPr sz="1600" b="1"/>
+            </a:lvl9pPr>
+          </a:lstStyle>
+          <a:p>
+            <a:pPr lvl="0"/>
+            <a:r>
+              <a:rPr lang="fr-FR"/>
+              <a:t>Cliquez pour modifier les styles du texte du masque</a:t>
+            </a:r>
+          </a:p>
+        </p:txBody>
+      </p:sp>
+      <p:sp>
+        <p:nvSpPr>
+          <p:cNvPr id="26" name="Picture Placeholder 2"/>
+          <p:cNvSpPr>
+            <a:spLocks noGrp="1" noChangeAspect="1"/>
+          </p:cNvSpPr>
+          <p:nvPr>
+            <p:ph type="pic" idx="22"/>
+          </p:nvPr>
+        </p:nvSpPr>
+        <p:spPr>
+          <a:xfrm>
+            <a:off x="8049855" y="2362200"/>
+            <a:ext cx="3447878" cy="1524000"/>
+          </a:xfrm>
+          <a:prstGeom prst="roundRect">
+            <a:avLst>
+              <a:gd name="adj" fmla="val 0"/>
+            </a:avLst>
+          </a:prstGeom>
+          <a:effectLst>
+            <a:outerShdw blurRad="50800" dist="50800" dir="5400000" algn="tl" rotWithShape="0">
+              <a:srgbClr val="000000">
+                <a:alpha val="43000"/>
+              </a:srgbClr>
+            </a:outerShdw>
+          </a:effectLst>
+        </p:spPr>
+        <p:txBody>
+          <a:bodyPr anchor="t">
+            <a:normAutofit/>
+          </a:bodyPr>
+          <a:lstStyle>
+            <a:lvl1pPr marL="0" indent="0" algn="ctr">
+              <a:buNone/>
+              <a:defRPr sz="1600"/>
+            </a:lvl1pPr>
+            <a:lvl2pPr marL="457200" indent="0">
+              <a:buNone/>
+              <a:defRPr sz="1600"/>
+            </a:lvl2pPr>
+            <a:lvl3pPr marL="914400" indent="0">
+              <a:buNone/>
+              <a:defRPr sz="1600"/>
+            </a:lvl3pPr>
+            <a:lvl4pPr marL="1371600" indent="0">
+              <a:buNone/>
+              <a:defRPr sz="1600"/>
+            </a:lvl4pPr>
+            <a:lvl5pPr marL="1828800" indent="0">
+              <a:buNone/>
+              <a:defRPr sz="1600"/>
+            </a:lvl5pPr>
+            <a:lvl6pPr marL="2286000" indent="0">
+              <a:buNone/>
+              <a:defRPr sz="1600"/>
+            </a:lvl6pPr>
+            <a:lvl7pPr marL="2743200" indent="0">
+              <a:buNone/>
+              <a:defRPr sz="1600"/>
+            </a:lvl7pPr>
+            <a:lvl8pPr marL="3200400" indent="0">
+              <a:buNone/>
+              <a:defRPr sz="1600"/>
+            </a:lvl8pPr>
+            <a:lvl9pPr marL="3657600" indent="0">
+              <a:buNone/>
+              <a:defRPr sz="1600"/>
+            </a:lvl9pPr>
+          </a:lstStyle>
+          <a:p>
+            <a:r>
+              <a:rPr lang="fr-FR"/>
+              <a:t>Cliquez sur l'icône pour ajouter une image</a:t>
+            </a:r>
+            <a:endParaRPr lang="en-US" dirty="0"/>
+          </a:p>
+        </p:txBody>
+      </p:sp>
+      <p:sp>
+        <p:nvSpPr>
+          <p:cNvPr id="27" name="Text Placeholder 3"/>
+          <p:cNvSpPr>
+            <a:spLocks noGrp="1"/>
+          </p:cNvSpPr>
+          <p:nvPr>
+            <p:ph type="body" sz="half" idx="20"/>
+          </p:nvPr>
+        </p:nvSpPr>
+        <p:spPr>
+          <a:xfrm>
+            <a:off x="8049731" y="4873761"/>
+            <a:ext cx="3452445" cy="1344921"/>
+          </a:xfrm>
+        </p:spPr>
+        <p:txBody>
+          <a:bodyPr anchor="t">
+            <a:normAutofit/>
+          </a:bodyPr>
+          <a:lstStyle>
+            <a:lvl1pPr marL="0" indent="0">
+              <a:buNone/>
+              <a:defRPr sz="1400"/>
+            </a:lvl1pPr>
+            <a:lvl2pPr marL="457200" indent="0">
+              <a:buNone/>
+              <a:defRPr sz="1200"/>
+            </a:lvl2pPr>
+            <a:lvl3pPr marL="914400" indent="0">
+              <a:buNone/>
+              <a:defRPr sz="1000"/>
+            </a:lvl3pPr>
+            <a:lvl4pPr marL="1371600" indent="0">
+              <a:buNone/>
+              <a:defRPr sz="900"/>
+            </a:lvl4pPr>
+            <a:lvl5pPr marL="1828800" indent="0">
+              <a:buNone/>
+              <a:defRPr sz="900"/>
+            </a:lvl5pPr>
+            <a:lvl6pPr marL="2286000" indent="0">
+              <a:buNone/>
+              <a:defRPr sz="900"/>
+            </a:lvl6pPr>
+            <a:lvl7pPr marL="2743200" indent="0">
+              <a:buNone/>
+              <a:defRPr sz="900"/>
+            </a:lvl7pPr>
+            <a:lvl8pPr marL="3200400" indent="0">
+              <a:buNone/>
+              <a:defRPr sz="900"/>
+            </a:lvl8pPr>
+            <a:lvl9pPr marL="3657600" indent="0">
+              <a:buNone/>
+              <a:defRPr sz="900"/>
+            </a:lvl9pPr>
+          </a:lstStyle>
+          <a:p>
+            <a:pPr lvl="0"/>
+            <a:r>
+              <a:rPr lang="fr-FR"/>
+              <a:t>Cliquez pour modifier les styles du texte du masque</a:t>
+            </a:r>
+          </a:p>
+        </p:txBody>
+      </p:sp>
+      <p:sp>
+        <p:nvSpPr>
+          <p:cNvPr id="3" name="Date Placeholder 2"/>
+          <p:cNvSpPr>
+            <a:spLocks noGrp="1"/>
+          </p:cNvSpPr>
+          <p:nvPr>
+            <p:ph type="dt" sz="half" idx="10"/>
+          </p:nvPr>
+        </p:nvSpPr>
+        <p:spPr/>
+        <p:txBody>
+          <a:bodyPr/>
+          <a:lstStyle/>
+          <a:p>
+            <a:fld id="{4A480F61-AD29-4A6D-9D5B-CDF172F3995E}" type="datetimeFigureOut">
+              <a:rPr lang="fr-FR" smtClean="0"/>
+              <a:t>05/01/2022</a:t>
+            </a:fld>
+            <a:endParaRPr lang="fr-FR"/>
+          </a:p>
+        </p:txBody>
+      </p:sp>
+      <p:sp>
+        <p:nvSpPr>
+          <p:cNvPr id="4" name="Footer Placeholder 3"/>
+          <p:cNvSpPr>
+            <a:spLocks noGrp="1"/>
+          </p:cNvSpPr>
+          <p:nvPr>
+            <p:ph type="ftr" sz="quarter" idx="11"/>
+          </p:nvPr>
+        </p:nvSpPr>
+        <p:spPr/>
+        <p:txBody>
+          <a:bodyPr/>
+          <a:lstStyle/>
+          <a:p>
+            <a:endParaRPr lang="fr-FR"/>
+          </a:p>
+        </p:txBody>
+      </p:sp>
+      <p:sp>
+        <p:nvSpPr>
+          <p:cNvPr id="5" name="Slide Number Placeholder 4"/>
+          <p:cNvSpPr>
+            <a:spLocks noGrp="1"/>
+          </p:cNvSpPr>
+          <p:nvPr>
+            <p:ph type="sldNum" sz="quarter" idx="12"/>
+          </p:nvPr>
+        </p:nvSpPr>
+        <p:spPr/>
+        <p:txBody>
+          <a:bodyPr/>
+          <a:lstStyle/>
+          <a:p>
+            <a:fld id="{0694580E-352B-4317-8849-7C5A069838EF}" type="slidenum">
+              <a:rPr lang="fr-FR" smtClean="0"/>
+              <a:t>‹N°›</a:t>
+            </a:fld>
+            <a:endParaRPr lang="fr-FR"/>
+          </a:p>
+        </p:txBody>
+      </p:sp>
+    </p:spTree>
+    <p:extLst>
+      <p:ext uri="{BB962C8B-B14F-4D97-AF65-F5344CB8AC3E}">
+        <p14:creationId xmlns:p14="http://schemas.microsoft.com/office/powerpoint/2010/main" val="2392740607"/>
+      </p:ext>
+    </p:extLst>
+  </p:cSld>
+  <p:clrMapOvr>
+    <a:masterClrMapping/>
+  </p:clrMapOvr>
+</p:sldLayout>
+</file>
+
+<file path=ppt/slideLayouts/slideLayout16.xml><?xml version="1.0" encoding="utf-8"?>
 <p:sldLayout xmlns:a="http://schemas.openxmlformats.org/drawingml/2006/main" xmlns:r="http://schemas.openxmlformats.org/officeDocument/2006/relationships" xmlns:p="http://schemas.openxmlformats.org/presentationml/2006/main" type="vertTx" preserve="1">
   <p:cSld name="Titre et texte vertical">
     <p:spTree>
@@ -359,13 +2972,7 @@
       </p:grpSpPr>
       <p:sp>
         <p:nvSpPr>
-          <p:cNvPr id="2" name="Titre 1">
-            <a:extLst>
-              <a:ext uri="{FF2B5EF4-FFF2-40B4-BE49-F238E27FC236}">
-                <a16:creationId xmlns:a16="http://schemas.microsoft.com/office/drawing/2014/main" id="{8CD325D8-FA24-42CE-B2F2-75E883047583}"/>
-              </a:ext>
-            </a:extLst>
-          </p:cNvPr>
+          <p:cNvPr id="2" name="Title 1"/>
           <p:cNvSpPr>
             <a:spLocks noGrp="1"/>
           </p:cNvSpPr>
@@ -382,18 +2989,13 @@
               <a:rPr lang="fr-FR"/>
               <a:t>Modifiez le style du titre</a:t>
             </a:r>
-          </a:p>
-        </p:txBody>
-      </p:sp>
-      <p:sp>
-        <p:nvSpPr>
-          <p:cNvPr id="3" name="Espace réservé du texte vertical 2">
-            <a:extLst>
-              <a:ext uri="{FF2B5EF4-FFF2-40B4-BE49-F238E27FC236}">
-                <a16:creationId xmlns:a16="http://schemas.microsoft.com/office/drawing/2014/main" id="{55F34E2A-1C1F-4515-9416-FFC774DAACA6}"/>
-              </a:ext>
-            </a:extLst>
-          </p:cNvPr>
+            <a:endParaRPr lang="en-US" dirty="0"/>
+          </a:p>
+        </p:txBody>
+      </p:sp>
+      <p:sp>
+        <p:nvSpPr>
+          <p:cNvPr id="3" name="Vertical Text Placeholder 2"/>
           <p:cNvSpPr>
             <a:spLocks noGrp="1"/>
           </p:cNvSpPr>
@@ -401,7 +3003,12 @@
             <p:ph type="body" orient="vert" idx="1"/>
           </p:nvPr>
         </p:nvSpPr>
-        <p:spPr/>
+        <p:spPr>
+          <a:xfrm>
+            <a:off x="685800" y="2194559"/>
+            <a:ext cx="10820400" cy="4024125"/>
+          </a:xfrm>
+        </p:spPr>
         <p:txBody>
           <a:bodyPr vert="eaVert"/>
           <a:lstStyle/>
@@ -439,18 +3046,13 @@
               <a:rPr lang="fr-FR"/>
               <a:t>Cinquième niveau</a:t>
             </a:r>
-          </a:p>
-        </p:txBody>
-      </p:sp>
-      <p:sp>
-        <p:nvSpPr>
-          <p:cNvPr id="4" name="Espace réservé de la date 3">
-            <a:extLst>
-              <a:ext uri="{FF2B5EF4-FFF2-40B4-BE49-F238E27FC236}">
-                <a16:creationId xmlns:a16="http://schemas.microsoft.com/office/drawing/2014/main" id="{F0EFB182-DB87-4EC9-AD20-FC7224FFAA59}"/>
-              </a:ext>
-            </a:extLst>
-          </p:cNvPr>
+            <a:endParaRPr lang="en-US" dirty="0"/>
+          </a:p>
+        </p:txBody>
+      </p:sp>
+      <p:sp>
+        <p:nvSpPr>
+          <p:cNvPr id="4" name="Date Placeholder 3"/>
           <p:cNvSpPr>
             <a:spLocks noGrp="1"/>
           </p:cNvSpPr>
@@ -465,7 +3067,7 @@
           <a:p>
             <a:fld id="{4A480F61-AD29-4A6D-9D5B-CDF172F3995E}" type="datetimeFigureOut">
               <a:rPr lang="fr-FR" smtClean="0"/>
-              <a:t>04/01/2022</a:t>
+              <a:t>05/01/2022</a:t>
             </a:fld>
             <a:endParaRPr lang="fr-FR"/>
           </a:p>
@@ -473,13 +3075,7 @@
       </p:sp>
       <p:sp>
         <p:nvSpPr>
-          <p:cNvPr id="5" name="Espace réservé du pied de page 4">
-            <a:extLst>
-              <a:ext uri="{FF2B5EF4-FFF2-40B4-BE49-F238E27FC236}">
-                <a16:creationId xmlns:a16="http://schemas.microsoft.com/office/drawing/2014/main" id="{A7CAA646-0D75-4427-B2FD-1229FAE5E662}"/>
-              </a:ext>
-            </a:extLst>
-          </p:cNvPr>
+          <p:cNvPr id="5" name="Footer Placeholder 4"/>
           <p:cNvSpPr>
             <a:spLocks noGrp="1"/>
           </p:cNvSpPr>
@@ -498,13 +3094,7 @@
       </p:sp>
       <p:sp>
         <p:nvSpPr>
-          <p:cNvPr id="6" name="Espace réservé du numéro de diapositive 5">
-            <a:extLst>
-              <a:ext uri="{FF2B5EF4-FFF2-40B4-BE49-F238E27FC236}">
-                <a16:creationId xmlns:a16="http://schemas.microsoft.com/office/drawing/2014/main" id="{C3D2E612-2628-4762-9008-79A65A6AADF1}"/>
-              </a:ext>
-            </a:extLst>
-          </p:cNvPr>
+          <p:cNvPr id="6" name="Slide Number Placeholder 5"/>
           <p:cNvSpPr>
             <a:spLocks noGrp="1"/>
           </p:cNvSpPr>
@@ -528,7 +3118,7 @@
     </p:spTree>
     <p:extLst>
       <p:ext uri="{BB962C8B-B14F-4D97-AF65-F5344CB8AC3E}">
-        <p14:creationId xmlns:p14="http://schemas.microsoft.com/office/powerpoint/2010/main" val="290825257"/>
+        <p14:creationId xmlns:p14="http://schemas.microsoft.com/office/powerpoint/2010/main" val="2784032457"/>
       </p:ext>
     </p:extLst>
   </p:cSld>
@@ -538,8 +3128,8 @@
 </p:sldLayout>
 </file>
 
-<file path=ppt/slideLayouts/slideLayout11.xml><?xml version="1.0" encoding="utf-8"?>
-<p:sldLayout xmlns:a="http://schemas.openxmlformats.org/drawingml/2006/main" xmlns:r="http://schemas.openxmlformats.org/officeDocument/2006/relationships" xmlns:p="http://schemas.openxmlformats.org/presentationml/2006/main" type="vertTitleAndTx" preserve="1">
+<file path=ppt/slideLayouts/slideLayout17.xml><?xml version="1.0" encoding="utf-8"?>
+<p:sldLayout xmlns:a="http://schemas.openxmlformats.org/drawingml/2006/main" xmlns:r="http://schemas.openxmlformats.org/officeDocument/2006/relationships" xmlns:p="http://schemas.openxmlformats.org/presentationml/2006/main" showMasterSp="0" type="vertTitleAndTx" preserve="1">
   <p:cSld name="Titre vertical et texte">
     <p:spTree>
       <p:nvGrpSpPr>
@@ -555,15 +3145,39 @@
           <a:chExt cx="0" cy="0"/>
         </a:xfrm>
       </p:grpSpPr>
-      <p:sp>
-        <p:nvSpPr>
-          <p:cNvPr id="2" name="Titre vertical 1">
+      <p:pic>
+        <p:nvPicPr>
+          <p:cNvPr id="9" name="Picture 8" descr="C3-HD-BTM.png"/>
+          <p:cNvPicPr>
+            <a:picLocks noChangeAspect="1"/>
+          </p:cNvPicPr>
+          <p:nvPr/>
+        </p:nvPicPr>
+        <p:blipFill>
+          <a:blip r:embed="rId2">
             <a:extLst>
-              <a:ext uri="{FF2B5EF4-FFF2-40B4-BE49-F238E27FC236}">
-                <a16:creationId xmlns:a16="http://schemas.microsoft.com/office/drawing/2014/main" id="{C062CAB6-1650-4B22-9AE4-E605A2E8DE87}"/>
+              <a:ext uri="{28A0092B-C50C-407E-A947-70E740481C1C}">
+                <a14:useLocalDpi xmlns:a14="http://schemas.microsoft.com/office/drawing/2010/main" val="0"/>
               </a:ext>
             </a:extLst>
-          </p:cNvPr>
+          </a:blip>
+          <a:stretch>
+            <a:fillRect/>
+          </a:stretch>
+        </p:blipFill>
+        <p:spPr>
+          <a:xfrm>
+            <a:off x="0" y="4375150"/>
+            <a:ext cx="12192000" cy="2482850"/>
+          </a:xfrm>
+          <a:prstGeom prst="rect">
+            <a:avLst/>
+          </a:prstGeom>
+        </p:spPr>
+      </p:pic>
+      <p:sp>
+        <p:nvSpPr>
+          <p:cNvPr id="2" name="Vertical Title 1"/>
           <p:cNvSpPr>
             <a:spLocks noGrp="1"/>
           </p:cNvSpPr>
@@ -573,30 +3187,29 @@
         </p:nvSpPr>
         <p:spPr>
           <a:xfrm>
-            <a:off x="8724900" y="365125"/>
-            <a:ext cx="2628900" cy="5811838"/>
+            <a:off x="9448800" y="745066"/>
+            <a:ext cx="2057400" cy="3903133"/>
           </a:xfrm>
         </p:spPr>
         <p:txBody>
           <a:bodyPr vert="eaVert"/>
-          <a:lstStyle/>
+          <a:lstStyle>
+            <a:lvl1pPr algn="l">
+              <a:defRPr/>
+            </a:lvl1pPr>
+          </a:lstStyle>
           <a:p>
             <a:r>
               <a:rPr lang="fr-FR"/>
               <a:t>Modifiez le style du titre</a:t>
             </a:r>
-          </a:p>
-        </p:txBody>
-      </p:sp>
-      <p:sp>
-        <p:nvSpPr>
-          <p:cNvPr id="3" name="Espace réservé du texte vertical 2">
-            <a:extLst>
-              <a:ext uri="{FF2B5EF4-FFF2-40B4-BE49-F238E27FC236}">
-                <a16:creationId xmlns:a16="http://schemas.microsoft.com/office/drawing/2014/main" id="{B5B59435-D16A-462A-87CF-69FF2B77A24B}"/>
-              </a:ext>
-            </a:extLst>
-          </p:cNvPr>
+            <a:endParaRPr lang="en-US" dirty="0"/>
+          </a:p>
+        </p:txBody>
+      </p:sp>
+      <p:sp>
+        <p:nvSpPr>
+          <p:cNvPr id="3" name="Vertical Text Placeholder 2"/>
           <p:cNvSpPr>
             <a:spLocks noGrp="1"/>
           </p:cNvSpPr>
@@ -606,8 +3219,8 @@
         </p:nvSpPr>
         <p:spPr>
           <a:xfrm>
-            <a:off x="838200" y="365125"/>
-            <a:ext cx="7734300" cy="5811838"/>
+            <a:off x="1024466" y="745067"/>
+            <a:ext cx="8204201" cy="3903133"/>
           </a:xfrm>
         </p:spPr>
         <p:txBody>
@@ -647,18 +3260,13 @@
               <a:rPr lang="fr-FR"/>
               <a:t>Cinquième niveau</a:t>
             </a:r>
-          </a:p>
-        </p:txBody>
-      </p:sp>
-      <p:sp>
-        <p:nvSpPr>
-          <p:cNvPr id="4" name="Espace réservé de la date 3">
-            <a:extLst>
-              <a:ext uri="{FF2B5EF4-FFF2-40B4-BE49-F238E27FC236}">
-                <a16:creationId xmlns:a16="http://schemas.microsoft.com/office/drawing/2014/main" id="{1D13FA5D-060C-48CA-9990-370311C641EC}"/>
-              </a:ext>
-            </a:extLst>
-          </p:cNvPr>
+            <a:endParaRPr lang="en-US" dirty="0"/>
+          </a:p>
+        </p:txBody>
+      </p:sp>
+      <p:sp>
+        <p:nvSpPr>
+          <p:cNvPr id="4" name="Date Placeholder 3"/>
           <p:cNvSpPr>
             <a:spLocks noGrp="1"/>
           </p:cNvSpPr>
@@ -666,14 +3274,23 @@
             <p:ph type="dt" sz="half" idx="10"/>
           </p:nvPr>
         </p:nvSpPr>
-        <p:spPr/>
+        <p:spPr>
+          <a:xfrm>
+            <a:off x="7814452" y="379941"/>
+            <a:ext cx="2910840" cy="365125"/>
+          </a:xfrm>
+        </p:spPr>
         <p:txBody>
           <a:bodyPr/>
-          <a:lstStyle/>
+          <a:lstStyle>
+            <a:lvl1pPr algn="r">
+              <a:defRPr/>
+            </a:lvl1pPr>
+          </a:lstStyle>
           <a:p>
             <a:fld id="{4A480F61-AD29-4A6D-9D5B-CDF172F3995E}" type="datetimeFigureOut">
               <a:rPr lang="fr-FR" smtClean="0"/>
-              <a:t>04/01/2022</a:t>
+              <a:t>05/01/2022</a:t>
             </a:fld>
             <a:endParaRPr lang="fr-FR"/>
           </a:p>
@@ -681,13 +3298,7 @@
       </p:sp>
       <p:sp>
         <p:nvSpPr>
-          <p:cNvPr id="5" name="Espace réservé du pied de page 4">
-            <a:extLst>
-              <a:ext uri="{FF2B5EF4-FFF2-40B4-BE49-F238E27FC236}">
-                <a16:creationId xmlns:a16="http://schemas.microsoft.com/office/drawing/2014/main" id="{7E02EEAB-5224-4342-8D87-1366CDE5BE42}"/>
-              </a:ext>
-            </a:extLst>
-          </p:cNvPr>
+          <p:cNvPr id="5" name="Footer Placeholder 4"/>
           <p:cNvSpPr>
             <a:spLocks noGrp="1"/>
           </p:cNvSpPr>
@@ -695,7 +3306,12 @@
             <p:ph type="ftr" sz="quarter" idx="11"/>
           </p:nvPr>
         </p:nvSpPr>
-        <p:spPr/>
+        <p:spPr>
+          <a:xfrm>
+            <a:off x="685800" y="381000"/>
+            <a:ext cx="6991492" cy="365125"/>
+          </a:xfrm>
+        </p:spPr>
         <p:txBody>
           <a:bodyPr/>
           <a:lstStyle/>
@@ -706,13 +3322,7 @@
       </p:sp>
       <p:sp>
         <p:nvSpPr>
-          <p:cNvPr id="6" name="Espace réservé du numéro de diapositive 5">
-            <a:extLst>
-              <a:ext uri="{FF2B5EF4-FFF2-40B4-BE49-F238E27FC236}">
-                <a16:creationId xmlns:a16="http://schemas.microsoft.com/office/drawing/2014/main" id="{5E77180C-3E61-40AE-9A27-669385D5704D}"/>
-              </a:ext>
-            </a:extLst>
-          </p:cNvPr>
+          <p:cNvPr id="6" name="Slide Number Placeholder 5"/>
           <p:cNvSpPr>
             <a:spLocks noGrp="1"/>
           </p:cNvSpPr>
@@ -720,7 +3330,12 @@
             <p:ph type="sldNum" sz="quarter" idx="12"/>
           </p:nvPr>
         </p:nvSpPr>
-        <p:spPr/>
+        <p:spPr>
+          <a:xfrm>
+            <a:off x="10862452" y="381000"/>
+            <a:ext cx="643748" cy="365125"/>
+          </a:xfrm>
+        </p:spPr>
         <p:txBody>
           <a:bodyPr/>
           <a:lstStyle/>
@@ -736,7 +3351,7 @@
     </p:spTree>
     <p:extLst>
       <p:ext uri="{BB962C8B-B14F-4D97-AF65-F5344CB8AC3E}">
-        <p14:creationId xmlns:p14="http://schemas.microsoft.com/office/powerpoint/2010/main" val="2298483912"/>
+        <p14:creationId xmlns:p14="http://schemas.microsoft.com/office/powerpoint/2010/main" val="3195302390"/>
       </p:ext>
     </p:extLst>
   </p:cSld>
@@ -765,13 +3380,7 @@
       </p:grpSpPr>
       <p:sp>
         <p:nvSpPr>
-          <p:cNvPr id="2" name="Titre 1">
-            <a:extLst>
-              <a:ext uri="{FF2B5EF4-FFF2-40B4-BE49-F238E27FC236}">
-                <a16:creationId xmlns:a16="http://schemas.microsoft.com/office/drawing/2014/main" id="{E507B91C-BFB4-4B34-AFEA-249116517DE5}"/>
-              </a:ext>
-            </a:extLst>
-          </p:cNvPr>
+          <p:cNvPr id="2" name="Title 1"/>
           <p:cNvSpPr>
             <a:spLocks noGrp="1"/>
           </p:cNvSpPr>
@@ -788,18 +3397,13 @@
               <a:rPr lang="fr-FR"/>
               <a:t>Modifiez le style du titre</a:t>
             </a:r>
-          </a:p>
-        </p:txBody>
-      </p:sp>
-      <p:sp>
-        <p:nvSpPr>
-          <p:cNvPr id="3" name="Espace réservé du contenu 2">
-            <a:extLst>
-              <a:ext uri="{FF2B5EF4-FFF2-40B4-BE49-F238E27FC236}">
-                <a16:creationId xmlns:a16="http://schemas.microsoft.com/office/drawing/2014/main" id="{73B683B4-E088-47E8-B9B4-F93920185CDE}"/>
-              </a:ext>
-            </a:extLst>
-          </p:cNvPr>
+            <a:endParaRPr lang="en-US" dirty="0"/>
+          </a:p>
+        </p:txBody>
+      </p:sp>
+      <p:sp>
+        <p:nvSpPr>
+          <p:cNvPr id="3" name="Content Placeholder 2"/>
           <p:cNvSpPr>
             <a:spLocks noGrp="1"/>
           </p:cNvSpPr>
@@ -845,18 +3449,13 @@
               <a:rPr lang="fr-FR"/>
               <a:t>Cinquième niveau</a:t>
             </a:r>
-          </a:p>
-        </p:txBody>
-      </p:sp>
-      <p:sp>
-        <p:nvSpPr>
-          <p:cNvPr id="4" name="Espace réservé de la date 3">
-            <a:extLst>
-              <a:ext uri="{FF2B5EF4-FFF2-40B4-BE49-F238E27FC236}">
-                <a16:creationId xmlns:a16="http://schemas.microsoft.com/office/drawing/2014/main" id="{72884AD7-4398-4AB9-830F-B944813F1F6B}"/>
-              </a:ext>
-            </a:extLst>
-          </p:cNvPr>
+            <a:endParaRPr lang="en-US" dirty="0"/>
+          </a:p>
+        </p:txBody>
+      </p:sp>
+      <p:sp>
+        <p:nvSpPr>
+          <p:cNvPr id="4" name="Date Placeholder 3"/>
           <p:cNvSpPr>
             <a:spLocks noGrp="1"/>
           </p:cNvSpPr>
@@ -871,7 +3470,7 @@
           <a:p>
             <a:fld id="{4A480F61-AD29-4A6D-9D5B-CDF172F3995E}" type="datetimeFigureOut">
               <a:rPr lang="fr-FR" smtClean="0"/>
-              <a:t>04/01/2022</a:t>
+              <a:t>05/01/2022</a:t>
             </a:fld>
             <a:endParaRPr lang="fr-FR"/>
           </a:p>
@@ -879,13 +3478,7 @@
       </p:sp>
       <p:sp>
         <p:nvSpPr>
-          <p:cNvPr id="5" name="Espace réservé du pied de page 4">
-            <a:extLst>
-              <a:ext uri="{FF2B5EF4-FFF2-40B4-BE49-F238E27FC236}">
-                <a16:creationId xmlns:a16="http://schemas.microsoft.com/office/drawing/2014/main" id="{188B0A78-4E82-4083-A7B1-CEBB2397DBE2}"/>
-              </a:ext>
-            </a:extLst>
-          </p:cNvPr>
+          <p:cNvPr id="5" name="Footer Placeholder 4"/>
           <p:cNvSpPr>
             <a:spLocks noGrp="1"/>
           </p:cNvSpPr>
@@ -904,13 +3497,7 @@
       </p:sp>
       <p:sp>
         <p:nvSpPr>
-          <p:cNvPr id="6" name="Espace réservé du numéro de diapositive 5">
-            <a:extLst>
-              <a:ext uri="{FF2B5EF4-FFF2-40B4-BE49-F238E27FC236}">
-                <a16:creationId xmlns:a16="http://schemas.microsoft.com/office/drawing/2014/main" id="{3780E0D6-90EC-4BAD-92FA-E1E5B5CD7FED}"/>
-              </a:ext>
-            </a:extLst>
-          </p:cNvPr>
+          <p:cNvPr id="6" name="Slide Number Placeholder 5"/>
           <p:cNvSpPr>
             <a:spLocks noGrp="1"/>
           </p:cNvSpPr>
@@ -934,7 +3521,7 @@
     </p:spTree>
     <p:extLst>
       <p:ext uri="{BB962C8B-B14F-4D97-AF65-F5344CB8AC3E}">
-        <p14:creationId xmlns:p14="http://schemas.microsoft.com/office/powerpoint/2010/main" val="1415877611"/>
+        <p14:creationId xmlns:p14="http://schemas.microsoft.com/office/powerpoint/2010/main" val="2563547918"/>
       </p:ext>
     </p:extLst>
   </p:cSld>
@@ -945,7 +3532,7 @@
 </file>
 
 <file path=ppt/slideLayouts/slideLayout3.xml><?xml version="1.0" encoding="utf-8"?>
-<p:sldLayout xmlns:a="http://schemas.openxmlformats.org/drawingml/2006/main" xmlns:r="http://schemas.openxmlformats.org/officeDocument/2006/relationships" xmlns:p="http://schemas.openxmlformats.org/presentationml/2006/main" type="secHead" preserve="1">
+<p:sldLayout xmlns:a="http://schemas.openxmlformats.org/drawingml/2006/main" xmlns:r="http://schemas.openxmlformats.org/officeDocument/2006/relationships" xmlns:p="http://schemas.openxmlformats.org/presentationml/2006/main" showMasterSp="0" type="secHead" preserve="1">
   <p:cSld name="Titre de section">
     <p:spTree>
       <p:nvGrpSpPr>
@@ -961,15 +3548,39 @@
           <a:chExt cx="0" cy="0"/>
         </a:xfrm>
       </p:grpSpPr>
-      <p:sp>
-        <p:nvSpPr>
-          <p:cNvPr id="2" name="Titre 1">
+      <p:pic>
+        <p:nvPicPr>
+          <p:cNvPr id="8" name="Picture 7" descr="C3-HD-BTM.png"/>
+          <p:cNvPicPr>
+            <a:picLocks noChangeAspect="1"/>
+          </p:cNvPicPr>
+          <p:nvPr/>
+        </p:nvPicPr>
+        <p:blipFill>
+          <a:blip r:embed="rId2">
             <a:extLst>
-              <a:ext uri="{FF2B5EF4-FFF2-40B4-BE49-F238E27FC236}">
-                <a16:creationId xmlns:a16="http://schemas.microsoft.com/office/drawing/2014/main" id="{7619CA37-E153-4B00-9800-C226209D89D0}"/>
+              <a:ext uri="{28A0092B-C50C-407E-A947-70E740481C1C}">
+                <a14:useLocalDpi xmlns:a14="http://schemas.microsoft.com/office/drawing/2010/main" val="0"/>
               </a:ext>
             </a:extLst>
-          </p:cNvPr>
+          </a:blip>
+          <a:stretch>
+            <a:fillRect/>
+          </a:stretch>
+        </p:blipFill>
+        <p:spPr>
+          <a:xfrm>
+            <a:off x="0" y="4375150"/>
+            <a:ext cx="12192000" cy="2482850"/>
+          </a:xfrm>
+          <a:prstGeom prst="rect">
+            <a:avLst/>
+          </a:prstGeom>
+        </p:spPr>
+      </p:pic>
+      <p:sp>
+        <p:nvSpPr>
+          <p:cNvPr id="2" name="Title 1"/>
           <p:cNvSpPr>
             <a:spLocks noGrp="1"/>
           </p:cNvSpPr>
@@ -979,15 +3590,17 @@
         </p:nvSpPr>
         <p:spPr>
           <a:xfrm>
-            <a:off x="831850" y="1709738"/>
-            <a:ext cx="10515600" cy="2852737"/>
-          </a:xfrm>
-        </p:spPr>
-        <p:txBody>
-          <a:bodyPr anchor="b"/>
+            <a:off x="685800" y="753533"/>
+            <a:ext cx="10820399" cy="2801935"/>
+          </a:xfrm>
+        </p:spPr>
+        <p:txBody>
+          <a:bodyPr anchor="b">
+            <a:normAutofit/>
+          </a:bodyPr>
           <a:lstStyle>
-            <a:lvl1pPr>
-              <a:defRPr sz="6000"/>
+            <a:lvl1pPr algn="r">
+              <a:defRPr sz="4000"/>
             </a:lvl1pPr>
           </a:lstStyle>
           <a:p>
@@ -995,18 +3608,13 @@
               <a:rPr lang="fr-FR"/>
               <a:t>Modifiez le style du titre</a:t>
             </a:r>
-          </a:p>
-        </p:txBody>
-      </p:sp>
-      <p:sp>
-        <p:nvSpPr>
-          <p:cNvPr id="3" name="Espace réservé du texte 2">
-            <a:extLst>
-              <a:ext uri="{FF2B5EF4-FFF2-40B4-BE49-F238E27FC236}">
-                <a16:creationId xmlns:a16="http://schemas.microsoft.com/office/drawing/2014/main" id="{6B1D12D0-9EE0-4A80-A115-4F167507BC69}"/>
-              </a:ext>
-            </a:extLst>
-          </p:cNvPr>
+            <a:endParaRPr lang="en-US" dirty="0"/>
+          </a:p>
+        </p:txBody>
+      </p:sp>
+      <p:sp>
+        <p:nvSpPr>
+          <p:cNvPr id="3" name="Text Placeholder 2"/>
           <p:cNvSpPr>
             <a:spLocks noGrp="1"/>
           </p:cNvSpPr>
@@ -1016,16 +3624,18 @@
         </p:nvSpPr>
         <p:spPr>
           <a:xfrm>
-            <a:off x="831850" y="4589463"/>
-            <a:ext cx="10515600" cy="1500187"/>
-          </a:xfrm>
-        </p:spPr>
-        <p:txBody>
-          <a:bodyPr/>
+            <a:off x="1024467" y="3641725"/>
+            <a:ext cx="10490200" cy="955675"/>
+          </a:xfrm>
+        </p:spPr>
+        <p:txBody>
+          <a:bodyPr>
+            <a:normAutofit/>
+          </a:bodyPr>
           <a:lstStyle>
-            <a:lvl1pPr marL="0" indent="0">
-              <a:buNone/>
-              <a:defRPr sz="2400">
+            <a:lvl1pPr marL="0" indent="0" algn="r">
+              <a:buNone/>
+              <a:defRPr sz="2200">
                 <a:solidFill>
                   <a:schemeClr val="tx1">
                     <a:tint val="75000"/>
@@ -1125,13 +3735,7 @@
       </p:sp>
       <p:sp>
         <p:nvSpPr>
-          <p:cNvPr id="4" name="Espace réservé de la date 3">
-            <a:extLst>
-              <a:ext uri="{FF2B5EF4-FFF2-40B4-BE49-F238E27FC236}">
-                <a16:creationId xmlns:a16="http://schemas.microsoft.com/office/drawing/2014/main" id="{1F9BD871-385D-42F8-9DB8-B442F4E65132}"/>
-              </a:ext>
-            </a:extLst>
-          </p:cNvPr>
+          <p:cNvPr id="4" name="Date Placeholder 3"/>
           <p:cNvSpPr>
             <a:spLocks noGrp="1"/>
           </p:cNvSpPr>
@@ -1139,14 +3743,23 @@
             <p:ph type="dt" sz="half" idx="10"/>
           </p:nvPr>
         </p:nvSpPr>
-        <p:spPr/>
+        <p:spPr>
+          <a:xfrm>
+            <a:off x="7814452" y="381000"/>
+            <a:ext cx="2910840" cy="365125"/>
+          </a:xfrm>
+        </p:spPr>
         <p:txBody>
           <a:bodyPr/>
-          <a:lstStyle/>
+          <a:lstStyle>
+            <a:lvl1pPr algn="r">
+              <a:defRPr/>
+            </a:lvl1pPr>
+          </a:lstStyle>
           <a:p>
             <a:fld id="{4A480F61-AD29-4A6D-9D5B-CDF172F3995E}" type="datetimeFigureOut">
               <a:rPr lang="fr-FR" smtClean="0"/>
-              <a:t>04/01/2022</a:t>
+              <a:t>05/01/2022</a:t>
             </a:fld>
             <a:endParaRPr lang="fr-FR"/>
           </a:p>
@@ -1154,13 +3767,7 @@
       </p:sp>
       <p:sp>
         <p:nvSpPr>
-          <p:cNvPr id="5" name="Espace réservé du pied de page 4">
-            <a:extLst>
-              <a:ext uri="{FF2B5EF4-FFF2-40B4-BE49-F238E27FC236}">
-                <a16:creationId xmlns:a16="http://schemas.microsoft.com/office/drawing/2014/main" id="{4169A582-38B9-4BBB-8EF5-313817E3B588}"/>
-              </a:ext>
-            </a:extLst>
-          </p:cNvPr>
+          <p:cNvPr id="5" name="Footer Placeholder 4"/>
           <p:cNvSpPr>
             <a:spLocks noGrp="1"/>
           </p:cNvSpPr>
@@ -1168,7 +3775,12 @@
             <p:ph type="ftr" sz="quarter" idx="11"/>
           </p:nvPr>
         </p:nvSpPr>
-        <p:spPr/>
+        <p:spPr>
+          <a:xfrm>
+            <a:off x="685800" y="381001"/>
+            <a:ext cx="6991492" cy="364065"/>
+          </a:xfrm>
+        </p:spPr>
         <p:txBody>
           <a:bodyPr/>
           <a:lstStyle/>
@@ -1179,13 +3791,7 @@
       </p:sp>
       <p:sp>
         <p:nvSpPr>
-          <p:cNvPr id="6" name="Espace réservé du numéro de diapositive 5">
-            <a:extLst>
-              <a:ext uri="{FF2B5EF4-FFF2-40B4-BE49-F238E27FC236}">
-                <a16:creationId xmlns:a16="http://schemas.microsoft.com/office/drawing/2014/main" id="{7E97BDF6-F775-45A5-B488-FFC598BA1692}"/>
-              </a:ext>
-            </a:extLst>
-          </p:cNvPr>
+          <p:cNvPr id="6" name="Slide Number Placeholder 5"/>
           <p:cNvSpPr>
             <a:spLocks noGrp="1"/>
           </p:cNvSpPr>
@@ -1193,7 +3799,12 @@
             <p:ph type="sldNum" sz="quarter" idx="12"/>
           </p:nvPr>
         </p:nvSpPr>
-        <p:spPr/>
+        <p:spPr>
+          <a:xfrm>
+            <a:off x="10862452" y="381000"/>
+            <a:ext cx="643748" cy="365125"/>
+          </a:xfrm>
+        </p:spPr>
         <p:txBody>
           <a:bodyPr/>
           <a:lstStyle/>
@@ -1209,7 +3820,7 @@
     </p:spTree>
     <p:extLst>
       <p:ext uri="{BB962C8B-B14F-4D97-AF65-F5344CB8AC3E}">
-        <p14:creationId xmlns:p14="http://schemas.microsoft.com/office/powerpoint/2010/main" val="1446313599"/>
+        <p14:creationId xmlns:p14="http://schemas.microsoft.com/office/powerpoint/2010/main" val="969585113"/>
       </p:ext>
     </p:extLst>
   </p:cSld>
@@ -1238,13 +3849,7 @@
       </p:grpSpPr>
       <p:sp>
         <p:nvSpPr>
-          <p:cNvPr id="2" name="Titre 1">
-            <a:extLst>
-              <a:ext uri="{FF2B5EF4-FFF2-40B4-BE49-F238E27FC236}">
-                <a16:creationId xmlns:a16="http://schemas.microsoft.com/office/drawing/2014/main" id="{34ADBE88-04B7-4665-AF55-9798D3BF7C5A}"/>
-              </a:ext>
-            </a:extLst>
-          </p:cNvPr>
+          <p:cNvPr id="2" name="Title 1"/>
           <p:cNvSpPr>
             <a:spLocks noGrp="1"/>
           </p:cNvSpPr>
@@ -1261,18 +3866,13 @@
               <a:rPr lang="fr-FR"/>
               <a:t>Modifiez le style du titre</a:t>
             </a:r>
-          </a:p>
-        </p:txBody>
-      </p:sp>
-      <p:sp>
-        <p:nvSpPr>
-          <p:cNvPr id="3" name="Espace réservé du contenu 2">
-            <a:extLst>
-              <a:ext uri="{FF2B5EF4-FFF2-40B4-BE49-F238E27FC236}">
-                <a16:creationId xmlns:a16="http://schemas.microsoft.com/office/drawing/2014/main" id="{CFF7F4E9-02A6-46D8-8CCA-C36E6CCDE2C3}"/>
-              </a:ext>
-            </a:extLst>
-          </p:cNvPr>
+            <a:endParaRPr lang="en-US" dirty="0"/>
+          </a:p>
+        </p:txBody>
+      </p:sp>
+      <p:sp>
+        <p:nvSpPr>
+          <p:cNvPr id="3" name="Content Placeholder 2"/>
           <p:cNvSpPr>
             <a:spLocks noGrp="1"/>
           </p:cNvSpPr>
@@ -1282,8 +3882,8 @@
         </p:nvSpPr>
         <p:spPr>
           <a:xfrm>
-            <a:off x="838200" y="1825625"/>
-            <a:ext cx="5181600" cy="4351338"/>
+            <a:off x="685800" y="2194559"/>
+            <a:ext cx="5334000" cy="4024125"/>
           </a:xfrm>
         </p:spPr>
         <p:txBody>
@@ -1323,18 +3923,13 @@
               <a:rPr lang="fr-FR"/>
               <a:t>Cinquième niveau</a:t>
             </a:r>
-          </a:p>
-        </p:txBody>
-      </p:sp>
-      <p:sp>
-        <p:nvSpPr>
-          <p:cNvPr id="4" name="Espace réservé du contenu 3">
-            <a:extLst>
-              <a:ext uri="{FF2B5EF4-FFF2-40B4-BE49-F238E27FC236}">
-                <a16:creationId xmlns:a16="http://schemas.microsoft.com/office/drawing/2014/main" id="{DBDC16CA-7971-45FC-BAA8-0BF7CBCC843B}"/>
-              </a:ext>
-            </a:extLst>
-          </p:cNvPr>
+            <a:endParaRPr lang="en-US" dirty="0"/>
+          </a:p>
+        </p:txBody>
+      </p:sp>
+      <p:sp>
+        <p:nvSpPr>
+          <p:cNvPr id="4" name="Content Placeholder 3"/>
           <p:cNvSpPr>
             <a:spLocks noGrp="1"/>
           </p:cNvSpPr>
@@ -1344,8 +3939,8 @@
         </p:nvSpPr>
         <p:spPr>
           <a:xfrm>
-            <a:off x="6172200" y="1825625"/>
-            <a:ext cx="5181600" cy="4351338"/>
+            <a:off x="6172200" y="2194559"/>
+            <a:ext cx="5334000" cy="4024125"/>
           </a:xfrm>
         </p:spPr>
         <p:txBody>
@@ -1385,18 +3980,13 @@
               <a:rPr lang="fr-FR"/>
               <a:t>Cinquième niveau</a:t>
             </a:r>
-          </a:p>
-        </p:txBody>
-      </p:sp>
-      <p:sp>
-        <p:nvSpPr>
-          <p:cNvPr id="5" name="Espace réservé de la date 4">
-            <a:extLst>
-              <a:ext uri="{FF2B5EF4-FFF2-40B4-BE49-F238E27FC236}">
-                <a16:creationId xmlns:a16="http://schemas.microsoft.com/office/drawing/2014/main" id="{55A6AEB1-EE89-4693-AE0E-0BD2AE62EEE8}"/>
-              </a:ext>
-            </a:extLst>
-          </p:cNvPr>
+            <a:endParaRPr lang="en-US" dirty="0"/>
+          </a:p>
+        </p:txBody>
+      </p:sp>
+      <p:sp>
+        <p:nvSpPr>
+          <p:cNvPr id="5" name="Date Placeholder 4"/>
           <p:cNvSpPr>
             <a:spLocks noGrp="1"/>
           </p:cNvSpPr>
@@ -1411,7 +4001,7 @@
           <a:p>
             <a:fld id="{4A480F61-AD29-4A6D-9D5B-CDF172F3995E}" type="datetimeFigureOut">
               <a:rPr lang="fr-FR" smtClean="0"/>
-              <a:t>04/01/2022</a:t>
+              <a:t>05/01/2022</a:t>
             </a:fld>
             <a:endParaRPr lang="fr-FR"/>
           </a:p>
@@ -1419,13 +4009,7 @@
       </p:sp>
       <p:sp>
         <p:nvSpPr>
-          <p:cNvPr id="6" name="Espace réservé du pied de page 5">
-            <a:extLst>
-              <a:ext uri="{FF2B5EF4-FFF2-40B4-BE49-F238E27FC236}">
-                <a16:creationId xmlns:a16="http://schemas.microsoft.com/office/drawing/2014/main" id="{FCD19610-1EEB-4572-86CD-7C8DDCA728CB}"/>
-              </a:ext>
-            </a:extLst>
-          </p:cNvPr>
+          <p:cNvPr id="6" name="Footer Placeholder 5"/>
           <p:cNvSpPr>
             <a:spLocks noGrp="1"/>
           </p:cNvSpPr>
@@ -1444,13 +4028,7 @@
       </p:sp>
       <p:sp>
         <p:nvSpPr>
-          <p:cNvPr id="7" name="Espace réservé du numéro de diapositive 6">
-            <a:extLst>
-              <a:ext uri="{FF2B5EF4-FFF2-40B4-BE49-F238E27FC236}">
-                <a16:creationId xmlns:a16="http://schemas.microsoft.com/office/drawing/2014/main" id="{C477375B-4DAC-4461-A690-A0BDDE9334FB}"/>
-              </a:ext>
-            </a:extLst>
-          </p:cNvPr>
+          <p:cNvPr id="7" name="Slide Number Placeholder 6"/>
           <p:cNvSpPr>
             <a:spLocks noGrp="1"/>
           </p:cNvSpPr>
@@ -1474,13 +4052,18 @@
     </p:spTree>
     <p:extLst>
       <p:ext uri="{BB962C8B-B14F-4D97-AF65-F5344CB8AC3E}">
-        <p14:creationId xmlns:p14="http://schemas.microsoft.com/office/powerpoint/2010/main" val="2734932623"/>
+        <p14:creationId xmlns:p14="http://schemas.microsoft.com/office/powerpoint/2010/main" val="3480956621"/>
       </p:ext>
     </p:extLst>
   </p:cSld>
   <p:clrMapOvr>
     <a:masterClrMapping/>
   </p:clrMapOvr>
+  <p:extLst>
+    <p:ext uri="{DCECCB84-F9BA-43D5-87BE-67443E8EF086}">
+      <p15:sldGuideLst xmlns:p15="http://schemas.microsoft.com/office/powerpoint/2012/main"/>
+    </p:ext>
+  </p:extLst>
 </p:sldLayout>
 </file>
 
@@ -1503,13 +4086,7 @@
       </p:grpSpPr>
       <p:sp>
         <p:nvSpPr>
-          <p:cNvPr id="2" name="Titre 1">
-            <a:extLst>
-              <a:ext uri="{FF2B5EF4-FFF2-40B4-BE49-F238E27FC236}">
-                <a16:creationId xmlns:a16="http://schemas.microsoft.com/office/drawing/2014/main" id="{A58C3B74-FB1D-44E1-82CC-FC951CBAEECC}"/>
-              </a:ext>
-            </a:extLst>
-          </p:cNvPr>
+          <p:cNvPr id="2" name="Title 1"/>
           <p:cNvSpPr>
             <a:spLocks noGrp="1"/>
           </p:cNvSpPr>
@@ -1519,8 +4096,8 @@
         </p:nvSpPr>
         <p:spPr>
           <a:xfrm>
-            <a:off x="839788" y="365125"/>
-            <a:ext cx="10515600" cy="1325563"/>
+            <a:off x="2895600" y="762000"/>
+            <a:ext cx="8610600" cy="1295400"/>
           </a:xfrm>
         </p:spPr>
         <p:txBody>
@@ -1531,18 +4108,13 @@
               <a:rPr lang="fr-FR"/>
               <a:t>Modifiez le style du titre</a:t>
             </a:r>
-          </a:p>
-        </p:txBody>
-      </p:sp>
-      <p:sp>
-        <p:nvSpPr>
-          <p:cNvPr id="3" name="Espace réservé du texte 2">
-            <a:extLst>
-              <a:ext uri="{FF2B5EF4-FFF2-40B4-BE49-F238E27FC236}">
-                <a16:creationId xmlns:a16="http://schemas.microsoft.com/office/drawing/2014/main" id="{34ECC398-441A-40E4-9D3E-FFE7FBFA90E0}"/>
-              </a:ext>
-            </a:extLst>
-          </p:cNvPr>
+            <a:endParaRPr lang="en-US" dirty="0"/>
+          </a:p>
+        </p:txBody>
+      </p:sp>
+      <p:sp>
+        <p:nvSpPr>
+          <p:cNvPr id="3" name="Text Placeholder 2"/>
           <p:cNvSpPr>
             <a:spLocks noGrp="1"/>
           </p:cNvSpPr>
@@ -1552,16 +4124,22 @@
         </p:nvSpPr>
         <p:spPr>
           <a:xfrm>
-            <a:off x="839788" y="1681163"/>
-            <a:ext cx="5157787" cy="823912"/>
-          </a:xfrm>
-        </p:spPr>
-        <p:txBody>
-          <a:bodyPr anchor="b"/>
+            <a:off x="914409" y="2183802"/>
+            <a:ext cx="5079991" cy="823912"/>
+          </a:xfrm>
+        </p:spPr>
+        <p:txBody>
+          <a:bodyPr anchor="b">
+            <a:normAutofit/>
+          </a:bodyPr>
           <a:lstStyle>
             <a:lvl1pPr marL="0" indent="0">
               <a:buNone/>
-              <a:defRPr sz="2400" b="1"/>
+              <a:defRPr sz="2800" b="0">
+                <a:solidFill>
+                  <a:schemeClr val="tx1"/>
+                </a:solidFill>
+              </a:defRPr>
             </a:lvl1pPr>
             <a:lvl2pPr marL="457200" indent="0">
               <a:buNone/>
@@ -1607,13 +4185,7 @@
       </p:sp>
       <p:sp>
         <p:nvSpPr>
-          <p:cNvPr id="4" name="Espace réservé du contenu 3">
-            <a:extLst>
-              <a:ext uri="{FF2B5EF4-FFF2-40B4-BE49-F238E27FC236}">
-                <a16:creationId xmlns:a16="http://schemas.microsoft.com/office/drawing/2014/main" id="{E64482FB-07CA-4983-9F50-84A2A7A441E2}"/>
-              </a:ext>
-            </a:extLst>
-          </p:cNvPr>
+          <p:cNvPr id="4" name="Content Placeholder 3"/>
           <p:cNvSpPr>
             <a:spLocks noGrp="1"/>
           </p:cNvSpPr>
@@ -1623,8 +4195,8 @@
         </p:nvSpPr>
         <p:spPr>
           <a:xfrm>
-            <a:off x="839788" y="2505075"/>
-            <a:ext cx="5157787" cy="3684588"/>
+            <a:off x="685800" y="3132666"/>
+            <a:ext cx="5311775" cy="3086019"/>
           </a:xfrm>
         </p:spPr>
         <p:txBody>
@@ -1664,18 +4236,13 @@
               <a:rPr lang="fr-FR"/>
               <a:t>Cinquième niveau</a:t>
             </a:r>
-          </a:p>
-        </p:txBody>
-      </p:sp>
-      <p:sp>
-        <p:nvSpPr>
-          <p:cNvPr id="5" name="Espace réservé du texte 4">
-            <a:extLst>
-              <a:ext uri="{FF2B5EF4-FFF2-40B4-BE49-F238E27FC236}">
-                <a16:creationId xmlns:a16="http://schemas.microsoft.com/office/drawing/2014/main" id="{5F6A6E28-8EBB-4FD9-82D6-F44106E80CBF}"/>
-              </a:ext>
-            </a:extLst>
-          </p:cNvPr>
+            <a:endParaRPr lang="en-US" dirty="0"/>
+          </a:p>
+        </p:txBody>
+      </p:sp>
+      <p:sp>
+        <p:nvSpPr>
+          <p:cNvPr id="5" name="Text Placeholder 4"/>
           <p:cNvSpPr>
             <a:spLocks noGrp="1"/>
           </p:cNvSpPr>
@@ -1685,16 +4252,22 @@
         </p:nvSpPr>
         <p:spPr>
           <a:xfrm>
-            <a:off x="6172200" y="1681163"/>
-            <a:ext cx="5183188" cy="823912"/>
-          </a:xfrm>
-        </p:spPr>
-        <p:txBody>
-          <a:bodyPr anchor="b"/>
+            <a:off x="6400800" y="2183802"/>
+            <a:ext cx="5105400" cy="823912"/>
+          </a:xfrm>
+        </p:spPr>
+        <p:txBody>
+          <a:bodyPr anchor="b">
+            <a:normAutofit/>
+          </a:bodyPr>
           <a:lstStyle>
             <a:lvl1pPr marL="0" indent="0">
               <a:buNone/>
-              <a:defRPr sz="2400" b="1"/>
+              <a:defRPr sz="2800" b="0">
+                <a:solidFill>
+                  <a:schemeClr val="tx1"/>
+                </a:solidFill>
+              </a:defRPr>
             </a:lvl1pPr>
             <a:lvl2pPr marL="457200" indent="0">
               <a:buNone/>
@@ -1740,13 +4313,7 @@
       </p:sp>
       <p:sp>
         <p:nvSpPr>
-          <p:cNvPr id="6" name="Espace réservé du contenu 5">
-            <a:extLst>
-              <a:ext uri="{FF2B5EF4-FFF2-40B4-BE49-F238E27FC236}">
-                <a16:creationId xmlns:a16="http://schemas.microsoft.com/office/drawing/2014/main" id="{41472715-0031-4785-913F-EE6D7033461B}"/>
-              </a:ext>
-            </a:extLst>
-          </p:cNvPr>
+          <p:cNvPr id="6" name="Content Placeholder 5"/>
           <p:cNvSpPr>
             <a:spLocks noGrp="1"/>
           </p:cNvSpPr>
@@ -1756,8 +4323,8 @@
         </p:nvSpPr>
         <p:spPr>
           <a:xfrm>
-            <a:off x="6172200" y="2505075"/>
-            <a:ext cx="5183188" cy="3684588"/>
+            <a:off x="6172200" y="3132666"/>
+            <a:ext cx="5334000" cy="3086019"/>
           </a:xfrm>
         </p:spPr>
         <p:txBody>
@@ -1797,18 +4364,13 @@
               <a:rPr lang="fr-FR"/>
               <a:t>Cinquième niveau</a:t>
             </a:r>
-          </a:p>
-        </p:txBody>
-      </p:sp>
-      <p:sp>
-        <p:nvSpPr>
-          <p:cNvPr id="7" name="Espace réservé de la date 6">
-            <a:extLst>
-              <a:ext uri="{FF2B5EF4-FFF2-40B4-BE49-F238E27FC236}">
-                <a16:creationId xmlns:a16="http://schemas.microsoft.com/office/drawing/2014/main" id="{46C6749B-9164-4399-9222-2948001FBF06}"/>
-              </a:ext>
-            </a:extLst>
-          </p:cNvPr>
+            <a:endParaRPr lang="en-US" dirty="0"/>
+          </a:p>
+        </p:txBody>
+      </p:sp>
+      <p:sp>
+        <p:nvSpPr>
+          <p:cNvPr id="7" name="Date Placeholder 6"/>
           <p:cNvSpPr>
             <a:spLocks noGrp="1"/>
           </p:cNvSpPr>
@@ -1823,7 +4385,7 @@
           <a:p>
             <a:fld id="{4A480F61-AD29-4A6D-9D5B-CDF172F3995E}" type="datetimeFigureOut">
               <a:rPr lang="fr-FR" smtClean="0"/>
-              <a:t>04/01/2022</a:t>
+              <a:t>05/01/2022</a:t>
             </a:fld>
             <a:endParaRPr lang="fr-FR"/>
           </a:p>
@@ -1831,13 +4393,7 @@
       </p:sp>
       <p:sp>
         <p:nvSpPr>
-          <p:cNvPr id="8" name="Espace réservé du pied de page 7">
-            <a:extLst>
-              <a:ext uri="{FF2B5EF4-FFF2-40B4-BE49-F238E27FC236}">
-                <a16:creationId xmlns:a16="http://schemas.microsoft.com/office/drawing/2014/main" id="{120503C6-96A1-4A68-AF7F-69E6516718E7}"/>
-              </a:ext>
-            </a:extLst>
-          </p:cNvPr>
+          <p:cNvPr id="8" name="Footer Placeholder 7"/>
           <p:cNvSpPr>
             <a:spLocks noGrp="1"/>
           </p:cNvSpPr>
@@ -1856,13 +4412,7 @@
       </p:sp>
       <p:sp>
         <p:nvSpPr>
-          <p:cNvPr id="9" name="Espace réservé du numéro de diapositive 8">
-            <a:extLst>
-              <a:ext uri="{FF2B5EF4-FFF2-40B4-BE49-F238E27FC236}">
-                <a16:creationId xmlns:a16="http://schemas.microsoft.com/office/drawing/2014/main" id="{53C7BADB-1632-4820-B742-0D2F7DE66F47}"/>
-              </a:ext>
-            </a:extLst>
-          </p:cNvPr>
+          <p:cNvPr id="9" name="Slide Number Placeholder 8"/>
           <p:cNvSpPr>
             <a:spLocks noGrp="1"/>
           </p:cNvSpPr>
@@ -1886,13 +4436,18 @@
     </p:spTree>
     <p:extLst>
       <p:ext uri="{BB962C8B-B14F-4D97-AF65-F5344CB8AC3E}">
-        <p14:creationId xmlns:p14="http://schemas.microsoft.com/office/powerpoint/2010/main" val="2305970693"/>
+        <p14:creationId xmlns:p14="http://schemas.microsoft.com/office/powerpoint/2010/main" val="4148963964"/>
       </p:ext>
     </p:extLst>
   </p:cSld>
   <p:clrMapOvr>
     <a:masterClrMapping/>
   </p:clrMapOvr>
+  <p:extLst>
+    <p:ext uri="{DCECCB84-F9BA-43D5-87BE-67443E8EF086}">
+      <p15:sldGuideLst xmlns:p15="http://schemas.microsoft.com/office/powerpoint/2012/main"/>
+    </p:ext>
+  </p:extLst>
 </p:sldLayout>
 </file>
 
@@ -1915,13 +4470,7 @@
       </p:grpSpPr>
       <p:sp>
         <p:nvSpPr>
-          <p:cNvPr id="2" name="Titre 1">
-            <a:extLst>
-              <a:ext uri="{FF2B5EF4-FFF2-40B4-BE49-F238E27FC236}">
-                <a16:creationId xmlns:a16="http://schemas.microsoft.com/office/drawing/2014/main" id="{533F288B-DE9F-4496-8334-69613386BDC6}"/>
-              </a:ext>
-            </a:extLst>
-          </p:cNvPr>
+          <p:cNvPr id="2" name="Title 1"/>
           <p:cNvSpPr>
             <a:spLocks noGrp="1"/>
           </p:cNvSpPr>
@@ -1938,18 +4487,13 @@
               <a:rPr lang="fr-FR"/>
               <a:t>Modifiez le style du titre</a:t>
             </a:r>
-          </a:p>
-        </p:txBody>
-      </p:sp>
-      <p:sp>
-        <p:nvSpPr>
-          <p:cNvPr id="3" name="Espace réservé de la date 2">
-            <a:extLst>
-              <a:ext uri="{FF2B5EF4-FFF2-40B4-BE49-F238E27FC236}">
-                <a16:creationId xmlns:a16="http://schemas.microsoft.com/office/drawing/2014/main" id="{DBEAFE83-593A-4C63-85F6-24C01C73FD21}"/>
-              </a:ext>
-            </a:extLst>
-          </p:cNvPr>
+            <a:endParaRPr lang="en-US" dirty="0"/>
+          </a:p>
+        </p:txBody>
+      </p:sp>
+      <p:sp>
+        <p:nvSpPr>
+          <p:cNvPr id="3" name="Date Placeholder 2"/>
           <p:cNvSpPr>
             <a:spLocks noGrp="1"/>
           </p:cNvSpPr>
@@ -1964,7 +4508,7 @@
           <a:p>
             <a:fld id="{4A480F61-AD29-4A6D-9D5B-CDF172F3995E}" type="datetimeFigureOut">
               <a:rPr lang="fr-FR" smtClean="0"/>
-              <a:t>04/01/2022</a:t>
+              <a:t>05/01/2022</a:t>
             </a:fld>
             <a:endParaRPr lang="fr-FR"/>
           </a:p>
@@ -1972,13 +4516,7 @@
       </p:sp>
       <p:sp>
         <p:nvSpPr>
-          <p:cNvPr id="4" name="Espace réservé du pied de page 3">
-            <a:extLst>
-              <a:ext uri="{FF2B5EF4-FFF2-40B4-BE49-F238E27FC236}">
-                <a16:creationId xmlns:a16="http://schemas.microsoft.com/office/drawing/2014/main" id="{D70A4168-FE0D-46BE-8D87-775020020196}"/>
-              </a:ext>
-            </a:extLst>
-          </p:cNvPr>
+          <p:cNvPr id="4" name="Footer Placeholder 3"/>
           <p:cNvSpPr>
             <a:spLocks noGrp="1"/>
           </p:cNvSpPr>
@@ -1997,13 +4535,7 @@
       </p:sp>
       <p:sp>
         <p:nvSpPr>
-          <p:cNvPr id="5" name="Espace réservé du numéro de diapositive 4">
-            <a:extLst>
-              <a:ext uri="{FF2B5EF4-FFF2-40B4-BE49-F238E27FC236}">
-                <a16:creationId xmlns:a16="http://schemas.microsoft.com/office/drawing/2014/main" id="{CCB913DA-DDF0-43FD-BE7D-EF682A6CFDAE}"/>
-              </a:ext>
-            </a:extLst>
-          </p:cNvPr>
+          <p:cNvPr id="5" name="Slide Number Placeholder 4"/>
           <p:cNvSpPr>
             <a:spLocks noGrp="1"/>
           </p:cNvSpPr>
@@ -2027,7 +4559,7 @@
     </p:spTree>
     <p:extLst>
       <p:ext uri="{BB962C8B-B14F-4D97-AF65-F5344CB8AC3E}">
-        <p14:creationId xmlns:p14="http://schemas.microsoft.com/office/powerpoint/2010/main" val="1239809563"/>
+        <p14:creationId xmlns:p14="http://schemas.microsoft.com/office/powerpoint/2010/main" val="3815079032"/>
       </p:ext>
     </p:extLst>
   </p:cSld>
@@ -2056,13 +4588,7 @@
       </p:grpSpPr>
       <p:sp>
         <p:nvSpPr>
-          <p:cNvPr id="2" name="Espace réservé de la date 1">
-            <a:extLst>
-              <a:ext uri="{FF2B5EF4-FFF2-40B4-BE49-F238E27FC236}">
-                <a16:creationId xmlns:a16="http://schemas.microsoft.com/office/drawing/2014/main" id="{076E047D-C368-46ED-BF09-8707C3B6EB19}"/>
-              </a:ext>
-            </a:extLst>
-          </p:cNvPr>
+          <p:cNvPr id="2" name="Date Placeholder 1"/>
           <p:cNvSpPr>
             <a:spLocks noGrp="1"/>
           </p:cNvSpPr>
@@ -2077,7 +4603,7 @@
           <a:p>
             <a:fld id="{4A480F61-AD29-4A6D-9D5B-CDF172F3995E}" type="datetimeFigureOut">
               <a:rPr lang="fr-FR" smtClean="0"/>
-              <a:t>04/01/2022</a:t>
+              <a:t>05/01/2022</a:t>
             </a:fld>
             <a:endParaRPr lang="fr-FR"/>
           </a:p>
@@ -2085,13 +4611,7 @@
       </p:sp>
       <p:sp>
         <p:nvSpPr>
-          <p:cNvPr id="3" name="Espace réservé du pied de page 2">
-            <a:extLst>
-              <a:ext uri="{FF2B5EF4-FFF2-40B4-BE49-F238E27FC236}">
-                <a16:creationId xmlns:a16="http://schemas.microsoft.com/office/drawing/2014/main" id="{5870BB6E-D202-4001-95B9-D4F53EE7CFD5}"/>
-              </a:ext>
-            </a:extLst>
-          </p:cNvPr>
+          <p:cNvPr id="3" name="Footer Placeholder 2"/>
           <p:cNvSpPr>
             <a:spLocks noGrp="1"/>
           </p:cNvSpPr>
@@ -2110,13 +4630,7 @@
       </p:sp>
       <p:sp>
         <p:nvSpPr>
-          <p:cNvPr id="4" name="Espace réservé du numéro de diapositive 3">
-            <a:extLst>
-              <a:ext uri="{FF2B5EF4-FFF2-40B4-BE49-F238E27FC236}">
-                <a16:creationId xmlns:a16="http://schemas.microsoft.com/office/drawing/2014/main" id="{1D3BF7A7-0748-4FA9-9A9F-12D972B1F657}"/>
-              </a:ext>
-            </a:extLst>
-          </p:cNvPr>
+          <p:cNvPr id="4" name="Slide Number Placeholder 3"/>
           <p:cNvSpPr>
             <a:spLocks noGrp="1"/>
           </p:cNvSpPr>
@@ -2140,7 +4654,7 @@
     </p:spTree>
     <p:extLst>
       <p:ext uri="{BB962C8B-B14F-4D97-AF65-F5344CB8AC3E}">
-        <p14:creationId xmlns:p14="http://schemas.microsoft.com/office/powerpoint/2010/main" val="548048591"/>
+        <p14:creationId xmlns:p14="http://schemas.microsoft.com/office/powerpoint/2010/main" val="3244179100"/>
       </p:ext>
     </p:extLst>
   </p:cSld>
@@ -2169,13 +4683,7 @@
       </p:grpSpPr>
       <p:sp>
         <p:nvSpPr>
-          <p:cNvPr id="2" name="Titre 1">
-            <a:extLst>
-              <a:ext uri="{FF2B5EF4-FFF2-40B4-BE49-F238E27FC236}">
-                <a16:creationId xmlns:a16="http://schemas.microsoft.com/office/drawing/2014/main" id="{F4C2CA16-0487-46B9-8A94-9854922E08AD}"/>
-              </a:ext>
-            </a:extLst>
-          </p:cNvPr>
+          <p:cNvPr id="2" name="Title 1"/>
           <p:cNvSpPr>
             <a:spLocks noGrp="1"/>
           </p:cNvSpPr>
@@ -2185,14 +4693,14 @@
         </p:nvSpPr>
         <p:spPr>
           <a:xfrm>
-            <a:off x="839788" y="457200"/>
-            <a:ext cx="3932237" cy="1600200"/>
+            <a:off x="685800" y="1524000"/>
+            <a:ext cx="4114800" cy="1600200"/>
           </a:xfrm>
         </p:spPr>
         <p:txBody>
           <a:bodyPr anchor="b"/>
           <a:lstStyle>
-            <a:lvl1pPr>
+            <a:lvl1pPr algn="l">
               <a:defRPr sz="3200"/>
             </a:lvl1pPr>
           </a:lstStyle>
@@ -2201,18 +4709,13 @@
               <a:rPr lang="fr-FR"/>
               <a:t>Modifiez le style du titre</a:t>
             </a:r>
-          </a:p>
-        </p:txBody>
-      </p:sp>
-      <p:sp>
-        <p:nvSpPr>
-          <p:cNvPr id="3" name="Espace réservé du contenu 2">
-            <a:extLst>
-              <a:ext uri="{FF2B5EF4-FFF2-40B4-BE49-F238E27FC236}">
-                <a16:creationId xmlns:a16="http://schemas.microsoft.com/office/drawing/2014/main" id="{ECA99569-4C62-47BA-A931-33CF970AC292}"/>
-              </a:ext>
-            </a:extLst>
-          </p:cNvPr>
+            <a:endParaRPr lang="en-US" dirty="0"/>
+          </a:p>
+        </p:txBody>
+      </p:sp>
+      <p:sp>
+        <p:nvSpPr>
+          <p:cNvPr id="3" name="Content Placeholder 2"/>
           <p:cNvSpPr>
             <a:spLocks noGrp="1"/>
           </p:cNvSpPr>
@@ -2222,41 +4725,13 @@
         </p:nvSpPr>
         <p:spPr>
           <a:xfrm>
-            <a:off x="5183188" y="987425"/>
-            <a:ext cx="6172200" cy="4873625"/>
-          </a:xfrm>
-        </p:spPr>
-        <p:txBody>
-          <a:bodyPr/>
-          <a:lstStyle>
-            <a:lvl1pPr>
-              <a:defRPr sz="3200"/>
-            </a:lvl1pPr>
-            <a:lvl2pPr>
-              <a:defRPr sz="2800"/>
-            </a:lvl2pPr>
-            <a:lvl3pPr>
-              <a:defRPr sz="2400"/>
-            </a:lvl3pPr>
-            <a:lvl4pPr>
-              <a:defRPr sz="2000"/>
-            </a:lvl4pPr>
-            <a:lvl5pPr>
-              <a:defRPr sz="2000"/>
-            </a:lvl5pPr>
-            <a:lvl6pPr>
-              <a:defRPr sz="2000"/>
-            </a:lvl6pPr>
-            <a:lvl7pPr>
-              <a:defRPr sz="2000"/>
-            </a:lvl7pPr>
-            <a:lvl8pPr>
-              <a:defRPr sz="2000"/>
-            </a:lvl8pPr>
-            <a:lvl9pPr>
-              <a:defRPr sz="2000"/>
-            </a:lvl9pPr>
-          </a:lstStyle>
+            <a:off x="4995582" y="746759"/>
+            <a:ext cx="6510618" cy="5471925"/>
+          </a:xfrm>
+        </p:spPr>
+        <p:txBody>
+          <a:bodyPr anchor="ctr"/>
+          <a:lstStyle/>
           <a:p>
             <a:pPr lvl="0"/>
             <a:r>
@@ -2291,18 +4766,13 @@
               <a:rPr lang="fr-FR"/>
               <a:t>Cinquième niveau</a:t>
             </a:r>
-          </a:p>
-        </p:txBody>
-      </p:sp>
-      <p:sp>
-        <p:nvSpPr>
-          <p:cNvPr id="4" name="Espace réservé du texte 3">
-            <a:extLst>
-              <a:ext uri="{FF2B5EF4-FFF2-40B4-BE49-F238E27FC236}">
-                <a16:creationId xmlns:a16="http://schemas.microsoft.com/office/drawing/2014/main" id="{4740C1D7-8A56-4AD3-8CCD-BCA51CDD0AE8}"/>
-              </a:ext>
-            </a:extLst>
-          </p:cNvPr>
+            <a:endParaRPr lang="en-US" dirty="0"/>
+          </a:p>
+        </p:txBody>
+      </p:sp>
+      <p:sp>
+        <p:nvSpPr>
+          <p:cNvPr id="4" name="Text Placeholder 3"/>
           <p:cNvSpPr>
             <a:spLocks noGrp="1"/>
           </p:cNvSpPr>
@@ -2312,8 +4782,8 @@
         </p:nvSpPr>
         <p:spPr>
           <a:xfrm>
-            <a:off x="839788" y="2057400"/>
-            <a:ext cx="3932237" cy="3811588"/>
+            <a:off x="685800" y="3124199"/>
+            <a:ext cx="4114800" cy="3094485"/>
           </a:xfrm>
         </p:spPr>
         <p:txBody>
@@ -2367,13 +4837,7 @@
       </p:sp>
       <p:sp>
         <p:nvSpPr>
-          <p:cNvPr id="5" name="Espace réservé de la date 4">
-            <a:extLst>
-              <a:ext uri="{FF2B5EF4-FFF2-40B4-BE49-F238E27FC236}">
-                <a16:creationId xmlns:a16="http://schemas.microsoft.com/office/drawing/2014/main" id="{C01294C5-0B62-4F4F-95D2-4B28888D9670}"/>
-              </a:ext>
-            </a:extLst>
-          </p:cNvPr>
+          <p:cNvPr id="5" name="Date Placeholder 4"/>
           <p:cNvSpPr>
             <a:spLocks noGrp="1"/>
           </p:cNvSpPr>
@@ -2388,7 +4852,7 @@
           <a:p>
             <a:fld id="{4A480F61-AD29-4A6D-9D5B-CDF172F3995E}" type="datetimeFigureOut">
               <a:rPr lang="fr-FR" smtClean="0"/>
-              <a:t>04/01/2022</a:t>
+              <a:t>05/01/2022</a:t>
             </a:fld>
             <a:endParaRPr lang="fr-FR"/>
           </a:p>
@@ -2396,13 +4860,7 @@
       </p:sp>
       <p:sp>
         <p:nvSpPr>
-          <p:cNvPr id="6" name="Espace réservé du pied de page 5">
-            <a:extLst>
-              <a:ext uri="{FF2B5EF4-FFF2-40B4-BE49-F238E27FC236}">
-                <a16:creationId xmlns:a16="http://schemas.microsoft.com/office/drawing/2014/main" id="{61690A11-A4C1-4B19-8F1D-903E70D4CF86}"/>
-              </a:ext>
-            </a:extLst>
-          </p:cNvPr>
+          <p:cNvPr id="6" name="Footer Placeholder 5"/>
           <p:cNvSpPr>
             <a:spLocks noGrp="1"/>
           </p:cNvSpPr>
@@ -2421,13 +4879,7 @@
       </p:sp>
       <p:sp>
         <p:nvSpPr>
-          <p:cNvPr id="7" name="Espace réservé du numéro de diapositive 6">
-            <a:extLst>
-              <a:ext uri="{FF2B5EF4-FFF2-40B4-BE49-F238E27FC236}">
-                <a16:creationId xmlns:a16="http://schemas.microsoft.com/office/drawing/2014/main" id="{779FF2F2-D19D-4678-8C35-D1F861886A22}"/>
-              </a:ext>
-            </a:extLst>
-          </p:cNvPr>
+          <p:cNvPr id="7" name="Slide Number Placeholder 6"/>
           <p:cNvSpPr>
             <a:spLocks noGrp="1"/>
           </p:cNvSpPr>
@@ -2451,13 +4903,18 @@
     </p:spTree>
     <p:extLst>
       <p:ext uri="{BB962C8B-B14F-4D97-AF65-F5344CB8AC3E}">
-        <p14:creationId xmlns:p14="http://schemas.microsoft.com/office/powerpoint/2010/main" val="2027619866"/>
+        <p14:creationId xmlns:p14="http://schemas.microsoft.com/office/powerpoint/2010/main" val="3619895003"/>
       </p:ext>
     </p:extLst>
   </p:cSld>
   <p:clrMapOvr>
     <a:masterClrMapping/>
   </p:clrMapOvr>
+  <p:extLst>
+    <p:ext uri="{DCECCB84-F9BA-43D5-87BE-67443E8EF086}">
+      <p15:sldGuideLst xmlns:p15="http://schemas.microsoft.com/office/powerpoint/2012/main"/>
+    </p:ext>
+  </p:extLst>
 </p:sldLayout>
 </file>
 
@@ -2480,13 +4937,7 @@
       </p:grpSpPr>
       <p:sp>
         <p:nvSpPr>
-          <p:cNvPr id="2" name="Titre 1">
-            <a:extLst>
-              <a:ext uri="{FF2B5EF4-FFF2-40B4-BE49-F238E27FC236}">
-                <a16:creationId xmlns:a16="http://schemas.microsoft.com/office/drawing/2014/main" id="{4642F2E5-8108-4D0C-ABE1-DD205195A523}"/>
-              </a:ext>
-            </a:extLst>
-          </p:cNvPr>
+          <p:cNvPr id="2" name="Title 1"/>
           <p:cNvSpPr>
             <a:spLocks noGrp="1"/>
           </p:cNvSpPr>
@@ -2496,14 +4947,14 @@
         </p:nvSpPr>
         <p:spPr>
           <a:xfrm>
-            <a:off x="839788" y="457200"/>
-            <a:ext cx="3932237" cy="1600200"/>
+            <a:off x="685800" y="1524000"/>
+            <a:ext cx="6873240" cy="1600200"/>
           </a:xfrm>
         </p:spPr>
         <p:txBody>
           <a:bodyPr anchor="b"/>
           <a:lstStyle>
-            <a:lvl1pPr>
+            <a:lvl1pPr algn="l">
               <a:defRPr sz="3200"/>
             </a:lvl1pPr>
           </a:lstStyle>
@@ -2512,20 +4963,15 @@
               <a:rPr lang="fr-FR"/>
               <a:t>Modifiez le style du titre</a:t>
             </a:r>
-          </a:p>
-        </p:txBody>
-      </p:sp>
-      <p:sp>
-        <p:nvSpPr>
-          <p:cNvPr id="3" name="Espace réservé pour une image  2">
-            <a:extLst>
-              <a:ext uri="{FF2B5EF4-FFF2-40B4-BE49-F238E27FC236}">
-                <a16:creationId xmlns:a16="http://schemas.microsoft.com/office/drawing/2014/main" id="{13FF0B4B-24D2-40B8-8226-4A73E089F1D2}"/>
-              </a:ext>
-            </a:extLst>
-          </p:cNvPr>
+            <a:endParaRPr lang="en-US" dirty="0"/>
+          </a:p>
+        </p:txBody>
+      </p:sp>
+      <p:sp>
+        <p:nvSpPr>
+          <p:cNvPr id="3" name="Picture Placeholder 2"/>
           <p:cNvSpPr>
-            <a:spLocks noGrp="1"/>
+            <a:spLocks noGrp="1" noChangeAspect="1"/>
           </p:cNvSpPr>
           <p:nvPr>
             <p:ph type="pic" idx="1"/>
@@ -2533,12 +4979,12 @@
         </p:nvSpPr>
         <p:spPr>
           <a:xfrm>
-            <a:off x="5183188" y="987425"/>
-            <a:ext cx="6172200" cy="4873625"/>
-          </a:xfrm>
-        </p:spPr>
-        <p:txBody>
-          <a:bodyPr/>
+            <a:off x="7861238" y="751241"/>
+            <a:ext cx="3644962" cy="5467443"/>
+          </a:xfrm>
+        </p:spPr>
+        <p:txBody>
+          <a:bodyPr anchor="t"/>
           <a:lstStyle>
             <a:lvl1pPr marL="0" indent="0">
               <a:buNone/>
@@ -2578,19 +5024,17 @@
             </a:lvl9pPr>
           </a:lstStyle>
           <a:p>
-            <a:endParaRPr lang="fr-FR"/>
-          </a:p>
-        </p:txBody>
-      </p:sp>
-      <p:sp>
-        <p:nvSpPr>
-          <p:cNvPr id="4" name="Espace réservé du texte 3">
-            <a:extLst>
-              <a:ext uri="{FF2B5EF4-FFF2-40B4-BE49-F238E27FC236}">
-                <a16:creationId xmlns:a16="http://schemas.microsoft.com/office/drawing/2014/main" id="{129F43AB-2128-480C-9FCD-FD925E1C6475}"/>
-              </a:ext>
-            </a:extLst>
-          </p:cNvPr>
+            <a:r>
+              <a:rPr lang="fr-FR"/>
+              <a:t>Cliquez sur l'icône pour ajouter une image</a:t>
+            </a:r>
+            <a:endParaRPr lang="en-US" dirty="0"/>
+          </a:p>
+        </p:txBody>
+      </p:sp>
+      <p:sp>
+        <p:nvSpPr>
+          <p:cNvPr id="4" name="Text Placeholder 3"/>
           <p:cNvSpPr>
             <a:spLocks noGrp="1"/>
           </p:cNvSpPr>
@@ -2600,8 +5044,8 @@
         </p:nvSpPr>
         <p:spPr>
           <a:xfrm>
-            <a:off x="839788" y="2057400"/>
-            <a:ext cx="3932237" cy="3811588"/>
+            <a:off x="685800" y="3124199"/>
+            <a:ext cx="6873240" cy="3094485"/>
           </a:xfrm>
         </p:spPr>
         <p:txBody>
@@ -2655,13 +5099,7 @@
       </p:sp>
       <p:sp>
         <p:nvSpPr>
-          <p:cNvPr id="5" name="Espace réservé de la date 4">
-            <a:extLst>
-              <a:ext uri="{FF2B5EF4-FFF2-40B4-BE49-F238E27FC236}">
-                <a16:creationId xmlns:a16="http://schemas.microsoft.com/office/drawing/2014/main" id="{DAD8835D-FC6F-4032-91C4-D5385D9A338C}"/>
-              </a:ext>
-            </a:extLst>
-          </p:cNvPr>
+          <p:cNvPr id="5" name="Date Placeholder 4"/>
           <p:cNvSpPr>
             <a:spLocks noGrp="1"/>
           </p:cNvSpPr>
@@ -2676,7 +5114,7 @@
           <a:p>
             <a:fld id="{4A480F61-AD29-4A6D-9D5B-CDF172F3995E}" type="datetimeFigureOut">
               <a:rPr lang="fr-FR" smtClean="0"/>
-              <a:t>04/01/2022</a:t>
+              <a:t>05/01/2022</a:t>
             </a:fld>
             <a:endParaRPr lang="fr-FR"/>
           </a:p>
@@ -2684,13 +5122,7 @@
       </p:sp>
       <p:sp>
         <p:nvSpPr>
-          <p:cNvPr id="6" name="Espace réservé du pied de page 5">
-            <a:extLst>
-              <a:ext uri="{FF2B5EF4-FFF2-40B4-BE49-F238E27FC236}">
-                <a16:creationId xmlns:a16="http://schemas.microsoft.com/office/drawing/2014/main" id="{FC75ED2A-10E0-43CE-81BB-65AA448DA85A}"/>
-              </a:ext>
-            </a:extLst>
-          </p:cNvPr>
+          <p:cNvPr id="6" name="Footer Placeholder 5"/>
           <p:cNvSpPr>
             <a:spLocks noGrp="1"/>
           </p:cNvSpPr>
@@ -2709,13 +5141,7 @@
       </p:sp>
       <p:sp>
         <p:nvSpPr>
-          <p:cNvPr id="7" name="Espace réservé du numéro de diapositive 6">
-            <a:extLst>
-              <a:ext uri="{FF2B5EF4-FFF2-40B4-BE49-F238E27FC236}">
-                <a16:creationId xmlns:a16="http://schemas.microsoft.com/office/drawing/2014/main" id="{9CDE3883-0E71-4059-9204-70B77194EEDF}"/>
-              </a:ext>
-            </a:extLst>
-          </p:cNvPr>
+          <p:cNvPr id="7" name="Slide Number Placeholder 6"/>
           <p:cNvSpPr>
             <a:spLocks noGrp="1"/>
           </p:cNvSpPr>
@@ -2739,7 +5165,7 @@
     </p:spTree>
     <p:extLst>
       <p:ext uri="{BB962C8B-B14F-4D97-AF65-F5344CB8AC3E}">
-        <p14:creationId xmlns:p14="http://schemas.microsoft.com/office/powerpoint/2010/main" val="2269997282"/>
+        <p14:creationId xmlns:p14="http://schemas.microsoft.com/office/powerpoint/2010/main" val="757833352"/>
       </p:ext>
     </p:extLst>
   </p:cSld>
@@ -2771,15 +5197,39 @@
           <a:chExt cx="0" cy="0"/>
         </a:xfrm>
       </p:grpSpPr>
-      <p:sp>
-        <p:nvSpPr>
-          <p:cNvPr id="2" name="Espace réservé du titre 1">
+      <p:pic>
+        <p:nvPicPr>
+          <p:cNvPr id="8" name="Picture 7" descr="C3-HD-TOP.png"/>
+          <p:cNvPicPr>
+            <a:picLocks noChangeAspect="1"/>
+          </p:cNvPicPr>
+          <p:nvPr/>
+        </p:nvPicPr>
+        <p:blipFill>
+          <a:blip r:embed="rId19">
             <a:extLst>
-              <a:ext uri="{FF2B5EF4-FFF2-40B4-BE49-F238E27FC236}">
-                <a16:creationId xmlns:a16="http://schemas.microsoft.com/office/drawing/2014/main" id="{84A346AA-121C-49FE-B54F-B23F32AA26C8}"/>
+              <a:ext uri="{28A0092B-C50C-407E-A947-70E740481C1C}">
+                <a14:useLocalDpi xmlns:a14="http://schemas.microsoft.com/office/drawing/2010/main" val="0"/>
               </a:ext>
             </a:extLst>
-          </p:cNvPr>
+          </a:blip>
+          <a:stretch>
+            <a:fillRect/>
+          </a:stretch>
+        </p:blipFill>
+        <p:spPr>
+          <a:xfrm>
+            <a:off x="0" y="0"/>
+            <a:ext cx="12192000" cy="1441450"/>
+          </a:xfrm>
+          <a:prstGeom prst="rect">
+            <a:avLst/>
+          </a:prstGeom>
+        </p:spPr>
+      </p:pic>
+      <p:sp>
+        <p:nvSpPr>
+          <p:cNvPr id="2" name="Title Placeholder 1"/>
           <p:cNvSpPr>
             <a:spLocks noGrp="1"/>
           </p:cNvSpPr>
@@ -2789,8 +5239,8 @@
         </p:nvSpPr>
         <p:spPr>
           <a:xfrm>
-            <a:off x="838200" y="365125"/>
-            <a:ext cx="10515600" cy="1325563"/>
+            <a:off x="2895600" y="764373"/>
+            <a:ext cx="8610600" cy="1293028"/>
           </a:xfrm>
           <a:prstGeom prst="rect">
             <a:avLst/>
@@ -2806,18 +5256,13 @@
               <a:rPr lang="fr-FR"/>
               <a:t>Modifiez le style du titre</a:t>
             </a:r>
-          </a:p>
-        </p:txBody>
-      </p:sp>
-      <p:sp>
-        <p:nvSpPr>
-          <p:cNvPr id="3" name="Espace réservé du texte 2">
-            <a:extLst>
-              <a:ext uri="{FF2B5EF4-FFF2-40B4-BE49-F238E27FC236}">
-                <a16:creationId xmlns:a16="http://schemas.microsoft.com/office/drawing/2014/main" id="{30EFEB4F-1557-43C0-9F4B-C581E869A4B1}"/>
-              </a:ext>
-            </a:extLst>
-          </p:cNvPr>
+            <a:endParaRPr lang="en-US" dirty="0"/>
+          </a:p>
+        </p:txBody>
+      </p:sp>
+      <p:sp>
+        <p:nvSpPr>
+          <p:cNvPr id="3" name="Text Placeholder 2"/>
           <p:cNvSpPr>
             <a:spLocks noGrp="1"/>
           </p:cNvSpPr>
@@ -2827,8 +5272,8 @@
         </p:nvSpPr>
         <p:spPr>
           <a:xfrm>
-            <a:off x="838200" y="1825625"/>
-            <a:ext cx="10515600" cy="4351338"/>
+            <a:off x="685800" y="2194560"/>
+            <a:ext cx="10820400" cy="4024125"/>
           </a:xfrm>
           <a:prstGeom prst="rect">
             <a:avLst/>
@@ -2873,18 +5318,13 @@
               <a:rPr lang="fr-FR"/>
               <a:t>Cinquième niveau</a:t>
             </a:r>
-          </a:p>
-        </p:txBody>
-      </p:sp>
-      <p:sp>
-        <p:nvSpPr>
-          <p:cNvPr id="4" name="Espace réservé de la date 3">
-            <a:extLst>
-              <a:ext uri="{FF2B5EF4-FFF2-40B4-BE49-F238E27FC236}">
-                <a16:creationId xmlns:a16="http://schemas.microsoft.com/office/drawing/2014/main" id="{3FE72B29-8D28-482F-92DB-8DA61301EEDB}"/>
-              </a:ext>
-            </a:extLst>
-          </p:cNvPr>
+            <a:endParaRPr lang="en-US" dirty="0"/>
+          </a:p>
+        </p:txBody>
+      </p:sp>
+      <p:sp>
+        <p:nvSpPr>
+          <p:cNvPr id="4" name="Date Placeholder 3"/>
           <p:cNvSpPr>
             <a:spLocks noGrp="1"/>
           </p:cNvSpPr>
@@ -2894,8 +5334,8 @@
         </p:nvSpPr>
         <p:spPr>
           <a:xfrm>
-            <a:off x="838200" y="6356350"/>
-            <a:ext cx="2743200" cy="365125"/>
+            <a:off x="8595360" y="6356350"/>
+            <a:ext cx="2910840" cy="365125"/>
           </a:xfrm>
           <a:prstGeom prst="rect">
             <a:avLst/>
@@ -2904,8 +5344,8 @@
         <p:txBody>
           <a:bodyPr vert="horz" lIns="91440" tIns="45720" rIns="91440" bIns="45720" rtlCol="0" anchor="ctr"/>
           <a:lstStyle>
-            <a:lvl1pPr algn="l">
-              <a:defRPr sz="1200">
+            <a:lvl1pPr algn="r">
+              <a:defRPr sz="1050">
                 <a:solidFill>
                   <a:schemeClr val="tx1">
                     <a:tint val="75000"/>
@@ -2917,7 +5357,7 @@
           <a:p>
             <a:fld id="{4A480F61-AD29-4A6D-9D5B-CDF172F3995E}" type="datetimeFigureOut">
               <a:rPr lang="fr-FR" smtClean="0"/>
-              <a:t>04/01/2022</a:t>
+              <a:t>05/01/2022</a:t>
             </a:fld>
             <a:endParaRPr lang="fr-FR"/>
           </a:p>
@@ -2925,13 +5365,7 @@
       </p:sp>
       <p:sp>
         <p:nvSpPr>
-          <p:cNvPr id="5" name="Espace réservé du pied de page 4">
-            <a:extLst>
-              <a:ext uri="{FF2B5EF4-FFF2-40B4-BE49-F238E27FC236}">
-                <a16:creationId xmlns:a16="http://schemas.microsoft.com/office/drawing/2014/main" id="{894007CB-4EB8-4908-B41F-67DFEB4EAA1F}"/>
-              </a:ext>
-            </a:extLst>
-          </p:cNvPr>
+          <p:cNvPr id="5" name="Footer Placeholder 4"/>
           <p:cNvSpPr>
             <a:spLocks noGrp="1"/>
           </p:cNvSpPr>
@@ -2941,8 +5375,8 @@
         </p:nvSpPr>
         <p:spPr>
           <a:xfrm>
-            <a:off x="4038600" y="6356350"/>
-            <a:ext cx="4114800" cy="365125"/>
+            <a:off x="685800" y="6355845"/>
+            <a:ext cx="7772400" cy="365125"/>
           </a:xfrm>
           <a:prstGeom prst="rect">
             <a:avLst/>
@@ -2951,8 +5385,8 @@
         <p:txBody>
           <a:bodyPr vert="horz" lIns="91440" tIns="45720" rIns="91440" bIns="45720" rtlCol="0" anchor="ctr"/>
           <a:lstStyle>
-            <a:lvl1pPr algn="ctr">
-              <a:defRPr sz="1200">
+            <a:lvl1pPr algn="l">
+              <a:defRPr sz="1050">
                 <a:solidFill>
                   <a:schemeClr val="tx1">
                     <a:tint val="75000"/>
@@ -2968,13 +5402,7 @@
       </p:sp>
       <p:sp>
         <p:nvSpPr>
-          <p:cNvPr id="6" name="Espace réservé du numéro de diapositive 5">
-            <a:extLst>
-              <a:ext uri="{FF2B5EF4-FFF2-40B4-BE49-F238E27FC236}">
-                <a16:creationId xmlns:a16="http://schemas.microsoft.com/office/drawing/2014/main" id="{4DF9C4B1-CD40-4437-81CD-C29FC86AE5A8}"/>
-              </a:ext>
-            </a:extLst>
-          </p:cNvPr>
+          <p:cNvPr id="6" name="Slide Number Placeholder 5"/>
           <p:cNvSpPr>
             <a:spLocks noGrp="1"/>
           </p:cNvSpPr>
@@ -2984,7 +5412,7 @@
         </p:nvSpPr>
         <p:spPr>
           <a:xfrm>
-            <a:off x="8610600" y="6356350"/>
+            <a:off x="8763000" y="381000"/>
             <a:ext cx="2743200" cy="365125"/>
           </a:xfrm>
           <a:prstGeom prst="rect">
@@ -2995,7 +5423,7 @@
           <a:bodyPr vert="horz" lIns="91440" tIns="45720" rIns="91440" bIns="45720" rtlCol="0" anchor="ctr"/>
           <a:lstStyle>
             <a:lvl1pPr algn="r">
-              <a:defRPr sz="1200">
+              <a:defRPr sz="1050">
                 <a:solidFill>
                   <a:schemeClr val="tx1">
                     <a:tint val="75000"/>
@@ -3016,27 +5444,33 @@
     </p:spTree>
     <p:extLst>
       <p:ext uri="{BB962C8B-B14F-4D97-AF65-F5344CB8AC3E}">
-        <p14:creationId xmlns:p14="http://schemas.microsoft.com/office/powerpoint/2010/main" val="1661071338"/>
+        <p14:creationId xmlns:p14="http://schemas.microsoft.com/office/powerpoint/2010/main" val="485220019"/>
       </p:ext>
     </p:extLst>
   </p:cSld>
   <p:clrMap bg1="lt1" tx1="dk1" bg2="lt2" tx2="dk2" accent1="accent1" accent2="accent2" accent3="accent3" accent4="accent4" accent5="accent5" accent6="accent6" hlink="hlink" folHlink="folHlink"/>
   <p:sldLayoutIdLst>
-    <p:sldLayoutId id="2147483649" r:id="rId1"/>
-    <p:sldLayoutId id="2147483650" r:id="rId2"/>
-    <p:sldLayoutId id="2147483651" r:id="rId3"/>
-    <p:sldLayoutId id="2147483652" r:id="rId4"/>
-    <p:sldLayoutId id="2147483653" r:id="rId5"/>
-    <p:sldLayoutId id="2147483654" r:id="rId6"/>
-    <p:sldLayoutId id="2147483655" r:id="rId7"/>
-    <p:sldLayoutId id="2147483656" r:id="rId8"/>
-    <p:sldLayoutId id="2147483657" r:id="rId9"/>
-    <p:sldLayoutId id="2147483658" r:id="rId10"/>
-    <p:sldLayoutId id="2147483659" r:id="rId11"/>
+    <p:sldLayoutId id="2147483792" r:id="rId1"/>
+    <p:sldLayoutId id="2147483793" r:id="rId2"/>
+    <p:sldLayoutId id="2147483794" r:id="rId3"/>
+    <p:sldLayoutId id="2147483795" r:id="rId4"/>
+    <p:sldLayoutId id="2147483796" r:id="rId5"/>
+    <p:sldLayoutId id="2147483797" r:id="rId6"/>
+    <p:sldLayoutId id="2147483798" r:id="rId7"/>
+    <p:sldLayoutId id="2147483799" r:id="rId8"/>
+    <p:sldLayoutId id="2147483800" r:id="rId9"/>
+    <p:sldLayoutId id="2147483801" r:id="rId10"/>
+    <p:sldLayoutId id="2147483802" r:id="rId11"/>
+    <p:sldLayoutId id="2147483803" r:id="rId12"/>
+    <p:sldLayoutId id="2147483804" r:id="rId13"/>
+    <p:sldLayoutId id="2147483805" r:id="rId14"/>
+    <p:sldLayoutId id="2147483806" r:id="rId15"/>
+    <p:sldLayoutId id="2147483807" r:id="rId16"/>
+    <p:sldLayoutId id="2147483808" r:id="rId17"/>
   </p:sldLayoutIdLst>
   <p:txStyles>
     <p:titleStyle>
-      <a:lvl1pPr algn="l" defTabSz="914400" rtl="0" eaLnBrk="1" latinLnBrk="0" hangingPunct="1">
+      <a:lvl1pPr algn="r" defTabSz="914400" rtl="0" eaLnBrk="1" latinLnBrk="0" hangingPunct="1">
         <a:lnSpc>
           <a:spcPct val="90000"/>
         </a:lnSpc>
@@ -3044,7 +5478,7 @@
           <a:spcPct val="0"/>
         </a:spcBef>
         <a:buNone/>
-        <a:defRPr sz="4400" kern="1200">
+        <a:defRPr sz="4000" kern="1200" cap="all" baseline="0">
           <a:solidFill>
             <a:schemeClr val="tx1"/>
           </a:solidFill>
@@ -3064,7 +5498,7 @@
         </a:spcBef>
         <a:buFont typeface="Arial" panose="020B0604020202020204" pitchFamily="34" charset="0"/>
         <a:buChar char="•"/>
-        <a:defRPr sz="2800" kern="1200">
+        <a:defRPr sz="2200" kern="1200">
           <a:solidFill>
             <a:schemeClr val="tx1"/>
           </a:solidFill>
@@ -3082,7 +5516,7 @@
         </a:spcBef>
         <a:buFont typeface="Arial" panose="020B0604020202020204" pitchFamily="34" charset="0"/>
         <a:buChar char="•"/>
-        <a:defRPr sz="2400" kern="1200">
+        <a:defRPr sz="2000" kern="1200">
           <a:solidFill>
             <a:schemeClr val="tx1"/>
           </a:solidFill>
@@ -3100,7 +5534,7 @@
         </a:spcBef>
         <a:buFont typeface="Arial" panose="020B0604020202020204" pitchFamily="34" charset="0"/>
         <a:buChar char="•"/>
-        <a:defRPr sz="2000" kern="1200">
+        <a:defRPr sz="1800" kern="1200">
           <a:solidFill>
             <a:schemeClr val="tx1"/>
           </a:solidFill>
@@ -3118,7 +5552,7 @@
         </a:spcBef>
         <a:buFont typeface="Arial" panose="020B0604020202020204" pitchFamily="34" charset="0"/>
         <a:buChar char="•"/>
-        <a:defRPr sz="1800" kern="1200">
+        <a:defRPr sz="1600" kern="1200">
           <a:solidFill>
             <a:schemeClr val="tx1"/>
           </a:solidFill>
@@ -3136,7 +5570,7 @@
         </a:spcBef>
         <a:buFont typeface="Arial" panose="020B0604020202020204" pitchFamily="34" charset="0"/>
         <a:buChar char="•"/>
-        <a:defRPr sz="1800" kern="1200">
+        <a:defRPr sz="1600" kern="1200">
           <a:solidFill>
             <a:schemeClr val="tx1"/>
           </a:solidFill>
@@ -3154,7 +5588,7 @@
         </a:spcBef>
         <a:buFont typeface="Arial" panose="020B0604020202020204" pitchFamily="34" charset="0"/>
         <a:buChar char="•"/>
-        <a:defRPr sz="1800" kern="1200">
+        <a:defRPr sz="1600" kern="1200">
           <a:solidFill>
             <a:schemeClr val="tx1"/>
           </a:solidFill>
@@ -3172,7 +5606,7 @@
         </a:spcBef>
         <a:buFont typeface="Arial" panose="020B0604020202020204" pitchFamily="34" charset="0"/>
         <a:buChar char="•"/>
-        <a:defRPr sz="1800" kern="1200">
+        <a:defRPr sz="1600" kern="1200">
           <a:solidFill>
             <a:schemeClr val="tx1"/>
           </a:solidFill>
@@ -3190,7 +5624,7 @@
         </a:spcBef>
         <a:buFont typeface="Arial" panose="020B0604020202020204" pitchFamily="34" charset="0"/>
         <a:buChar char="•"/>
-        <a:defRPr sz="1800" kern="1200">
+        <a:defRPr sz="1600" kern="1200">
           <a:solidFill>
             <a:schemeClr val="tx1"/>
           </a:solidFill>
@@ -3208,7 +5642,7 @@
         </a:spcBef>
         <a:buFont typeface="Arial" panose="020B0604020202020204" pitchFamily="34" charset="0"/>
         <a:buChar char="•"/>
-        <a:defRPr sz="1800" kern="1200">
+        <a:defRPr sz="1600" kern="1200">
           <a:solidFill>
             <a:schemeClr val="tx1"/>
           </a:solidFill>
@@ -3220,7 +5654,7 @@
     </p:bodyStyle>
     <p:otherStyle>
       <a:defPPr>
-        <a:defRPr lang="fr-FR"/>
+        <a:defRPr lang="en-US"/>
       </a:defPPr>
       <a:lvl1pPr marL="0" algn="l" defTabSz="914400" rtl="0" eaLnBrk="1" latinLnBrk="0" hangingPunct="1">
         <a:defRPr sz="1800" kern="1200">
@@ -3314,6 +5748,11 @@
       </a:lvl9pPr>
     </p:otherStyle>
   </p:txStyles>
+  <p:extLst>
+    <p:ext uri="{27BBF7A9-308A-43DC-89C8-2F10F3537804}">
+      <p15:sldGuideLst xmlns:p15="http://schemas.microsoft.com/office/powerpoint/2012/main"/>
+    </p:ext>
+  </p:extLst>
 </p:sldMaster>
 </file>
 
@@ -4812,9 +7251,6 @@
                 <a:ln>
                   <a:noFill/>
                 </a:ln>
-                <a:solidFill>
-                  <a:schemeClr val="tx1"/>
-                </a:solidFill>
                 <a:effectLst/>
                 <a:latin typeface="Arial" panose="020B0604020202020204" pitchFamily="34" charset="0"/>
                 <a:cs typeface="Arial" panose="020B0604020202020204" pitchFamily="34" charset="0"/>
@@ -5173,7 +7609,7 @@
         </p:nvSpPr>
         <p:spPr>
           <a:xfrm>
-            <a:off x="283352" y="971311"/>
+            <a:off x="283352" y="1355359"/>
             <a:ext cx="11618070" cy="4801314"/>
           </a:xfrm>
           <a:prstGeom prst="rect">
@@ -5351,7 +7787,7 @@
                 <a:latin typeface="Arial" panose="020B0604020202020204" pitchFamily="34" charset="0"/>
                 <a:cs typeface="Arial" panose="020B0604020202020204" pitchFamily="34" charset="0"/>
               </a:rPr>
-              <a:t> set of data, </a:t>
+              <a:t> sets of data, </a:t>
             </a:r>
             <a:r>
               <a:rPr kumimoji="0" lang="fr-FR" altLang="fr-FR" b="0" i="0" u="none" strike="noStrike" cap="none" normalizeH="0" baseline="0" dirty="0" err="1">
@@ -5813,7 +8249,7 @@
         </p:nvSpPr>
         <p:spPr>
           <a:xfrm>
-            <a:off x="283352" y="971311"/>
+            <a:off x="283352" y="1445458"/>
             <a:ext cx="11618070" cy="4247317"/>
           </a:xfrm>
           <a:prstGeom prst="rect">
@@ -6290,6 +8726,35 @@
       </p:grpSpPr>
       <p:pic>
         <p:nvPicPr>
+          <p:cNvPr id="12" name="Image 11">
+            <a:extLst>
+              <a:ext uri="{FF2B5EF4-FFF2-40B4-BE49-F238E27FC236}">
+                <a16:creationId xmlns:a16="http://schemas.microsoft.com/office/drawing/2014/main" id="{85829466-BFD8-412B-889A-4C140D2838BC}"/>
+              </a:ext>
+            </a:extLst>
+          </p:cNvPr>
+          <p:cNvPicPr>
+            <a:picLocks noChangeAspect="1"/>
+          </p:cNvPicPr>
+          <p:nvPr/>
+        </p:nvPicPr>
+        <p:blipFill rotWithShape="1">
+          <a:blip r:embed="rId2"/>
+          <a:srcRect r="5161" b="4852"/>
+          <a:stretch/>
+        </p:blipFill>
+        <p:spPr>
+          <a:xfrm>
+            <a:off x="1079195" y="3555799"/>
+            <a:ext cx="4338263" cy="2841848"/>
+          </a:xfrm>
+          <a:prstGeom prst="rect">
+            <a:avLst/>
+          </a:prstGeom>
+        </p:spPr>
+      </p:pic>
+      <p:pic>
+        <p:nvPicPr>
           <p:cNvPr id="1032" name="Picture 8" descr="École supérieure d&amp;#39;ingénieurs Léonard-de-Vinci — Wikipédia">
             <a:extLst>
               <a:ext uri="{FF2B5EF4-FFF2-40B4-BE49-F238E27FC236}">
@@ -6303,7 +8768,7 @@
           <p:nvPr/>
         </p:nvPicPr>
         <p:blipFill>
-          <a:blip r:embed="rId2">
+          <a:blip r:embed="rId3">
             <a:extLst>
               <a:ext uri="{28A0092B-C50C-407E-A947-70E740481C1C}">
                 <a14:useLocalDpi xmlns:a14="http://schemas.microsoft.com/office/drawing/2010/main" val="0"/>
@@ -6505,7 +8970,7 @@
         </p:nvSpPr>
         <p:spPr>
           <a:xfrm>
-            <a:off x="283352" y="971311"/>
+            <a:off x="283352" y="1341286"/>
             <a:ext cx="11618070" cy="2862322"/>
           </a:xfrm>
           <a:prstGeom prst="rect">
@@ -6958,35 +9423,6 @@
           </a:p>
         </p:txBody>
       </p:sp>
-      <p:pic>
-        <p:nvPicPr>
-          <p:cNvPr id="12" name="Image 11">
-            <a:extLst>
-              <a:ext uri="{FF2B5EF4-FFF2-40B4-BE49-F238E27FC236}">
-                <a16:creationId xmlns:a16="http://schemas.microsoft.com/office/drawing/2014/main" id="{85829466-BFD8-412B-889A-4C140D2838BC}"/>
-              </a:ext>
-            </a:extLst>
-          </p:cNvPr>
-          <p:cNvPicPr>
-            <a:picLocks noChangeAspect="1"/>
-          </p:cNvPicPr>
-          <p:nvPr/>
-        </p:nvPicPr>
-        <p:blipFill rotWithShape="1">
-          <a:blip r:embed="rId3"/>
-          <a:srcRect r="5161" b="4852"/>
-          <a:stretch/>
-        </p:blipFill>
-        <p:spPr>
-          <a:xfrm>
-            <a:off x="1029265" y="3305348"/>
-            <a:ext cx="4338263" cy="2841848"/>
-          </a:xfrm>
-          <a:prstGeom prst="rect">
-            <a:avLst/>
-          </a:prstGeom>
-        </p:spPr>
-      </p:pic>
       <p:pic>
         <p:nvPicPr>
           <p:cNvPr id="14" name="Image 13">
@@ -7009,7 +9445,7 @@
         </p:blipFill>
         <p:spPr>
           <a:xfrm>
-            <a:off x="5865869" y="3425811"/>
+            <a:off x="5688315" y="3704041"/>
             <a:ext cx="3808483" cy="2580876"/>
           </a:xfrm>
           <a:prstGeom prst="rect">
@@ -7049,6 +9485,35 @@
       </p:grpSpPr>
       <p:pic>
         <p:nvPicPr>
+          <p:cNvPr id="10" name="Image 9">
+            <a:extLst>
+              <a:ext uri="{FF2B5EF4-FFF2-40B4-BE49-F238E27FC236}">
+                <a16:creationId xmlns:a16="http://schemas.microsoft.com/office/drawing/2014/main" id="{E440AB9D-0A05-40BB-B3D4-6A50CC4D0BCB}"/>
+              </a:ext>
+            </a:extLst>
+          </p:cNvPr>
+          <p:cNvPicPr>
+            <a:picLocks noChangeAspect="1"/>
+          </p:cNvPicPr>
+          <p:nvPr/>
+        </p:nvPicPr>
+        <p:blipFill rotWithShape="1">
+          <a:blip r:embed="rId2"/>
+          <a:srcRect l="3641" t="39622" r="54798" b="14696"/>
+          <a:stretch/>
+        </p:blipFill>
+        <p:spPr>
+          <a:xfrm>
+            <a:off x="2204006" y="3139489"/>
+            <a:ext cx="5652789" cy="3494911"/>
+          </a:xfrm>
+          <a:prstGeom prst="rect">
+            <a:avLst/>
+          </a:prstGeom>
+        </p:spPr>
+      </p:pic>
+      <p:pic>
+        <p:nvPicPr>
           <p:cNvPr id="1032" name="Picture 8" descr="École supérieure d&amp;#39;ingénieurs Léonard-de-Vinci — Wikipédia">
             <a:extLst>
               <a:ext uri="{FF2B5EF4-FFF2-40B4-BE49-F238E27FC236}">
@@ -7062,7 +9527,7 @@
           <p:nvPr/>
         </p:nvPicPr>
         <p:blipFill>
-          <a:blip r:embed="rId2">
+          <a:blip r:embed="rId3">
             <a:extLst>
               <a:ext uri="{28A0092B-C50C-407E-A947-70E740481C1C}">
                 <a14:useLocalDpi xmlns:a14="http://schemas.microsoft.com/office/drawing/2010/main" val="0"/>
@@ -7264,7 +9729,7 @@
         </p:nvSpPr>
         <p:spPr>
           <a:xfrm>
-            <a:off x="283352" y="831288"/>
+            <a:off x="159774" y="1445458"/>
             <a:ext cx="11618070" cy="2031325"/>
           </a:xfrm>
           <a:prstGeom prst="rect">
@@ -7791,35 +10256,6 @@
           </a:p>
         </p:txBody>
       </p:sp>
-      <p:pic>
-        <p:nvPicPr>
-          <p:cNvPr id="10" name="Image 9">
-            <a:extLst>
-              <a:ext uri="{FF2B5EF4-FFF2-40B4-BE49-F238E27FC236}">
-                <a16:creationId xmlns:a16="http://schemas.microsoft.com/office/drawing/2014/main" id="{E440AB9D-0A05-40BB-B3D4-6A50CC4D0BCB}"/>
-              </a:ext>
-            </a:extLst>
-          </p:cNvPr>
-          <p:cNvPicPr>
-            <a:picLocks noChangeAspect="1"/>
-          </p:cNvPicPr>
-          <p:nvPr/>
-        </p:nvPicPr>
-        <p:blipFill rotWithShape="1">
-          <a:blip r:embed="rId3"/>
-          <a:srcRect l="3641" t="39622" r="54798" b="14696"/>
-          <a:stretch/>
-        </p:blipFill>
-        <p:spPr>
-          <a:xfrm>
-            <a:off x="3156602" y="2397888"/>
-            <a:ext cx="5652789" cy="3494911"/>
-          </a:xfrm>
-          <a:prstGeom prst="rect">
-            <a:avLst/>
-          </a:prstGeom>
-        </p:spPr>
-      </p:pic>
     </p:spTree>
     <p:extLst>
       <p:ext uri="{BB962C8B-B14F-4D97-AF65-F5344CB8AC3E}">
@@ -7872,59 +10308,12 @@
         </p:blipFill>
         <p:spPr>
           <a:xfrm>
-            <a:off x="159774" y="681632"/>
-            <a:ext cx="6344481" cy="6115663"/>
+            <a:off x="1535837" y="835387"/>
+            <a:ext cx="6015984" cy="5799013"/>
           </a:xfrm>
           <a:prstGeom prst="rect">
             <a:avLst/>
           </a:prstGeom>
-        </p:spPr>
-      </p:pic>
-      <p:pic>
-        <p:nvPicPr>
-          <p:cNvPr id="1032" name="Picture 8" descr="École supérieure d&amp;#39;ingénieurs Léonard-de-Vinci — Wikipédia">
-            <a:extLst>
-              <a:ext uri="{FF2B5EF4-FFF2-40B4-BE49-F238E27FC236}">
-                <a16:creationId xmlns:a16="http://schemas.microsoft.com/office/drawing/2014/main" id="{9BA3FA43-962E-4E63-9326-90A4C3DB2C6C}"/>
-              </a:ext>
-            </a:extLst>
-          </p:cNvPr>
-          <p:cNvPicPr>
-            <a:picLocks noChangeAspect="1" noChangeArrowheads="1"/>
-          </p:cNvPicPr>
-          <p:nvPr/>
-        </p:nvPicPr>
-        <p:blipFill>
-          <a:blip r:embed="rId3">
-            <a:extLst>
-              <a:ext uri="{28A0092B-C50C-407E-A947-70E740481C1C}">
-                <a14:useLocalDpi xmlns:a14="http://schemas.microsoft.com/office/drawing/2010/main" val="0"/>
-              </a:ext>
-            </a:extLst>
-          </a:blip>
-          <a:srcRect/>
-          <a:stretch>
-            <a:fillRect/>
-          </a:stretch>
-        </p:blipFill>
-        <p:spPr bwMode="auto">
-          <a:xfrm>
-            <a:off x="10616381" y="5381450"/>
-            <a:ext cx="1415845" cy="1415845"/>
-          </a:xfrm>
-          <a:prstGeom prst="rect">
-            <a:avLst/>
-          </a:prstGeom>
-          <a:noFill/>
-          <a:extLst>
-            <a:ext uri="{909E8E84-426E-40DD-AFC4-6F175D3DCCD1}">
-              <a14:hiddenFill xmlns:a14="http://schemas.microsoft.com/office/drawing/2010/main">
-                <a:solidFill>
-                  <a:srgbClr val="FFFFFF"/>
-                </a:solidFill>
-              </a14:hiddenFill>
-            </a:ext>
-          </a:extLst>
         </p:spPr>
       </p:pic>
       <p:sp>
@@ -8098,14 +10487,14 @@
           <p:nvPr/>
         </p:nvPicPr>
         <p:blipFill>
-          <a:blip r:embed="rId4"/>
+          <a:blip r:embed="rId3"/>
           <a:stretch>
             <a:fillRect/>
           </a:stretch>
         </p:blipFill>
         <p:spPr>
           <a:xfrm>
-            <a:off x="6150674" y="2301937"/>
+            <a:off x="6694214" y="1991272"/>
             <a:ext cx="4465707" cy="3635055"/>
           </a:xfrm>
           <a:prstGeom prst="rect">
@@ -8127,7 +10516,7 @@
         </p:nvCxnSpPr>
         <p:spPr>
           <a:xfrm flipV="1">
-            <a:off x="3287071" y="4119464"/>
+            <a:off x="3988408" y="4012928"/>
             <a:ext cx="1810139" cy="261258"/>
           </a:xfrm>
           <a:prstGeom prst="straightConnector1">
@@ -8155,6 +10544,53 @@
           </a:fontRef>
         </p:style>
       </p:cxnSp>
+      <p:pic>
+        <p:nvPicPr>
+          <p:cNvPr id="1032" name="Picture 8" descr="École supérieure d&amp;#39;ingénieurs Léonard-de-Vinci — Wikipédia">
+            <a:extLst>
+              <a:ext uri="{FF2B5EF4-FFF2-40B4-BE49-F238E27FC236}">
+                <a16:creationId xmlns:a16="http://schemas.microsoft.com/office/drawing/2014/main" id="{9BA3FA43-962E-4E63-9326-90A4C3DB2C6C}"/>
+              </a:ext>
+            </a:extLst>
+          </p:cNvPr>
+          <p:cNvPicPr>
+            <a:picLocks noChangeAspect="1" noChangeArrowheads="1"/>
+          </p:cNvPicPr>
+          <p:nvPr/>
+        </p:nvPicPr>
+        <p:blipFill>
+          <a:blip r:embed="rId4">
+            <a:extLst>
+              <a:ext uri="{28A0092B-C50C-407E-A947-70E740481C1C}">
+                <a14:useLocalDpi xmlns:a14="http://schemas.microsoft.com/office/drawing/2010/main" val="0"/>
+              </a:ext>
+            </a:extLst>
+          </a:blip>
+          <a:srcRect/>
+          <a:stretch>
+            <a:fillRect/>
+          </a:stretch>
+        </p:blipFill>
+        <p:spPr bwMode="auto">
+          <a:xfrm>
+            <a:off x="10616381" y="5381450"/>
+            <a:ext cx="1415845" cy="1415845"/>
+          </a:xfrm>
+          <a:prstGeom prst="rect">
+            <a:avLst/>
+          </a:prstGeom>
+          <a:noFill/>
+          <a:extLst>
+            <a:ext uri="{909E8E84-426E-40DD-AFC4-6F175D3DCCD1}">
+              <a14:hiddenFill xmlns:a14="http://schemas.microsoft.com/office/drawing/2010/main">
+                <a:solidFill>
+                  <a:srgbClr val="FFFFFF"/>
+                </a:solidFill>
+              </a14:hiddenFill>
+            </a:ext>
+          </a:extLst>
+        </p:spPr>
+      </p:pic>
     </p:spTree>
     <p:extLst>
       <p:ext uri="{BB962C8B-B14F-4D97-AF65-F5344CB8AC3E}">
@@ -8391,7 +10827,7 @@
         </p:nvSpPr>
         <p:spPr>
           <a:xfrm>
-            <a:off x="283352" y="971311"/>
+            <a:off x="283352" y="1786705"/>
             <a:ext cx="11618070" cy="2308324"/>
           </a:xfrm>
           <a:prstGeom prst="rect">
@@ -9254,9 +11690,9 @@
 </file>
 
 <file path=ppt/theme/theme1.xml><?xml version="1.0" encoding="utf-8"?>
-<a:theme xmlns:a="http://schemas.openxmlformats.org/drawingml/2006/main" name="Thème Office">
+<a:theme xmlns:a="http://schemas.openxmlformats.org/drawingml/2006/main" name="Traînée de condensation">
   <a:themeElements>
-    <a:clrScheme name="Office">
+    <a:clrScheme name="Traînée de condensation">
       <a:dk1>
         <a:sysClr val="windowText" lastClr="000000"/>
       </a:dk1>
@@ -9264,44 +11700,44 @@
         <a:sysClr val="window" lastClr="FFFFFF"/>
       </a:lt1>
       <a:dk2>
-        <a:srgbClr val="44546A"/>
+        <a:srgbClr val="454545"/>
       </a:dk2>
       <a:lt2>
-        <a:srgbClr val="E7E6E6"/>
+        <a:srgbClr val="DADADA"/>
       </a:lt2>
       <a:accent1>
-        <a:srgbClr val="4472C4"/>
+        <a:srgbClr val="C4220D"/>
       </a:accent1>
       <a:accent2>
-        <a:srgbClr val="ED7D31"/>
+        <a:srgbClr val="EB7712"/>
       </a:accent2>
       <a:accent3>
-        <a:srgbClr val="A5A5A5"/>
+        <a:srgbClr val="ECBD31"/>
       </a:accent3>
       <a:accent4>
-        <a:srgbClr val="FFC000"/>
+        <a:srgbClr val="92CE4A"/>
       </a:accent4>
       <a:accent5>
-        <a:srgbClr val="5B9BD5"/>
+        <a:srgbClr val="50CFB4"/>
       </a:accent5>
       <a:accent6>
-        <a:srgbClr val="70AD47"/>
+        <a:srgbClr val="0D8EC5"/>
       </a:accent6>
       <a:hlink>
-        <a:srgbClr val="0563C1"/>
+        <a:srgbClr val="EA5A0C"/>
       </a:hlink>
       <a:folHlink>
-        <a:srgbClr val="954F72"/>
+        <a:srgbClr val="F09D3A"/>
       </a:folHlink>
     </a:clrScheme>
-    <a:fontScheme name="Office">
+    <a:fontScheme name="Traînée de condensation">
       <a:majorFont>
-        <a:latin typeface="Calibri Light" panose="020F0302020204030204"/>
+        <a:latin typeface="Century Gothic" panose="020B0502020202020204"/>
         <a:ea typeface=""/>
         <a:cs typeface=""/>
-        <a:font script="Jpan" typeface="游ゴシック Light"/>
+        <a:font script="Jpan" typeface="ＭＳ Ｐゴシック"/>
         <a:font script="Hang" typeface="맑은 고딕"/>
-        <a:font script="Hans" typeface="等线 Light"/>
+        <a:font script="Hans" typeface="宋体"/>
         <a:font script="Hant" typeface="新細明體"/>
         <a:font script="Arab" typeface="Times New Roman"/>
         <a:font script="Hebr" typeface="Times New Roman"/>
@@ -9329,31 +11765,14 @@
         <a:font script="Viet" typeface="Times New Roman"/>
         <a:font script="Uigh" typeface="Microsoft Uighur"/>
         <a:font script="Geor" typeface="Sylfaen"/>
-        <a:font script="Armn" typeface="Arial"/>
-        <a:font script="Bugi" typeface="Leelawadee UI"/>
-        <a:font script="Bopo" typeface="Microsoft JhengHei"/>
-        <a:font script="Java" typeface="Javanese Text"/>
-        <a:font script="Lisu" typeface="Segoe UI"/>
-        <a:font script="Mymr" typeface="Myanmar Text"/>
-        <a:font script="Nkoo" typeface="Ebrima"/>
-        <a:font script="Olck" typeface="Nirmala UI"/>
-        <a:font script="Osma" typeface="Ebrima"/>
-        <a:font script="Phag" typeface="Phagspa"/>
-        <a:font script="Syrn" typeface="Estrangelo Edessa"/>
-        <a:font script="Syrj" typeface="Estrangelo Edessa"/>
-        <a:font script="Syre" typeface="Estrangelo Edessa"/>
-        <a:font script="Sora" typeface="Nirmala UI"/>
-        <a:font script="Tale" typeface="Microsoft Tai Le"/>
-        <a:font script="Talu" typeface="Microsoft New Tai Lue"/>
-        <a:font script="Tfng" typeface="Ebrima"/>
       </a:majorFont>
       <a:minorFont>
-        <a:latin typeface="Calibri" panose="020F0502020204030204"/>
+        <a:latin typeface="Century Gothic" panose="020B0502020202020204"/>
         <a:ea typeface=""/>
         <a:cs typeface=""/>
-        <a:font script="Jpan" typeface="游ゴシック"/>
+        <a:font script="Jpan" typeface="ＭＳ Ｐゴシック"/>
         <a:font script="Hang" typeface="맑은 고딕"/>
-        <a:font script="Hans" typeface="等线"/>
+        <a:font script="Hans" typeface="宋体"/>
         <a:font script="Hant" typeface="新細明體"/>
         <a:font script="Arab" typeface="Arial"/>
         <a:font script="Hebr" typeface="Arial"/>
@@ -9381,26 +11800,9 @@
         <a:font script="Viet" typeface="Arial"/>
         <a:font script="Uigh" typeface="Microsoft Uighur"/>
         <a:font script="Geor" typeface="Sylfaen"/>
-        <a:font script="Armn" typeface="Arial"/>
-        <a:font script="Bugi" typeface="Leelawadee UI"/>
-        <a:font script="Bopo" typeface="Microsoft JhengHei"/>
-        <a:font script="Java" typeface="Javanese Text"/>
-        <a:font script="Lisu" typeface="Segoe UI"/>
-        <a:font script="Mymr" typeface="Myanmar Text"/>
-        <a:font script="Nkoo" typeface="Ebrima"/>
-        <a:font script="Olck" typeface="Nirmala UI"/>
-        <a:font script="Osma" typeface="Ebrima"/>
-        <a:font script="Phag" typeface="Phagspa"/>
-        <a:font script="Syrn" typeface="Estrangelo Edessa"/>
-        <a:font script="Syrj" typeface="Estrangelo Edessa"/>
-        <a:font script="Syre" typeface="Estrangelo Edessa"/>
-        <a:font script="Sora" typeface="Nirmala UI"/>
-        <a:font script="Tale" typeface="Microsoft Tai Le"/>
-        <a:font script="Talu" typeface="Microsoft New Tai Lue"/>
-        <a:font script="Tfng" typeface="Ebrima"/>
       </a:minorFont>
     </a:fontScheme>
-    <a:fmtScheme name="Office">
+    <a:fmtScheme name="Traînée de condensation">
       <a:fillStyleLst>
         <a:solidFill>
           <a:schemeClr val="phClr"/>
@@ -9409,23 +11811,24 @@
           <a:gsLst>
             <a:gs pos="0">
               <a:schemeClr val="phClr">
+                <a:tint val="69000"/>
+                <a:alpha val="100000"/>
+                <a:satMod val="109000"/>
                 <a:lumMod val="110000"/>
-                <a:satMod val="105000"/>
-                <a:tint val="67000"/>
               </a:schemeClr>
             </a:gs>
-            <a:gs pos="50000">
+            <a:gs pos="52000">
               <a:schemeClr val="phClr">
-                <a:lumMod val="105000"/>
-                <a:satMod val="103000"/>
-                <a:tint val="73000"/>
+                <a:tint val="74000"/>
+                <a:satMod val="100000"/>
+                <a:lumMod val="104000"/>
               </a:schemeClr>
             </a:gs>
             <a:gs pos="100000">
               <a:schemeClr val="phClr">
-                <a:lumMod val="105000"/>
-                <a:satMod val="109000"/>
-                <a:tint val="81000"/>
+                <a:tint val="78000"/>
+                <a:satMod val="100000"/>
+                <a:lumMod val="100000"/>
               </a:schemeClr>
             </a:gs>
           </a:gsLst>
@@ -9435,23 +11838,16 @@
           <a:gsLst>
             <a:gs pos="0">
               <a:schemeClr val="phClr">
-                <a:satMod val="103000"/>
-                <a:lumMod val="102000"/>
-                <a:tint val="94000"/>
+                <a:tint val="96000"/>
+                <a:satMod val="100000"/>
+                <a:lumMod val="104000"/>
               </a:schemeClr>
             </a:gs>
-            <a:gs pos="50000">
+            <a:gs pos="78000">
               <a:schemeClr val="phClr">
+                <a:shade val="100000"/>
                 <a:satMod val="110000"/>
                 <a:lumMod val="100000"/>
-                <a:shade val="100000"/>
-              </a:schemeClr>
-            </a:gs>
-            <a:gs pos="100000">
-              <a:schemeClr val="phClr">
-                <a:lumMod val="99000"/>
-                <a:satMod val="120000"/>
-                <a:shade val="78000"/>
               </a:schemeClr>
             </a:gs>
           </a:gsLst>
@@ -9459,26 +11855,23 @@
         </a:gradFill>
       </a:fillStyleLst>
       <a:lnStyleLst>
-        <a:ln w="6350" cap="flat" cmpd="sng" algn="ctr">
+        <a:ln w="9525" cap="flat" cmpd="sng" algn="ctr">
           <a:solidFill>
             <a:schemeClr val="phClr"/>
           </a:solidFill>
           <a:prstDash val="solid"/>
-          <a:miter lim="800000"/>
         </a:ln>
         <a:ln w="12700" cap="flat" cmpd="sng" algn="ctr">
           <a:solidFill>
             <a:schemeClr val="phClr"/>
           </a:solidFill>
           <a:prstDash val="solid"/>
-          <a:miter lim="800000"/>
         </a:ln>
         <a:ln w="19050" cap="flat" cmpd="sng" algn="ctr">
           <a:solidFill>
             <a:schemeClr val="phClr"/>
           </a:solidFill>
           <a:prstDash val="solid"/>
-          <a:miter lim="800000"/>
         </a:ln>
       </a:lnStyleLst>
       <a:effectStyleLst>
@@ -9487,15 +11880,33 @@
         </a:effectStyle>
         <a:effectStyle>
           <a:effectLst/>
+          <a:scene3d>
+            <a:camera prst="orthographicFront">
+              <a:rot lat="0" lon="0" rev="0"/>
+            </a:camera>
+            <a:lightRig rig="threePt" dir="t"/>
+          </a:scene3d>
+          <a:sp3d>
+            <a:bevelT w="25400" h="12700"/>
+          </a:sp3d>
         </a:effectStyle>
         <a:effectStyle>
           <a:effectLst>
             <a:outerShdw blurRad="57150" dist="19050" dir="5400000" algn="ctr" rotWithShape="0">
               <a:srgbClr val="000000">
-                <a:alpha val="63000"/>
+                <a:alpha val="48000"/>
               </a:srgbClr>
             </a:outerShdw>
           </a:effectLst>
+          <a:scene3d>
+            <a:camera prst="orthographicFront">
+              <a:rot lat="0" lon="0" rev="0"/>
+            </a:camera>
+            <a:lightRig rig="threePt" dir="t"/>
+          </a:scene3d>
+          <a:sp3d>
+            <a:bevelT w="50800" h="25400"/>
+          </a:sp3d>
         </a:effectStyle>
       </a:effectStyleLst>
       <a:bgFillStyleLst>
@@ -9513,16 +11924,16 @@
             <a:gs pos="0">
               <a:schemeClr val="phClr">
                 <a:tint val="93000"/>
+                <a:shade val="98000"/>
                 <a:satMod val="150000"/>
-                <a:shade val="98000"/>
                 <a:lumMod val="102000"/>
               </a:schemeClr>
             </a:gs>
             <a:gs pos="50000">
               <a:schemeClr val="phClr">
                 <a:tint val="98000"/>
+                <a:shade val="90000"/>
                 <a:satMod val="130000"/>
-                <a:shade val="90000"/>
                 <a:lumMod val="103000"/>
               </a:schemeClr>
             </a:gs>
@@ -9542,7 +11953,7 @@
   <a:extraClrSchemeLst/>
   <a:extLst>
     <a:ext uri="{05A4C25C-085E-4340-85A3-A5531E510DB2}">
-      <thm15:themeFamily xmlns:thm15="http://schemas.microsoft.com/office/thememl/2012/main" name="Office Theme" id="{62F939B6-93AF-4DB8-9C6B-D6C7DFDC589F}" vid="{4A3C46E8-61CC-4603-A589-7422A47A8E4A}"/>
+      <thm15:themeFamily xmlns:thm15="http://schemas.microsoft.com/office/thememl/2012/main" name="Vapor Trail" id="{4FDF2955-7D9C-493C-B9F9-C205151B46CD}" vid="{FE1EB5C7-81A8-4CBA-AE6E-B3BF73DC3895}"/>
     </a:ext>
   </a:extLst>
 </a:theme>
